--- a/lectures/Lecture9-MMG232.pptx
+++ b/lectures/Lecture9-MMG232.pptx
@@ -5,7 +5,7 @@
     <p:sldMasterId id="2147483660" r:id="rId1"/>
   </p:sldMasterIdLst>
   <p:notesMasterIdLst>
-    <p:notesMasterId r:id="rId29"/>
+    <p:notesMasterId r:id="rId32"/>
   </p:notesMasterIdLst>
   <p:sldIdLst>
     <p:sldId id="256" r:id="rId2"/>
@@ -27,14 +27,17 @@
     <p:sldId id="659" r:id="rId18"/>
     <p:sldId id="662" r:id="rId19"/>
     <p:sldId id="663" r:id="rId20"/>
-    <p:sldId id="258" r:id="rId21"/>
-    <p:sldId id="259" r:id="rId22"/>
-    <p:sldId id="275" r:id="rId23"/>
-    <p:sldId id="261" r:id="rId24"/>
-    <p:sldId id="260" r:id="rId25"/>
-    <p:sldId id="277" r:id="rId26"/>
-    <p:sldId id="664" r:id="rId27"/>
-    <p:sldId id="661" r:id="rId28"/>
+    <p:sldId id="673" r:id="rId21"/>
+    <p:sldId id="258" r:id="rId22"/>
+    <p:sldId id="259" r:id="rId23"/>
+    <p:sldId id="275" r:id="rId24"/>
+    <p:sldId id="261" r:id="rId25"/>
+    <p:sldId id="260" r:id="rId26"/>
+    <p:sldId id="277" r:id="rId27"/>
+    <p:sldId id="664" r:id="rId28"/>
+    <p:sldId id="661" r:id="rId29"/>
+    <p:sldId id="675" r:id="rId30"/>
+    <p:sldId id="674" r:id="rId31"/>
   </p:sldIdLst>
   <p:sldSz cx="9144000" cy="6858000" type="screen4x3"/>
   <p:notesSz cx="6858000" cy="9144000"/>
@@ -1165,7 +1168,7 @@
           <a:p>
             <a:fld id="{E36C2CEE-069F-A44C-B436-F2EC05CE2F49}" type="slidenum">
               <a:rPr lang="en-US" smtClean="0"/>
-              <a:t>22</a:t>
+              <a:t>23</a:t>
             </a:fld>
             <a:endParaRPr lang="en-US"/>
           </a:p>
@@ -1252,7 +1255,7 @@
           <a:p>
             <a:fld id="{24BC4AB2-4D54-A145-B623-9892E09C5138}" type="slidenum">
               <a:rPr lang="en-US" smtClean="0"/>
-              <a:t>26</a:t>
+              <a:t>27</a:t>
             </a:fld>
             <a:endParaRPr lang="en-US"/>
           </a:p>
@@ -1339,7 +1342,7 @@
           <a:p>
             <a:fld id="{24BC4AB2-4D54-A145-B623-9892E09C5138}" type="slidenum">
               <a:rPr lang="en-US" smtClean="0"/>
-              <a:t>27</a:t>
+              <a:t>28</a:t>
             </a:fld>
             <a:endParaRPr lang="en-US"/>
           </a:p>
@@ -5567,6 +5570,7 @@
           <a:bodyPr/>
           <a:lstStyle/>
           <a:p>
+            <a:pPr algn="ctr"/>
             <a:r>
               <a:rPr lang="en-US" dirty="0"/>
               <a:t>The dataset </a:t>
@@ -5629,56 +5633,36 @@
           <a:chExt cx="0" cy="0"/>
         </a:xfrm>
       </p:grpSpPr>
-      <p:sp>
-        <p:nvSpPr>
-          <p:cNvPr id="2" name="Title 1">
+      <p:pic>
+        <p:nvPicPr>
+          <p:cNvPr id="5" name="Picture 4">
             <a:extLst>
               <a:ext uri="{FF2B5EF4-FFF2-40B4-BE49-F238E27FC236}">
-                <a16:creationId xmlns:a16="http://schemas.microsoft.com/office/drawing/2014/main" id="{B70B34CE-C2D2-5242-8045-0BB8C79FBA21}"/>
+                <a16:creationId xmlns:a16="http://schemas.microsoft.com/office/drawing/2014/main" id="{A4AF8B68-8DF8-FC4D-BA67-45384D3B08B0}"/>
               </a:ext>
             </a:extLst>
           </p:cNvPr>
-          <p:cNvSpPr>
-            <a:spLocks noGrp="1"/>
-          </p:cNvSpPr>
-          <p:nvPr>
-            <p:ph type="title"/>
-          </p:nvPr>
-        </p:nvSpPr>
-        <p:spPr/>
-        <p:txBody>
-          <a:bodyPr/>
-          <a:lstStyle/>
-          <a:p>
-            <a:endParaRPr lang="en-US" dirty="0"/>
-          </a:p>
-        </p:txBody>
-      </p:sp>
-      <p:sp>
-        <p:nvSpPr>
-          <p:cNvPr id="3" name="Content Placeholder 2">
-            <a:extLst>
-              <a:ext uri="{FF2B5EF4-FFF2-40B4-BE49-F238E27FC236}">
-                <a16:creationId xmlns:a16="http://schemas.microsoft.com/office/drawing/2014/main" id="{13218BEB-B74F-4E41-BAC7-5B7AD46BDC7C}"/>
-              </a:ext>
-            </a:extLst>
-          </p:cNvPr>
-          <p:cNvSpPr>
-            <a:spLocks noGrp="1"/>
-          </p:cNvSpPr>
-          <p:nvPr>
-            <p:ph idx="1"/>
-          </p:nvPr>
-        </p:nvSpPr>
-        <p:spPr/>
-        <p:txBody>
-          <a:bodyPr/>
-          <a:lstStyle/>
-          <a:p>
-            <a:endParaRPr lang="en-US"/>
-          </a:p>
-        </p:txBody>
-      </p:sp>
+          <p:cNvPicPr>
+            <a:picLocks noChangeAspect="1"/>
+          </p:cNvPicPr>
+          <p:nvPr/>
+        </p:nvPicPr>
+        <p:blipFill>
+          <a:blip r:embed="rId2"/>
+          <a:stretch>
+            <a:fillRect/>
+          </a:stretch>
+        </p:blipFill>
+        <p:spPr>
+          <a:xfrm>
+            <a:off x="39581" y="1443038"/>
+            <a:ext cx="9104419" cy="2700338"/>
+          </a:xfrm>
+          <a:prstGeom prst="rect">
+            <a:avLst/>
+          </a:prstGeom>
+        </p:spPr>
+      </p:pic>
     </p:spTree>
     <p:extLst>
       <p:ext uri="{BB962C8B-B14F-4D97-AF65-F5344CB8AC3E}">
@@ -5828,6 +5812,174 @@
 </file>
 
 <file path=ppt/slides/slide20.xml><?xml version="1.0" encoding="utf-8"?>
+<p:sld xmlns:a="http://schemas.openxmlformats.org/drawingml/2006/main" xmlns:r="http://schemas.openxmlformats.org/officeDocument/2006/relationships" xmlns:p="http://schemas.openxmlformats.org/presentationml/2006/main">
+  <p:cSld>
+    <p:spTree>
+      <p:nvGrpSpPr>
+        <p:cNvPr id="1" name=""/>
+        <p:cNvGrpSpPr/>
+        <p:nvPr/>
+      </p:nvGrpSpPr>
+      <p:grpSpPr>
+        <a:xfrm>
+          <a:off x="0" y="0"/>
+          <a:ext cx="0" cy="0"/>
+          <a:chOff x="0" y="0"/>
+          <a:chExt cx="0" cy="0"/>
+        </a:xfrm>
+      </p:grpSpPr>
+      <p:pic>
+        <p:nvPicPr>
+          <p:cNvPr id="5" name="Picture 4">
+            <a:extLst>
+              <a:ext uri="{FF2B5EF4-FFF2-40B4-BE49-F238E27FC236}">
+                <a16:creationId xmlns:a16="http://schemas.microsoft.com/office/drawing/2014/main" id="{A4AF8B68-8DF8-FC4D-BA67-45384D3B08B0}"/>
+              </a:ext>
+            </a:extLst>
+          </p:cNvPr>
+          <p:cNvPicPr>
+            <a:picLocks noChangeAspect="1"/>
+          </p:cNvPicPr>
+          <p:nvPr/>
+        </p:nvPicPr>
+        <p:blipFill>
+          <a:blip r:embed="rId2"/>
+          <a:stretch>
+            <a:fillRect/>
+          </a:stretch>
+        </p:blipFill>
+        <p:spPr>
+          <a:xfrm>
+            <a:off x="39581" y="1443038"/>
+            <a:ext cx="9104419" cy="2700338"/>
+          </a:xfrm>
+          <a:prstGeom prst="rect">
+            <a:avLst/>
+          </a:prstGeom>
+        </p:spPr>
+      </p:pic>
+      <p:sp>
+        <p:nvSpPr>
+          <p:cNvPr id="6" name="Rounded Rectangle 5">
+            <a:extLst>
+              <a:ext uri="{FF2B5EF4-FFF2-40B4-BE49-F238E27FC236}">
+                <a16:creationId xmlns:a16="http://schemas.microsoft.com/office/drawing/2014/main" id="{588AD2EB-61D5-834F-8866-6243107D67CD}"/>
+              </a:ext>
+            </a:extLst>
+          </p:cNvPr>
+          <p:cNvSpPr/>
+          <p:nvPr/>
+        </p:nvSpPr>
+        <p:spPr>
+          <a:xfrm>
+            <a:off x="142875" y="2057400"/>
+            <a:ext cx="9001125" cy="400050"/>
+          </a:xfrm>
+          <a:prstGeom prst="roundRect">
+            <a:avLst/>
+          </a:prstGeom>
+          <a:noFill/>
+          <a:ln w="57150">
+            <a:solidFill>
+              <a:schemeClr val="accent4">
+                <a:lumMod val="75000"/>
+              </a:schemeClr>
+            </a:solidFill>
+          </a:ln>
+        </p:spPr>
+        <p:style>
+          <a:lnRef idx="2">
+            <a:schemeClr val="accent1">
+              <a:shade val="50000"/>
+            </a:schemeClr>
+          </a:lnRef>
+          <a:fillRef idx="1">
+            <a:schemeClr val="accent1"/>
+          </a:fillRef>
+          <a:effectRef idx="0">
+            <a:schemeClr val="accent1"/>
+          </a:effectRef>
+          <a:fontRef idx="minor">
+            <a:schemeClr val="lt1"/>
+          </a:fontRef>
+        </p:style>
+        <p:txBody>
+          <a:bodyPr rtlCol="0" anchor="ctr"/>
+          <a:lstStyle/>
+          <a:p>
+            <a:pPr algn="ctr"/>
+            <a:endParaRPr lang="en-US"/>
+          </a:p>
+        </p:txBody>
+      </p:sp>
+      <p:sp>
+        <p:nvSpPr>
+          <p:cNvPr id="7" name="Rounded Rectangle 6">
+            <a:extLst>
+              <a:ext uri="{FF2B5EF4-FFF2-40B4-BE49-F238E27FC236}">
+                <a16:creationId xmlns:a16="http://schemas.microsoft.com/office/drawing/2014/main" id="{9FB2A5C5-0E88-294C-B9E3-028ECF7223F1}"/>
+              </a:ext>
+            </a:extLst>
+          </p:cNvPr>
+          <p:cNvSpPr/>
+          <p:nvPr/>
+        </p:nvSpPr>
+        <p:spPr>
+          <a:xfrm>
+            <a:off x="103294" y="3071812"/>
+            <a:ext cx="9001125" cy="400050"/>
+          </a:xfrm>
+          <a:prstGeom prst="roundRect">
+            <a:avLst/>
+          </a:prstGeom>
+          <a:noFill/>
+          <a:ln w="57150">
+            <a:solidFill>
+              <a:schemeClr val="accent4">
+                <a:lumMod val="75000"/>
+              </a:schemeClr>
+            </a:solidFill>
+          </a:ln>
+        </p:spPr>
+        <p:style>
+          <a:lnRef idx="2">
+            <a:schemeClr val="accent1">
+              <a:shade val="50000"/>
+            </a:schemeClr>
+          </a:lnRef>
+          <a:fillRef idx="1">
+            <a:schemeClr val="accent1"/>
+          </a:fillRef>
+          <a:effectRef idx="0">
+            <a:schemeClr val="accent1"/>
+          </a:effectRef>
+          <a:fontRef idx="minor">
+            <a:schemeClr val="lt1"/>
+          </a:fontRef>
+        </p:style>
+        <p:txBody>
+          <a:bodyPr rtlCol="0" anchor="ctr"/>
+          <a:lstStyle/>
+          <a:p>
+            <a:pPr algn="ctr"/>
+            <a:endParaRPr lang="en-US"/>
+          </a:p>
+        </p:txBody>
+      </p:sp>
+    </p:spTree>
+    <p:extLst>
+      <p:ext uri="{BB962C8B-B14F-4D97-AF65-F5344CB8AC3E}">
+        <p14:creationId xmlns:p14="http://schemas.microsoft.com/office/powerpoint/2010/main" val="3878697168"/>
+      </p:ext>
+    </p:extLst>
+  </p:cSld>
+  <p:clrMapOvr>
+    <a:masterClrMapping/>
+  </p:clrMapOvr>
+</p:sld>
+</file>
+
+<file path=ppt/slides/slide21.xml><?xml version="1.0" encoding="utf-8"?>
 <p:sld xmlns:a="http://schemas.openxmlformats.org/drawingml/2006/main" xmlns:r="http://schemas.openxmlformats.org/officeDocument/2006/relationships" xmlns:p="http://schemas.openxmlformats.org/presentationml/2006/main">
   <p:cSld>
     <p:spTree>
@@ -5977,7 +6129,7 @@
 </p:sld>
 </file>
 
-<file path=ppt/slides/slide21.xml><?xml version="1.0" encoding="utf-8"?>
+<file path=ppt/slides/slide22.xml><?xml version="1.0" encoding="utf-8"?>
 <p:sld xmlns:a="http://schemas.openxmlformats.org/drawingml/2006/main" xmlns:r="http://schemas.openxmlformats.org/officeDocument/2006/relationships" xmlns:p="http://schemas.openxmlformats.org/presentationml/2006/main">
   <p:cSld>
     <p:spTree>
@@ -6145,7 +6297,7 @@
 </p:sld>
 </file>
 
-<file path=ppt/slides/slide22.xml><?xml version="1.0" encoding="utf-8"?>
+<file path=ppt/slides/slide23.xml><?xml version="1.0" encoding="utf-8"?>
 <p:sld xmlns:a="http://schemas.openxmlformats.org/drawingml/2006/main" xmlns:r="http://schemas.openxmlformats.org/officeDocument/2006/relationships" xmlns:p="http://schemas.openxmlformats.org/presentationml/2006/main">
   <p:cSld>
     <p:spTree>
@@ -6288,7 +6440,7 @@
 </p:sld>
 </file>
 
-<file path=ppt/slides/slide23.xml><?xml version="1.0" encoding="utf-8"?>
+<file path=ppt/slides/slide24.xml><?xml version="1.0" encoding="utf-8"?>
 <p:sld xmlns:a="http://schemas.openxmlformats.org/drawingml/2006/main" xmlns:r="http://schemas.openxmlformats.org/officeDocument/2006/relationships" xmlns:p="http://schemas.openxmlformats.org/presentationml/2006/main">
   <p:cSld>
     <p:spTree>
@@ -6465,138 +6617,6 @@
 </p:sld>
 </file>
 
-<file path=ppt/slides/slide24.xml><?xml version="1.0" encoding="utf-8"?>
-<p:sld xmlns:a="http://schemas.openxmlformats.org/drawingml/2006/main" xmlns:r="http://schemas.openxmlformats.org/officeDocument/2006/relationships" xmlns:p="http://schemas.openxmlformats.org/presentationml/2006/main">
-  <p:cSld>
-    <p:spTree>
-      <p:nvGrpSpPr>
-        <p:cNvPr id="1" name=""/>
-        <p:cNvGrpSpPr/>
-        <p:nvPr/>
-      </p:nvGrpSpPr>
-      <p:grpSpPr>
-        <a:xfrm>
-          <a:off x="0" y="0"/>
-          <a:ext cx="0" cy="0"/>
-          <a:chOff x="0" y="0"/>
-          <a:chExt cx="0" cy="0"/>
-        </a:xfrm>
-      </p:grpSpPr>
-      <p:sp>
-        <p:nvSpPr>
-          <p:cNvPr id="2" name="Title 1">
-            <a:extLst>
-              <a:ext uri="{FF2B5EF4-FFF2-40B4-BE49-F238E27FC236}">
-                <a16:creationId xmlns:a16="http://schemas.microsoft.com/office/drawing/2014/main" id="{652FC0F8-F798-9E44-B3C4-3373B308FD17}"/>
-              </a:ext>
-            </a:extLst>
-          </p:cNvPr>
-          <p:cNvSpPr>
-            <a:spLocks noGrp="1"/>
-          </p:cNvSpPr>
-          <p:nvPr>
-            <p:ph type="title"/>
-          </p:nvPr>
-        </p:nvSpPr>
-        <p:spPr>
-          <a:xfrm>
-            <a:off x="940322" y="1327355"/>
-            <a:ext cx="7437120" cy="1910103"/>
-          </a:xfrm>
-        </p:spPr>
-        <p:txBody>
-          <a:bodyPr>
-            <a:normAutofit/>
-          </a:bodyPr>
-          <a:lstStyle/>
-          <a:p>
-            <a:r>
-              <a:rPr lang="en-US" dirty="0"/>
-              <a:t>To recall the contents of the variable </a:t>
-            </a:r>
-          </a:p>
-        </p:txBody>
-      </p:sp>
-      <p:sp>
-        <p:nvSpPr>
-          <p:cNvPr id="3" name="Content Placeholder 2">
-            <a:extLst>
-              <a:ext uri="{FF2B5EF4-FFF2-40B4-BE49-F238E27FC236}">
-                <a16:creationId xmlns:a16="http://schemas.microsoft.com/office/drawing/2014/main" id="{9F5C7A45-6D6A-A647-B129-A4EF21D5D474}"/>
-              </a:ext>
-            </a:extLst>
-          </p:cNvPr>
-          <p:cNvSpPr>
-            <a:spLocks noGrp="1"/>
-          </p:cNvSpPr>
-          <p:nvPr>
-            <p:ph idx="1"/>
-          </p:nvPr>
-        </p:nvSpPr>
-        <p:spPr>
-          <a:xfrm>
-            <a:off x="940322" y="2983230"/>
-            <a:ext cx="7940788" cy="2826690"/>
-          </a:xfrm>
-        </p:spPr>
-        <p:txBody>
-          <a:bodyPr>
-            <a:normAutofit/>
-          </a:bodyPr>
-          <a:lstStyle/>
-          <a:p>
-            <a:pPr marL="0" indent="0">
-              <a:buNone/>
-            </a:pPr>
-            <a:r>
-              <a:rPr lang="en-US" sz="4800" b="0" dirty="0">
-                <a:solidFill>
-                  <a:schemeClr val="tx1"/>
-                </a:solidFill>
-                <a:effectLst/>
-                <a:latin typeface="Menlo" panose="020B0609030804020204" pitchFamily="49" charset="0"/>
-              </a:rPr>
-              <a:t>echo $</a:t>
-            </a:r>
-            <a:r>
-              <a:rPr lang="en-US" sz="4800" b="0" dirty="0" err="1">
-                <a:solidFill>
-                  <a:schemeClr val="tx1"/>
-                </a:solidFill>
-                <a:effectLst/>
-                <a:latin typeface="Menlo" panose="020B0609030804020204" pitchFamily="49" charset="0"/>
-              </a:rPr>
-              <a:t>nameofvariable</a:t>
-            </a:r>
-            <a:endParaRPr lang="en-US" sz="4800" b="0" dirty="0">
-              <a:solidFill>
-                <a:schemeClr val="tx1"/>
-              </a:solidFill>
-              <a:effectLst/>
-              <a:latin typeface="Menlo" panose="020B0609030804020204" pitchFamily="49" charset="0"/>
-            </a:endParaRPr>
-          </a:p>
-          <a:p>
-            <a:pPr marL="0" indent="0">
-              <a:buNone/>
-            </a:pPr>
-            <a:endParaRPr lang="en-US" dirty="0"/>
-          </a:p>
-        </p:txBody>
-      </p:sp>
-    </p:spTree>
-    <p:extLst>
-      <p:ext uri="{BB962C8B-B14F-4D97-AF65-F5344CB8AC3E}">
-        <p14:creationId xmlns:p14="http://schemas.microsoft.com/office/powerpoint/2010/main" val="289523977"/>
-      </p:ext>
-    </p:extLst>
-  </p:cSld>
-  <p:clrMapOvr>
-    <a:masterClrMapping/>
-  </p:clrMapOvr>
-</p:sld>
-</file>
-
 <file path=ppt/slides/slide25.xml><?xml version="1.0" encoding="utf-8"?>
 <p:sld xmlns:a="http://schemas.openxmlformats.org/drawingml/2006/main" xmlns:r="http://schemas.openxmlformats.org/officeDocument/2006/relationships" xmlns:p="http://schemas.openxmlformats.org/presentationml/2006/main">
   <p:cSld>
@@ -6619,7 +6639,7 @@
           <p:cNvPr id="2" name="Title 1">
             <a:extLst>
               <a:ext uri="{FF2B5EF4-FFF2-40B4-BE49-F238E27FC236}">
-                <a16:creationId xmlns:a16="http://schemas.microsoft.com/office/drawing/2014/main" id="{861BF8E9-2184-F943-B66B-9E8AC6AD97F9}"/>
+                <a16:creationId xmlns:a16="http://schemas.microsoft.com/office/drawing/2014/main" id="{652FC0F8-F798-9E44-B3C4-3373B308FD17}"/>
               </a:ext>
             </a:extLst>
           </p:cNvPr>
@@ -6632,8 +6652,8 @@
         </p:nvSpPr>
         <p:spPr>
           <a:xfrm>
-            <a:off x="940322" y="1048081"/>
-            <a:ext cx="7721078" cy="1100759"/>
+            <a:off x="940322" y="1327355"/>
+            <a:ext cx="7437120" cy="1910103"/>
           </a:xfrm>
         </p:spPr>
         <p:txBody>
@@ -6643,18 +6663,18 @@
           <a:lstStyle/>
           <a:p>
             <a:r>
-              <a:rPr lang="en-US" sz="4100" dirty="0"/>
-              <a:t>Utility of variables</a:t>
-            </a:r>
-          </a:p>
-        </p:txBody>
-      </p:sp>
-      <p:sp>
-        <p:nvSpPr>
-          <p:cNvPr id="6" name="Content Placeholder 2">
+              <a:rPr lang="en-US" dirty="0"/>
+              <a:t>To recall the contents of the variable </a:t>
+            </a:r>
+          </a:p>
+        </p:txBody>
+      </p:sp>
+      <p:sp>
+        <p:nvSpPr>
+          <p:cNvPr id="3" name="Content Placeholder 2">
             <a:extLst>
               <a:ext uri="{FF2B5EF4-FFF2-40B4-BE49-F238E27FC236}">
-                <a16:creationId xmlns:a16="http://schemas.microsoft.com/office/drawing/2014/main" id="{255FE73A-14D2-9F45-A1AB-0199826EF2AB}"/>
+                <a16:creationId xmlns:a16="http://schemas.microsoft.com/office/drawing/2014/main" id="{9F5C7A45-6D6A-A647-B129-A4EF21D5D474}"/>
               </a:ext>
             </a:extLst>
           </p:cNvPr>
@@ -6667,8 +6687,8 @@
         </p:nvSpPr>
         <p:spPr>
           <a:xfrm>
-            <a:off x="940322" y="2148840"/>
-            <a:ext cx="7940788" cy="3135300"/>
+            <a:off x="940322" y="2983230"/>
+            <a:ext cx="7940788" cy="2826690"/>
           </a:xfrm>
         </p:spPr>
         <p:txBody>
@@ -6677,27 +6697,36 @@
           </a:bodyPr>
           <a:lstStyle/>
           <a:p>
-            <a:r>
-              <a:rPr lang="en-US" sz="3600" dirty="0">
-                <a:solidFill>
-                  <a:schemeClr val="tx1"/>
-                </a:solidFill>
-                <a:latin typeface="Arial" panose="020B0604020202020204" pitchFamily="34" charset="0"/>
-                <a:cs typeface="Arial" panose="020B0604020202020204" pitchFamily="34" charset="0"/>
-              </a:rPr>
-              <a:t>V</a:t>
-            </a:r>
-            <a:r>
-              <a:rPr lang="en-US" sz="3600" b="0" dirty="0">
+            <a:pPr marL="0" indent="0">
+              <a:buNone/>
+            </a:pPr>
+            <a:r>
+              <a:rPr lang="en-US" sz="4800" b="0" dirty="0">
                 <a:solidFill>
                   <a:schemeClr val="tx1"/>
                 </a:solidFill>
                 <a:effectLst/>
-                <a:latin typeface="Arial" panose="020B0604020202020204" pitchFamily="34" charset="0"/>
-                <a:cs typeface="Arial" panose="020B0604020202020204" pitchFamily="34" charset="0"/>
+                <a:latin typeface="Menlo" panose="020B0609030804020204" pitchFamily="49" charset="0"/>
               </a:rPr>
-              <a:t>ariables can be used to store information that can be used later in the script (once or many times over)</a:t>
-            </a:r>
+              <a:t>echo $</a:t>
+            </a:r>
+            <a:r>
+              <a:rPr lang="en-US" sz="4800" b="0" dirty="0" err="1">
+                <a:solidFill>
+                  <a:schemeClr val="tx1"/>
+                </a:solidFill>
+                <a:effectLst/>
+                <a:latin typeface="Menlo" panose="020B0609030804020204" pitchFamily="49" charset="0"/>
+              </a:rPr>
+              <a:t>nameofvariable</a:t>
+            </a:r>
+            <a:endParaRPr lang="en-US" sz="4800" b="0" dirty="0">
+              <a:solidFill>
+                <a:schemeClr val="tx1"/>
+              </a:solidFill>
+              <a:effectLst/>
+              <a:latin typeface="Menlo" panose="020B0609030804020204" pitchFamily="49" charset="0"/>
+            </a:endParaRPr>
           </a:p>
           <a:p>
             <a:pPr marL="0" indent="0">
@@ -6710,7 +6739,7 @@
     </p:spTree>
     <p:extLst>
       <p:ext uri="{BB962C8B-B14F-4D97-AF65-F5344CB8AC3E}">
-        <p14:creationId xmlns:p14="http://schemas.microsoft.com/office/powerpoint/2010/main" val="3411040989"/>
+        <p14:creationId xmlns:p14="http://schemas.microsoft.com/office/powerpoint/2010/main" val="289523977"/>
       </p:ext>
     </p:extLst>
   </p:cSld>
@@ -6742,7 +6771,7 @@
           <p:cNvPr id="2" name="Title 1">
             <a:extLst>
               <a:ext uri="{FF2B5EF4-FFF2-40B4-BE49-F238E27FC236}">
-                <a16:creationId xmlns:a16="http://schemas.microsoft.com/office/drawing/2014/main" id="{18BC4378-A7C3-2B4B-B078-9BEF0379CE68}"/>
+                <a16:creationId xmlns:a16="http://schemas.microsoft.com/office/drawing/2014/main" id="{861BF8E9-2184-F943-B66B-9E8AC6AD97F9}"/>
               </a:ext>
             </a:extLst>
           </p:cNvPr>
@@ -6753,21 +6782,31 @@
             <p:ph type="title"/>
           </p:nvPr>
         </p:nvSpPr>
-        <p:spPr/>
-        <p:txBody>
-          <a:bodyPr/>
-          <a:lstStyle/>
-          <a:p>
-            <a:endParaRPr lang="en-US" dirty="0"/>
-          </a:p>
-        </p:txBody>
-      </p:sp>
-      <p:sp>
-        <p:nvSpPr>
-          <p:cNvPr id="3" name="Content Placeholder 2">
+        <p:spPr>
+          <a:xfrm>
+            <a:off x="940322" y="1048081"/>
+            <a:ext cx="7721078" cy="1100759"/>
+          </a:xfrm>
+        </p:spPr>
+        <p:txBody>
+          <a:bodyPr>
+            <a:normAutofit/>
+          </a:bodyPr>
+          <a:lstStyle/>
+          <a:p>
+            <a:r>
+              <a:rPr lang="en-US" sz="4100" dirty="0"/>
+              <a:t>Utility of variables</a:t>
+            </a:r>
+          </a:p>
+        </p:txBody>
+      </p:sp>
+      <p:sp>
+        <p:nvSpPr>
+          <p:cNvPr id="6" name="Content Placeholder 2">
             <a:extLst>
               <a:ext uri="{FF2B5EF4-FFF2-40B4-BE49-F238E27FC236}">
-                <a16:creationId xmlns:a16="http://schemas.microsoft.com/office/drawing/2014/main" id="{14251E49-2C1B-1B44-A97F-99C3C5DBCB5C}"/>
+                <a16:creationId xmlns:a16="http://schemas.microsoft.com/office/drawing/2014/main" id="{255FE73A-14D2-9F45-A1AB-0199826EF2AB}"/>
               </a:ext>
             </a:extLst>
           </p:cNvPr>
@@ -6778,78 +6817,38 @@
             <p:ph idx="1"/>
           </p:nvPr>
         </p:nvSpPr>
-        <p:spPr/>
-        <p:txBody>
-          <a:bodyPr/>
-          <a:lstStyle/>
-          <a:p>
-            <a:pPr marL="0" indent="0">
-              <a:buNone/>
-            </a:pPr>
-            <a:r>
-              <a:rPr lang="en-US" b="0" dirty="0">
+        <p:spPr>
+          <a:xfrm>
+            <a:off x="940322" y="2148840"/>
+            <a:ext cx="7940788" cy="3135300"/>
+          </a:xfrm>
+        </p:spPr>
+        <p:txBody>
+          <a:bodyPr>
+            <a:normAutofit/>
+          </a:bodyPr>
+          <a:lstStyle/>
+          <a:p>
+            <a:r>
+              <a:rPr lang="en-US" sz="3600" dirty="0">
                 <a:solidFill>
-                  <a:srgbClr val="292929"/>
+                  <a:schemeClr val="tx1"/>
+                </a:solidFill>
+                <a:latin typeface="Arial" panose="020B0604020202020204" pitchFamily="34" charset="0"/>
+                <a:cs typeface="Arial" panose="020B0604020202020204" pitchFamily="34" charset="0"/>
+              </a:rPr>
+              <a:t>V</a:t>
+            </a:r>
+            <a:r>
+              <a:rPr lang="en-US" sz="3600" b="0" dirty="0">
+                <a:solidFill>
+                  <a:schemeClr val="tx1"/>
                 </a:solidFill>
                 <a:effectLst/>
-                <a:latin typeface="Menlo" panose="020B0609030804020204" pitchFamily="49" charset="0"/>
+                <a:latin typeface="Arial" panose="020B0604020202020204" pitchFamily="34" charset="0"/>
+                <a:cs typeface="Arial" panose="020B0604020202020204" pitchFamily="34" charset="0"/>
               </a:rPr>
-              <a:t>DBDIR=/users/p/d/</a:t>
-            </a:r>
-            <a:r>
-              <a:rPr lang="en-US" b="0" dirty="0" err="1">
-                <a:solidFill>
-                  <a:srgbClr val="292929"/>
-                </a:solidFill>
-                <a:effectLst/>
-                <a:latin typeface="Menlo" panose="020B0609030804020204" pitchFamily="49" charset="0"/>
-              </a:rPr>
-              <a:t>pdrodrig</a:t>
-            </a:r>
-            <a:r>
-              <a:rPr lang="en-US" b="0" dirty="0">
-                <a:solidFill>
-                  <a:srgbClr val="292929"/>
-                </a:solidFill>
-                <a:effectLst/>
-                <a:latin typeface="Menlo" panose="020B0609030804020204" pitchFamily="49" charset="0"/>
-              </a:rPr>
-              <a:t>/</a:t>
-            </a:r>
-            <a:r>
-              <a:rPr lang="en-US" b="0" dirty="0" err="1">
-                <a:solidFill>
-                  <a:srgbClr val="292929"/>
-                </a:solidFill>
-                <a:effectLst/>
-                <a:latin typeface="Menlo" panose="020B0609030804020204" pitchFamily="49" charset="0"/>
-              </a:rPr>
-              <a:t>genome_index</a:t>
-            </a:r>
-            <a:endParaRPr lang="en-US" b="0" dirty="0">
-              <a:solidFill>
-                <a:srgbClr val="292929"/>
-              </a:solidFill>
-              <a:effectLst/>
-              <a:latin typeface="Menlo" panose="020B0609030804020204" pitchFamily="49" charset="0"/>
-            </a:endParaRPr>
-          </a:p>
-          <a:p>
-            <a:endParaRPr lang="en-US" dirty="0"/>
-          </a:p>
-          <a:p>
-            <a:pPr marL="0" indent="0">
-              <a:buNone/>
-            </a:pPr>
-            <a:r>
-              <a:rPr lang="en-US" b="0" dirty="0">
-                <a:solidFill>
-                  <a:srgbClr val="292929"/>
-                </a:solidFill>
-                <a:effectLst/>
-                <a:latin typeface="Menlo" panose="020B0609030804020204" pitchFamily="49" charset="0"/>
-              </a:rPr>
-              <a:t>In this case, this is showing a location to a specific directory </a:t>
+              <a:t>ariables can be used to store information that can be used later in the script (once or many times over)</a:t>
             </a:r>
           </a:p>
           <a:p>
@@ -6863,7 +6862,7 @@
     </p:spTree>
     <p:extLst>
       <p:ext uri="{BB962C8B-B14F-4D97-AF65-F5344CB8AC3E}">
-        <p14:creationId xmlns:p14="http://schemas.microsoft.com/office/powerpoint/2010/main" val="814947880"/>
+        <p14:creationId xmlns:p14="http://schemas.microsoft.com/office/powerpoint/2010/main" val="3411040989"/>
       </p:ext>
     </p:extLst>
   </p:cSld>
@@ -6895,6 +6894,159 @@
           <p:cNvPr id="2" name="Title 1">
             <a:extLst>
               <a:ext uri="{FF2B5EF4-FFF2-40B4-BE49-F238E27FC236}">
+                <a16:creationId xmlns:a16="http://schemas.microsoft.com/office/drawing/2014/main" id="{18BC4378-A7C3-2B4B-B078-9BEF0379CE68}"/>
+              </a:ext>
+            </a:extLst>
+          </p:cNvPr>
+          <p:cNvSpPr>
+            <a:spLocks noGrp="1"/>
+          </p:cNvSpPr>
+          <p:nvPr>
+            <p:ph type="title"/>
+          </p:nvPr>
+        </p:nvSpPr>
+        <p:spPr/>
+        <p:txBody>
+          <a:bodyPr/>
+          <a:lstStyle/>
+          <a:p>
+            <a:endParaRPr lang="en-US" dirty="0"/>
+          </a:p>
+        </p:txBody>
+      </p:sp>
+      <p:sp>
+        <p:nvSpPr>
+          <p:cNvPr id="3" name="Content Placeholder 2">
+            <a:extLst>
+              <a:ext uri="{FF2B5EF4-FFF2-40B4-BE49-F238E27FC236}">
+                <a16:creationId xmlns:a16="http://schemas.microsoft.com/office/drawing/2014/main" id="{14251E49-2C1B-1B44-A97F-99C3C5DBCB5C}"/>
+              </a:ext>
+            </a:extLst>
+          </p:cNvPr>
+          <p:cNvSpPr>
+            <a:spLocks noGrp="1"/>
+          </p:cNvSpPr>
+          <p:nvPr>
+            <p:ph idx="1"/>
+          </p:nvPr>
+        </p:nvSpPr>
+        <p:spPr/>
+        <p:txBody>
+          <a:bodyPr/>
+          <a:lstStyle/>
+          <a:p>
+            <a:pPr marL="0" indent="0">
+              <a:buNone/>
+            </a:pPr>
+            <a:r>
+              <a:rPr lang="en-US" b="0" dirty="0">
+                <a:solidFill>
+                  <a:srgbClr val="292929"/>
+                </a:solidFill>
+                <a:effectLst/>
+                <a:latin typeface="Menlo" panose="020B0609030804020204" pitchFamily="49" charset="0"/>
+              </a:rPr>
+              <a:t>DBDIR=/users/p/d/</a:t>
+            </a:r>
+            <a:r>
+              <a:rPr lang="en-US" b="0" dirty="0" err="1">
+                <a:solidFill>
+                  <a:srgbClr val="292929"/>
+                </a:solidFill>
+                <a:effectLst/>
+                <a:latin typeface="Menlo" panose="020B0609030804020204" pitchFamily="49" charset="0"/>
+              </a:rPr>
+              <a:t>pdrodrig</a:t>
+            </a:r>
+            <a:r>
+              <a:rPr lang="en-US" b="0" dirty="0">
+                <a:solidFill>
+                  <a:srgbClr val="292929"/>
+                </a:solidFill>
+                <a:effectLst/>
+                <a:latin typeface="Menlo" panose="020B0609030804020204" pitchFamily="49" charset="0"/>
+              </a:rPr>
+              <a:t>/</a:t>
+            </a:r>
+            <a:r>
+              <a:rPr lang="en-US" b="0" dirty="0" err="1">
+                <a:solidFill>
+                  <a:srgbClr val="292929"/>
+                </a:solidFill>
+                <a:effectLst/>
+                <a:latin typeface="Menlo" panose="020B0609030804020204" pitchFamily="49" charset="0"/>
+              </a:rPr>
+              <a:t>genome_index</a:t>
+            </a:r>
+            <a:endParaRPr lang="en-US" b="0" dirty="0">
+              <a:solidFill>
+                <a:srgbClr val="292929"/>
+              </a:solidFill>
+              <a:effectLst/>
+              <a:latin typeface="Menlo" panose="020B0609030804020204" pitchFamily="49" charset="0"/>
+            </a:endParaRPr>
+          </a:p>
+          <a:p>
+            <a:endParaRPr lang="en-US" dirty="0"/>
+          </a:p>
+          <a:p>
+            <a:pPr marL="0" indent="0">
+              <a:buNone/>
+            </a:pPr>
+            <a:r>
+              <a:rPr lang="en-US" b="0" dirty="0">
+                <a:solidFill>
+                  <a:srgbClr val="292929"/>
+                </a:solidFill>
+                <a:effectLst/>
+                <a:latin typeface="Menlo" panose="020B0609030804020204" pitchFamily="49" charset="0"/>
+              </a:rPr>
+              <a:t>In this case, this is showing a location to a specific directory </a:t>
+            </a:r>
+          </a:p>
+          <a:p>
+            <a:pPr marL="0" indent="0">
+              <a:buNone/>
+            </a:pPr>
+            <a:endParaRPr lang="en-US" dirty="0"/>
+          </a:p>
+        </p:txBody>
+      </p:sp>
+    </p:spTree>
+    <p:extLst>
+      <p:ext uri="{BB962C8B-B14F-4D97-AF65-F5344CB8AC3E}">
+        <p14:creationId xmlns:p14="http://schemas.microsoft.com/office/powerpoint/2010/main" val="814947880"/>
+      </p:ext>
+    </p:extLst>
+  </p:cSld>
+  <p:clrMapOvr>
+    <a:masterClrMapping/>
+  </p:clrMapOvr>
+</p:sld>
+</file>
+
+<file path=ppt/slides/slide28.xml><?xml version="1.0" encoding="utf-8"?>
+<p:sld xmlns:a="http://schemas.openxmlformats.org/drawingml/2006/main" xmlns:r="http://schemas.openxmlformats.org/officeDocument/2006/relationships" xmlns:p="http://schemas.openxmlformats.org/presentationml/2006/main">
+  <p:cSld>
+    <p:spTree>
+      <p:nvGrpSpPr>
+        <p:cNvPr id="1" name=""/>
+        <p:cNvGrpSpPr/>
+        <p:nvPr/>
+      </p:nvGrpSpPr>
+      <p:grpSpPr>
+        <a:xfrm>
+          <a:off x="0" y="0"/>
+          <a:ext cx="0" cy="0"/>
+          <a:chOff x="0" y="0"/>
+          <a:chExt cx="0" cy="0"/>
+        </a:xfrm>
+      </p:grpSpPr>
+      <p:sp>
+        <p:nvSpPr>
+          <p:cNvPr id="2" name="Title 1">
+            <a:extLst>
+              <a:ext uri="{FF2B5EF4-FFF2-40B4-BE49-F238E27FC236}">
                 <a16:creationId xmlns:a16="http://schemas.microsoft.com/office/drawing/2014/main" id="{5D1A6C42-89EC-0E40-942E-B26C682B78E9}"/>
               </a:ext>
             </a:extLst>
@@ -6947,6 +7099,89 @@
     <p:extLst>
       <p:ext uri="{BB962C8B-B14F-4D97-AF65-F5344CB8AC3E}">
         <p14:creationId xmlns:p14="http://schemas.microsoft.com/office/powerpoint/2010/main" val="1960644751"/>
+      </p:ext>
+    </p:extLst>
+  </p:cSld>
+  <p:clrMapOvr>
+    <a:masterClrMapping/>
+  </p:clrMapOvr>
+</p:sld>
+</file>
+
+<file path=ppt/slides/slide29.xml><?xml version="1.0" encoding="utf-8"?>
+<p:sld xmlns:a="http://schemas.openxmlformats.org/drawingml/2006/main" xmlns:r="http://schemas.openxmlformats.org/officeDocument/2006/relationships" xmlns:p="http://schemas.openxmlformats.org/presentationml/2006/main">
+  <p:cSld>
+    <p:spTree>
+      <p:nvGrpSpPr>
+        <p:cNvPr id="1" name=""/>
+        <p:cNvGrpSpPr/>
+        <p:nvPr/>
+      </p:nvGrpSpPr>
+      <p:grpSpPr>
+        <a:xfrm>
+          <a:off x="0" y="0"/>
+          <a:ext cx="0" cy="0"/>
+          <a:chOff x="0" y="0"/>
+          <a:chExt cx="0" cy="0"/>
+        </a:xfrm>
+      </p:grpSpPr>
+      <p:sp>
+        <p:nvSpPr>
+          <p:cNvPr id="2" name="Title 1">
+            <a:extLst>
+              <a:ext uri="{FF2B5EF4-FFF2-40B4-BE49-F238E27FC236}">
+                <a16:creationId xmlns:a16="http://schemas.microsoft.com/office/drawing/2014/main" id="{5FB8A856-9C62-234C-A119-407815508D45}"/>
+              </a:ext>
+            </a:extLst>
+          </p:cNvPr>
+          <p:cNvSpPr>
+            <a:spLocks noGrp="1"/>
+          </p:cNvSpPr>
+          <p:nvPr>
+            <p:ph type="title"/>
+          </p:nvPr>
+        </p:nvSpPr>
+        <p:spPr/>
+        <p:txBody>
+          <a:bodyPr/>
+          <a:lstStyle/>
+          <a:p>
+            <a:r>
+              <a:rPr lang="en-US" dirty="0"/>
+              <a:t>HISAT2 usage </a:t>
+            </a:r>
+          </a:p>
+        </p:txBody>
+      </p:sp>
+      <p:sp>
+        <p:nvSpPr>
+          <p:cNvPr id="3" name="Content Placeholder 2">
+            <a:extLst>
+              <a:ext uri="{FF2B5EF4-FFF2-40B4-BE49-F238E27FC236}">
+                <a16:creationId xmlns:a16="http://schemas.microsoft.com/office/drawing/2014/main" id="{8E774E7E-ABA5-1B4C-B1CA-ED7CDE6FAF8D}"/>
+              </a:ext>
+            </a:extLst>
+          </p:cNvPr>
+          <p:cNvSpPr>
+            <a:spLocks noGrp="1"/>
+          </p:cNvSpPr>
+          <p:nvPr>
+            <p:ph idx="1"/>
+          </p:nvPr>
+        </p:nvSpPr>
+        <p:spPr/>
+        <p:txBody>
+          <a:bodyPr/>
+          <a:lstStyle/>
+          <a:p>
+            <a:endParaRPr lang="en-US"/>
+          </a:p>
+        </p:txBody>
+      </p:sp>
+    </p:spTree>
+    <p:extLst>
+      <p:ext uri="{BB962C8B-B14F-4D97-AF65-F5344CB8AC3E}">
+        <p14:creationId xmlns:p14="http://schemas.microsoft.com/office/powerpoint/2010/main" val="3293356738"/>
       </p:ext>
     </p:extLst>
   </p:cSld>
@@ -7093,6 +7328,93 @@
     <p:extLst>
       <p:ext uri="{BB962C8B-B14F-4D97-AF65-F5344CB8AC3E}">
         <p14:creationId xmlns:p14="http://schemas.microsoft.com/office/powerpoint/2010/main" val="3394134718"/>
+      </p:ext>
+    </p:extLst>
+  </p:cSld>
+  <p:clrMapOvr>
+    <a:masterClrMapping/>
+  </p:clrMapOvr>
+</p:sld>
+</file>
+
+<file path=ppt/slides/slide30.xml><?xml version="1.0" encoding="utf-8"?>
+<p:sld xmlns:a="http://schemas.openxmlformats.org/drawingml/2006/main" xmlns:r="http://schemas.openxmlformats.org/officeDocument/2006/relationships" xmlns:p="http://schemas.openxmlformats.org/presentationml/2006/main">
+  <p:cSld>
+    <p:spTree>
+      <p:nvGrpSpPr>
+        <p:cNvPr id="1" name=""/>
+        <p:cNvGrpSpPr/>
+        <p:nvPr/>
+      </p:nvGrpSpPr>
+      <p:grpSpPr>
+        <a:xfrm>
+          <a:off x="0" y="0"/>
+          <a:ext cx="0" cy="0"/>
+          <a:chOff x="0" y="0"/>
+          <a:chExt cx="0" cy="0"/>
+        </a:xfrm>
+      </p:grpSpPr>
+      <p:sp>
+        <p:nvSpPr>
+          <p:cNvPr id="2" name="Title 1">
+            <a:extLst>
+              <a:ext uri="{FF2B5EF4-FFF2-40B4-BE49-F238E27FC236}">
+                <a16:creationId xmlns:a16="http://schemas.microsoft.com/office/drawing/2014/main" id="{17517C9B-F800-3943-9EF8-AA2F7756D85C}"/>
+              </a:ext>
+            </a:extLst>
+          </p:cNvPr>
+          <p:cNvSpPr>
+            <a:spLocks noGrp="1"/>
+          </p:cNvSpPr>
+          <p:nvPr>
+            <p:ph type="title"/>
+          </p:nvPr>
+        </p:nvSpPr>
+        <p:spPr/>
+        <p:txBody>
+          <a:bodyPr/>
+          <a:lstStyle/>
+          <a:p>
+            <a:r>
+              <a:rPr lang="en-US" dirty="0" err="1"/>
+              <a:t>SAMtools</a:t>
+            </a:r>
+            <a:r>
+              <a:rPr lang="en-US" dirty="0"/>
+              <a:t> usage </a:t>
+            </a:r>
+          </a:p>
+        </p:txBody>
+      </p:sp>
+      <p:sp>
+        <p:nvSpPr>
+          <p:cNvPr id="3" name="Content Placeholder 2">
+            <a:extLst>
+              <a:ext uri="{FF2B5EF4-FFF2-40B4-BE49-F238E27FC236}">
+                <a16:creationId xmlns:a16="http://schemas.microsoft.com/office/drawing/2014/main" id="{5F22F6E7-AAD6-9D49-9DFB-FBA3AECC6809}"/>
+              </a:ext>
+            </a:extLst>
+          </p:cNvPr>
+          <p:cNvSpPr>
+            <a:spLocks noGrp="1"/>
+          </p:cNvSpPr>
+          <p:nvPr>
+            <p:ph idx="1"/>
+          </p:nvPr>
+        </p:nvSpPr>
+        <p:spPr/>
+        <p:txBody>
+          <a:bodyPr/>
+          <a:lstStyle/>
+          <a:p>
+            <a:endParaRPr lang="en-US"/>
+          </a:p>
+        </p:txBody>
+      </p:sp>
+    </p:spTree>
+    <p:extLst>
+      <p:ext uri="{BB962C8B-B14F-4D97-AF65-F5344CB8AC3E}">
+        <p14:creationId xmlns:p14="http://schemas.microsoft.com/office/powerpoint/2010/main" val="3849047622"/>
       </p:ext>
     </p:extLst>
   </p:cSld>

--- a/lectures/Lecture9-MMG232.pptx
+++ b/lectures/Lecture9-MMG232.pptx
@@ -5,7 +5,7 @@
     <p:sldMasterId id="2147483660" r:id="rId1"/>
   </p:sldMasterIdLst>
   <p:notesMasterIdLst>
-    <p:notesMasterId r:id="rId32"/>
+    <p:notesMasterId r:id="rId31"/>
   </p:notesMasterIdLst>
   <p:sldIdLst>
     <p:sldId id="256" r:id="rId2"/>
@@ -28,16 +28,15 @@
     <p:sldId id="662" r:id="rId19"/>
     <p:sldId id="663" r:id="rId20"/>
     <p:sldId id="673" r:id="rId21"/>
-    <p:sldId id="258" r:id="rId22"/>
-    <p:sldId id="259" r:id="rId23"/>
-    <p:sldId id="275" r:id="rId24"/>
-    <p:sldId id="261" r:id="rId25"/>
-    <p:sldId id="260" r:id="rId26"/>
-    <p:sldId id="277" r:id="rId27"/>
-    <p:sldId id="664" r:id="rId28"/>
-    <p:sldId id="661" r:id="rId29"/>
-    <p:sldId id="675" r:id="rId30"/>
-    <p:sldId id="674" r:id="rId31"/>
+    <p:sldId id="275" r:id="rId22"/>
+    <p:sldId id="260" r:id="rId23"/>
+    <p:sldId id="277" r:id="rId24"/>
+    <p:sldId id="664" r:id="rId25"/>
+    <p:sldId id="676" r:id="rId26"/>
+    <p:sldId id="661" r:id="rId27"/>
+    <p:sldId id="677" r:id="rId28"/>
+    <p:sldId id="675" r:id="rId29"/>
+    <p:sldId id="674" r:id="rId30"/>
   </p:sldIdLst>
   <p:sldSz cx="9144000" cy="6858000" type="screen4x3"/>
   <p:notesSz cx="6858000" cy="9144000"/>
@@ -226,7 +225,7 @@
           <a:p>
             <a:fld id="{B6C9E59E-6698-7049-B68D-DE284E642F4D}" type="datetimeFigureOut">
               <a:rPr lang="en-US" smtClean="0"/>
-              <a:t>2/22/23</a:t>
+              <a:t>2/23/23</a:t>
             </a:fld>
             <a:endParaRPr lang="en-US"/>
           </a:p>
@@ -580,6 +579,180 @@
 </p:notes>
 </file>
 
+<file path=ppt/notesSlides/notesSlide10.xml><?xml version="1.0" encoding="utf-8"?>
+<p:notes xmlns:a="http://schemas.openxmlformats.org/drawingml/2006/main" xmlns:r="http://schemas.openxmlformats.org/officeDocument/2006/relationships" xmlns:p="http://schemas.openxmlformats.org/presentationml/2006/main">
+  <p:cSld>
+    <p:spTree>
+      <p:nvGrpSpPr>
+        <p:cNvPr id="1" name=""/>
+        <p:cNvGrpSpPr/>
+        <p:nvPr/>
+      </p:nvGrpSpPr>
+      <p:grpSpPr>
+        <a:xfrm>
+          <a:off x="0" y="0"/>
+          <a:ext cx="0" cy="0"/>
+          <a:chOff x="0" y="0"/>
+          <a:chExt cx="0" cy="0"/>
+        </a:xfrm>
+      </p:grpSpPr>
+      <p:sp>
+        <p:nvSpPr>
+          <p:cNvPr id="2" name="Slide Image Placeholder 1"/>
+          <p:cNvSpPr>
+            <a:spLocks noGrp="1" noRot="1" noChangeAspect="1"/>
+          </p:cNvSpPr>
+          <p:nvPr>
+            <p:ph type="sldImg"/>
+          </p:nvPr>
+        </p:nvSpPr>
+        <p:spPr/>
+      </p:sp>
+      <p:sp>
+        <p:nvSpPr>
+          <p:cNvPr id="3" name="Notes Placeholder 2"/>
+          <p:cNvSpPr>
+            <a:spLocks noGrp="1"/>
+          </p:cNvSpPr>
+          <p:nvPr>
+            <p:ph type="body" idx="1"/>
+          </p:nvPr>
+        </p:nvSpPr>
+        <p:spPr/>
+        <p:txBody>
+          <a:bodyPr/>
+          <a:lstStyle/>
+          <a:p>
+            <a:r>
+              <a:rPr lang="en-US" dirty="0"/>
+              <a:t>Everyone will be downloading a minimum of (6) FASTQ files from the GEO repository. To repeat the alignment and downstream processing steps for each sample precisely, its best to run the same line of code to each sample at the same time. For this we can turn to loops, a function of programming languages that allow us to write out a series of commands and perform them on all the files we want at one time. In addition to being a major time saver, this makes your code a lot easier to read and much more concise overall. A bash for loop is a bash programming language statement which allows code to be repeatedly executed. A for loop is classified as an iteration statement</a:t>
+            </a:r>
+          </a:p>
+        </p:txBody>
+      </p:sp>
+      <p:sp>
+        <p:nvSpPr>
+          <p:cNvPr id="4" name="Slide Number Placeholder 3"/>
+          <p:cNvSpPr>
+            <a:spLocks noGrp="1"/>
+          </p:cNvSpPr>
+          <p:nvPr>
+            <p:ph type="sldNum" sz="quarter" idx="5"/>
+          </p:nvPr>
+        </p:nvSpPr>
+        <p:spPr/>
+        <p:txBody>
+          <a:bodyPr/>
+          <a:lstStyle/>
+          <a:p>
+            <a:fld id="{24BC4AB2-4D54-A145-B623-9892E09C5138}" type="slidenum">
+              <a:rPr lang="en-US" smtClean="0"/>
+              <a:t>26</a:t>
+            </a:fld>
+            <a:endParaRPr lang="en-US"/>
+          </a:p>
+        </p:txBody>
+      </p:sp>
+    </p:spTree>
+    <p:extLst>
+      <p:ext uri="{BB962C8B-B14F-4D97-AF65-F5344CB8AC3E}">
+        <p14:creationId xmlns:p14="http://schemas.microsoft.com/office/powerpoint/2010/main" val="1873762620"/>
+      </p:ext>
+    </p:extLst>
+  </p:cSld>
+  <p:clrMapOvr>
+    <a:masterClrMapping/>
+  </p:clrMapOvr>
+</p:notes>
+</file>
+
+<file path=ppt/notesSlides/notesSlide11.xml><?xml version="1.0" encoding="utf-8"?>
+<p:notes xmlns:a="http://schemas.openxmlformats.org/drawingml/2006/main" xmlns:r="http://schemas.openxmlformats.org/officeDocument/2006/relationships" xmlns:p="http://schemas.openxmlformats.org/presentationml/2006/main">
+  <p:cSld>
+    <p:spTree>
+      <p:nvGrpSpPr>
+        <p:cNvPr id="1" name=""/>
+        <p:cNvGrpSpPr/>
+        <p:nvPr/>
+      </p:nvGrpSpPr>
+      <p:grpSpPr>
+        <a:xfrm>
+          <a:off x="0" y="0"/>
+          <a:ext cx="0" cy="0"/>
+          <a:chOff x="0" y="0"/>
+          <a:chExt cx="0" cy="0"/>
+        </a:xfrm>
+      </p:grpSpPr>
+      <p:sp>
+        <p:nvSpPr>
+          <p:cNvPr id="2" name="Slide Image Placeholder 1"/>
+          <p:cNvSpPr>
+            <a:spLocks noGrp="1" noRot="1" noChangeAspect="1"/>
+          </p:cNvSpPr>
+          <p:nvPr>
+            <p:ph type="sldImg"/>
+          </p:nvPr>
+        </p:nvSpPr>
+        <p:spPr/>
+      </p:sp>
+      <p:sp>
+        <p:nvSpPr>
+          <p:cNvPr id="3" name="Notes Placeholder 2"/>
+          <p:cNvSpPr>
+            <a:spLocks noGrp="1"/>
+          </p:cNvSpPr>
+          <p:nvPr>
+            <p:ph type="body" idx="1"/>
+          </p:nvPr>
+        </p:nvSpPr>
+        <p:spPr/>
+        <p:txBody>
+          <a:bodyPr/>
+          <a:lstStyle/>
+          <a:p>
+            <a:r>
+              <a:rPr lang="en-US" dirty="0"/>
+              <a:t>A bash for loop is a bash programming language statement which allows code to be repeatedly executed. A for loop is classified as an iteration statement i.e. it is the repetition of a process within a bash script. For example, you can run UNIX command or task 5 times or read and process list of files using a for loop. A for loop can be used at a shell prompt or within a shell script itself.</a:t>
+            </a:r>
+          </a:p>
+        </p:txBody>
+      </p:sp>
+      <p:sp>
+        <p:nvSpPr>
+          <p:cNvPr id="4" name="Slide Number Placeholder 3"/>
+          <p:cNvSpPr>
+            <a:spLocks noGrp="1"/>
+          </p:cNvSpPr>
+          <p:nvPr>
+            <p:ph type="sldNum" sz="quarter" idx="5"/>
+          </p:nvPr>
+        </p:nvSpPr>
+        <p:spPr/>
+        <p:txBody>
+          <a:bodyPr/>
+          <a:lstStyle/>
+          <a:p>
+            <a:fld id="{24BC4AB2-4D54-A145-B623-9892E09C5138}" type="slidenum">
+              <a:rPr lang="en-US" smtClean="0"/>
+              <a:t>27</a:t>
+            </a:fld>
+            <a:endParaRPr lang="en-US"/>
+          </a:p>
+        </p:txBody>
+      </p:sp>
+    </p:spTree>
+    <p:extLst>
+      <p:ext uri="{BB962C8B-B14F-4D97-AF65-F5344CB8AC3E}">
+        <p14:creationId xmlns:p14="http://schemas.microsoft.com/office/powerpoint/2010/main" val="2863408784"/>
+      </p:ext>
+    </p:extLst>
+  </p:cSld>
+  <p:clrMapOvr>
+    <a:masterClrMapping/>
+  </p:clrMapOvr>
+</p:notes>
+</file>
+
 <file path=ppt/notesSlides/notesSlide2.xml><?xml version="1.0" encoding="utf-8"?>
 <p:notes xmlns:a="http://schemas.openxmlformats.org/drawingml/2006/main" xmlns:r="http://schemas.openxmlformats.org/officeDocument/2006/relationships" xmlns:p="http://schemas.openxmlformats.org/presentationml/2006/main">
   <p:cSld>
@@ -626,15 +799,7 @@
           <a:p>
             <a:r>
               <a:rPr lang="en-US" dirty="0"/>
-              <a:t>We won’t go deeply into the guts of this alignment algorithm, but I will briefly state that nearly all alignment methods rely on pre-processing the reference genome into a data-structure (like a suffix tree) that provides an </a:t>
-            </a:r>
-            <a:r>
-              <a:rPr lang="en-US" i="1" dirty="0"/>
-              <a:t>index</a:t>
-            </a:r>
-            <a:r>
-              <a:rPr lang="en-US" dirty="0"/>
-              <a:t> which makes it fast to find the place in a genome where a query sequence matches. Such indexes can take up a large amount of computer memory. The Burrows-Wheeler Transform (BWT) provides a way of decreasing the size of such indexes. </a:t>
+              <a:t>I’m going to use text </a:t>
             </a:r>
           </a:p>
         </p:txBody>
@@ -656,7 +821,7 @@
           <a:p>
             <a:fld id="{24BC4AB2-4D54-A145-B623-9892E09C5138}" type="slidenum">
               <a:rPr lang="en-US" smtClean="0"/>
-              <a:t>9</a:t>
+              <a:t>7</a:t>
             </a:fld>
             <a:endParaRPr lang="en-US"/>
           </a:p>
@@ -665,7 +830,7 @@
     </p:spTree>
     <p:extLst>
       <p:ext uri="{BB962C8B-B14F-4D97-AF65-F5344CB8AC3E}">
-        <p14:creationId xmlns:p14="http://schemas.microsoft.com/office/powerpoint/2010/main" val="384272425"/>
+        <p14:creationId xmlns:p14="http://schemas.microsoft.com/office/powerpoint/2010/main" val="1019479179"/>
       </p:ext>
     </p:extLst>
   </p:cSld>
@@ -719,38 +884,18 @@
           <a:bodyPr/>
           <a:lstStyle/>
           <a:p>
-            <a:pPr marL="0" marR="0" lvl="0" indent="0" algn="l" defTabSz="914400" rtl="0" eaLnBrk="1" fontAlgn="auto" latinLnBrk="0" hangingPunct="1">
-              <a:lnSpc>
-                <a:spcPct val="100000"/>
-              </a:lnSpc>
-              <a:spcBef>
-                <a:spcPts val="0"/>
-              </a:spcBef>
-              <a:spcAft>
-                <a:spcPts val="0"/>
-              </a:spcAft>
-              <a:buClrTx/>
-              <a:buSzTx/>
-              <a:buFontTx/>
-              <a:buNone/>
-              <a:tabLst/>
-              <a:defRPr/>
-            </a:pPr>
             <a:r>
               <a:rPr lang="en-US" dirty="0"/>
-              <a:t>Indexing a genome can be explained </a:t>
-            </a:r>
-            <a:r>
-              <a:rPr lang="en-US" b="1" dirty="0"/>
-              <a:t>similar to indexing a book</a:t>
+              <a:t>We won’t go deeply into the guts of this alignment algorithm, but I will briefly state that nearly all alignment methods rely on pre-processing the reference genome into a data-structure (like a suffix tree) that provides an </a:t>
+            </a:r>
+            <a:r>
+              <a:rPr lang="en-US" i="1" dirty="0"/>
+              <a:t>index</a:t>
             </a:r>
             <a:r>
               <a:rPr lang="en-US" dirty="0"/>
-              <a:t>. If you want to know on which page a certain word appears or a chapter begins, it is much more efficient/faster to look it up in a pre-built index than going through every page of the book until you found it. </a:t>
-            </a:r>
-          </a:p>
-          <a:p>
-            <a:endParaRPr lang="en-US" dirty="0"/>
+              <a:t> which makes it fast to find the place in a genome where a query sequence matches. Such indexes can take up a large amount of computer memory. The Burrows-Wheeler Transform (BWT) provides a way of decreasing the size of such indexes. </a:t>
+            </a:r>
           </a:p>
         </p:txBody>
       </p:sp>
@@ -771,7 +916,7 @@
           <a:p>
             <a:fld id="{24BC4AB2-4D54-A145-B623-9892E09C5138}" type="slidenum">
               <a:rPr lang="en-US" smtClean="0"/>
-              <a:t>10</a:t>
+              <a:t>9</a:t>
             </a:fld>
             <a:endParaRPr lang="en-US"/>
           </a:p>
@@ -780,7 +925,7 @@
     </p:spTree>
     <p:extLst>
       <p:ext uri="{BB962C8B-B14F-4D97-AF65-F5344CB8AC3E}">
-        <p14:creationId xmlns:p14="http://schemas.microsoft.com/office/powerpoint/2010/main" val="2580044853"/>
+        <p14:creationId xmlns:p14="http://schemas.microsoft.com/office/powerpoint/2010/main" val="384272425"/>
       </p:ext>
     </p:extLst>
   </p:cSld>
@@ -834,10 +979,38 @@
           <a:bodyPr/>
           <a:lstStyle/>
           <a:p>
+            <a:pPr marL="0" marR="0" lvl="0" indent="0" algn="l" defTabSz="914400" rtl="0" eaLnBrk="1" fontAlgn="auto" latinLnBrk="0" hangingPunct="1">
+              <a:lnSpc>
+                <a:spcPct val="100000"/>
+              </a:lnSpc>
+              <a:spcBef>
+                <a:spcPts val="0"/>
+              </a:spcBef>
+              <a:spcAft>
+                <a:spcPts val="0"/>
+              </a:spcAft>
+              <a:buClrTx/>
+              <a:buSzTx/>
+              <a:buFontTx/>
+              <a:buNone/>
+              <a:tabLst/>
+              <a:defRPr/>
+            </a:pPr>
             <a:r>
               <a:rPr lang="en-US" dirty="0"/>
-              <a:t>To align sequenced reads, an aligner must first fragment the reference genome into smaller components. Each fragment’s location and sequence content are then stored in a data structure. Indexing the reference genome allows for an aligner to work more efficiently by finding all exact matches to a sequenced read using the given data structure and not scanning the entire reference genome from start to finish for each read</a:t>
-            </a:r>
+              <a:t>Indexing a genome can be explained </a:t>
+            </a:r>
+            <a:r>
+              <a:rPr lang="en-US" b="1" dirty="0"/>
+              <a:t>similar to indexing a book</a:t>
+            </a:r>
+            <a:r>
+              <a:rPr lang="en-US" dirty="0"/>
+              <a:t>. If you want to know on which page a certain word appears or a chapter begins, it is much more efficient/faster to look it up in a pre-built index than going through every page of the book until you found it. </a:t>
+            </a:r>
+          </a:p>
+          <a:p>
+            <a:endParaRPr lang="en-US" dirty="0"/>
           </a:p>
         </p:txBody>
       </p:sp>
@@ -858,7 +1031,7 @@
           <a:p>
             <a:fld id="{24BC4AB2-4D54-A145-B623-9892E09C5138}" type="slidenum">
               <a:rPr lang="en-US" smtClean="0"/>
-              <a:t>11</a:t>
+              <a:t>10</a:t>
             </a:fld>
             <a:endParaRPr lang="en-US"/>
           </a:p>
@@ -867,7 +1040,7 @@
     </p:spTree>
     <p:extLst>
       <p:ext uri="{BB962C8B-B14F-4D97-AF65-F5344CB8AC3E}">
-        <p14:creationId xmlns:p14="http://schemas.microsoft.com/office/powerpoint/2010/main" val="3574777207"/>
+        <p14:creationId xmlns:p14="http://schemas.microsoft.com/office/powerpoint/2010/main" val="2580044853"/>
       </p:ext>
     </p:extLst>
   </p:cSld>
@@ -923,7 +1096,7 @@
           <a:p>
             <a:r>
               <a:rPr lang="en-US" dirty="0"/>
-              <a:t>This is not desired for DNA read mapping and might lead to false mappings or low alignment scores </a:t>
+              <a:t>To align sequenced reads, an aligner must first fragment the reference genome into smaller components. Each fragment’s location and sequence content are then stored in a data structure. Indexing the reference genome allows for an aligner to work more efficiently by finding all exact matches to a sequenced read using the given data structure and not scanning the entire reference genome from start to finish for each read</a:t>
             </a:r>
           </a:p>
         </p:txBody>
@@ -945,7 +1118,7 @@
           <a:p>
             <a:fld id="{24BC4AB2-4D54-A145-B623-9892E09C5138}" type="slidenum">
               <a:rPr lang="en-US" smtClean="0"/>
-              <a:t>13</a:t>
+              <a:t>11</a:t>
             </a:fld>
             <a:endParaRPr lang="en-US"/>
           </a:p>
@@ -954,7 +1127,7 @@
     </p:spTree>
     <p:extLst>
       <p:ext uri="{BB962C8B-B14F-4D97-AF65-F5344CB8AC3E}">
-        <p14:creationId xmlns:p14="http://schemas.microsoft.com/office/powerpoint/2010/main" val="2014869157"/>
+        <p14:creationId xmlns:p14="http://schemas.microsoft.com/office/powerpoint/2010/main" val="3574777207"/>
       </p:ext>
     </p:extLst>
   </p:cSld>
@@ -1008,7 +1181,10 @@
           <a:bodyPr/>
           <a:lstStyle/>
           <a:p>
-            <a:endParaRPr lang="en-US" dirty="0"/>
+            <a:r>
+              <a:rPr lang="en-US" dirty="0"/>
+              <a:t>This is not desired for DNA read mapping and might lead to false mappings or low alignment scores </a:t>
+            </a:r>
           </a:p>
         </p:txBody>
       </p:sp>
@@ -1029,7 +1205,7 @@
           <a:p>
             <a:fld id="{24BC4AB2-4D54-A145-B623-9892E09C5138}" type="slidenum">
               <a:rPr lang="en-US" smtClean="0"/>
-              <a:t>16</a:t>
+              <a:t>13</a:t>
             </a:fld>
             <a:endParaRPr lang="en-US"/>
           </a:p>
@@ -1038,7 +1214,7 @@
     </p:spTree>
     <p:extLst>
       <p:ext uri="{BB962C8B-B14F-4D97-AF65-F5344CB8AC3E}">
-        <p14:creationId xmlns:p14="http://schemas.microsoft.com/office/powerpoint/2010/main" val="163562381"/>
+        <p14:creationId xmlns:p14="http://schemas.microsoft.com/office/powerpoint/2010/main" val="2014869157"/>
       </p:ext>
     </p:extLst>
   </p:cSld>
@@ -1092,61 +1268,6 @@
           <a:bodyPr/>
           <a:lstStyle/>
           <a:p>
-            <a:pPr marL="0" marR="0" lvl="0" indent="0" algn="l" defTabSz="914400" rtl="0" eaLnBrk="1" fontAlgn="auto" latinLnBrk="0" hangingPunct="1">
-              <a:lnSpc>
-                <a:spcPct val="100000"/>
-              </a:lnSpc>
-              <a:spcBef>
-                <a:spcPts val="0"/>
-              </a:spcBef>
-              <a:spcAft>
-                <a:spcPts val="0"/>
-              </a:spcAft>
-              <a:buClrTx/>
-              <a:buSzTx/>
-              <a:buFontTx/>
-              <a:buNone/>
-              <a:tabLst/>
-              <a:defRPr/>
-            </a:pPr>
-            <a:r>
-              <a:rPr lang="en-US" b="0" dirty="0">
-                <a:solidFill>
-                  <a:srgbClr val="292929"/>
-                </a:solidFill>
-                <a:effectLst/>
-                <a:latin typeface="Menlo" panose="020B0609030804020204" pitchFamily="49" charset="0"/>
-              </a:rPr>
-              <a:t>To create a variable in bash, you provide the name of the variable, followed by the equals sign, and finish with the value we want to assign to the variable. Note that the variable name cannot contain spaces, nor can there be spaces on either side of the equals sign.</a:t>
-            </a:r>
-          </a:p>
-          <a:p>
-            <a:pPr marL="0" marR="0" lvl="0" indent="0" algn="l" defTabSz="914400" rtl="0" eaLnBrk="1" fontAlgn="auto" latinLnBrk="0" hangingPunct="1">
-              <a:lnSpc>
-                <a:spcPct val="100000"/>
-              </a:lnSpc>
-              <a:spcBef>
-                <a:spcPts val="0"/>
-              </a:spcBef>
-              <a:spcAft>
-                <a:spcPts val="0"/>
-              </a:spcAft>
-              <a:buClrTx/>
-              <a:buSzTx/>
-              <a:buFontTx/>
-              <a:buNone/>
-              <a:tabLst/>
-              <a:defRPr/>
-            </a:pPr>
-            <a:endParaRPr lang="en-US" b="0" dirty="0">
-              <a:solidFill>
-                <a:srgbClr val="292929"/>
-              </a:solidFill>
-              <a:effectLst/>
-              <a:latin typeface="Menlo" panose="020B0609030804020204" pitchFamily="49" charset="0"/>
-            </a:endParaRPr>
-          </a:p>
-          <a:p>
             <a:endParaRPr lang="en-US" dirty="0"/>
           </a:p>
         </p:txBody>
@@ -1166,9 +1287,9 @@
           <a:bodyPr/>
           <a:lstStyle/>
           <a:p>
-            <a:fld id="{E36C2CEE-069F-A44C-B436-F2EC05CE2F49}" type="slidenum">
+            <a:fld id="{24BC4AB2-4D54-A145-B623-9892E09C5138}" type="slidenum">
               <a:rPr lang="en-US" smtClean="0"/>
-              <a:t>23</a:t>
+              <a:t>16</a:t>
             </a:fld>
             <a:endParaRPr lang="en-US"/>
           </a:p>
@@ -1177,7 +1298,7 @@
     </p:spTree>
     <p:extLst>
       <p:ext uri="{BB962C8B-B14F-4D97-AF65-F5344CB8AC3E}">
-        <p14:creationId xmlns:p14="http://schemas.microsoft.com/office/powerpoint/2010/main" val="1718523894"/>
+        <p14:creationId xmlns:p14="http://schemas.microsoft.com/office/powerpoint/2010/main" val="163562381"/>
       </p:ext>
     </p:extLst>
   </p:cSld>
@@ -1231,10 +1352,62 @@
           <a:bodyPr/>
           <a:lstStyle/>
           <a:p>
-            <a:r>
-              <a:rPr lang="en-US" dirty="0"/>
-              <a:t>We’re going to see variables that represent a few different items. </a:t>
-            </a:r>
+            <a:pPr marL="0" marR="0" lvl="0" indent="0" algn="l" defTabSz="914400" rtl="0" eaLnBrk="1" fontAlgn="auto" latinLnBrk="0" hangingPunct="1">
+              <a:lnSpc>
+                <a:spcPct val="100000"/>
+              </a:lnSpc>
+              <a:spcBef>
+                <a:spcPts val="0"/>
+              </a:spcBef>
+              <a:spcAft>
+                <a:spcPts val="0"/>
+              </a:spcAft>
+              <a:buClrTx/>
+              <a:buSzTx/>
+              <a:buFontTx/>
+              <a:buNone/>
+              <a:tabLst/>
+              <a:defRPr/>
+            </a:pPr>
+            <a:r>
+              <a:rPr lang="en-US" b="0" dirty="0">
+                <a:solidFill>
+                  <a:srgbClr val="292929"/>
+                </a:solidFill>
+                <a:effectLst/>
+                <a:latin typeface="Menlo" panose="020B0609030804020204" pitchFamily="49" charset="0"/>
+              </a:rPr>
+              <a:t>To create a variable in bash, you provide the name of the variable, followed by the equals sign, and finish with the value we want to assign to the variable. Note that the variable name cannot contain spaces, nor can there be spaces on either side of the equals sign.</a:t>
+            </a:r>
+          </a:p>
+          <a:p>
+            <a:pPr marL="0" marR="0" lvl="0" indent="0" algn="l" defTabSz="914400" rtl="0" eaLnBrk="1" fontAlgn="auto" latinLnBrk="0" hangingPunct="1">
+              <a:lnSpc>
+                <a:spcPct val="100000"/>
+              </a:lnSpc>
+              <a:spcBef>
+                <a:spcPts val="0"/>
+              </a:spcBef>
+              <a:spcAft>
+                <a:spcPts val="0"/>
+              </a:spcAft>
+              <a:buClrTx/>
+              <a:buSzTx/>
+              <a:buFontTx/>
+              <a:buNone/>
+              <a:tabLst/>
+              <a:defRPr/>
+            </a:pPr>
+            <a:endParaRPr lang="en-US" b="0" dirty="0">
+              <a:solidFill>
+                <a:srgbClr val="292929"/>
+              </a:solidFill>
+              <a:effectLst/>
+              <a:latin typeface="Menlo" panose="020B0609030804020204" pitchFamily="49" charset="0"/>
+            </a:endParaRPr>
+          </a:p>
+          <a:p>
+            <a:endParaRPr lang="en-US" dirty="0"/>
           </a:p>
         </p:txBody>
       </p:sp>
@@ -1253,9 +1426,9 @@
           <a:bodyPr/>
           <a:lstStyle/>
           <a:p>
-            <a:fld id="{24BC4AB2-4D54-A145-B623-9892E09C5138}" type="slidenum">
+            <a:fld id="{E36C2CEE-069F-A44C-B436-F2EC05CE2F49}" type="slidenum">
               <a:rPr lang="en-US" smtClean="0"/>
-              <a:t>27</a:t>
+              <a:t>21</a:t>
             </a:fld>
             <a:endParaRPr lang="en-US"/>
           </a:p>
@@ -1264,7 +1437,7 @@
     </p:spTree>
     <p:extLst>
       <p:ext uri="{BB962C8B-B14F-4D97-AF65-F5344CB8AC3E}">
-        <p14:creationId xmlns:p14="http://schemas.microsoft.com/office/powerpoint/2010/main" val="232619858"/>
+        <p14:creationId xmlns:p14="http://schemas.microsoft.com/office/powerpoint/2010/main" val="1718523894"/>
       </p:ext>
     </p:extLst>
   </p:cSld>
@@ -1320,7 +1493,7 @@
           <a:p>
             <a:r>
               <a:rPr lang="en-US" dirty="0"/>
-              <a:t>A bash for loop is a bash programming language statement which allows code to be repeatedly executed. A for loop is classified as an iteration statement i.e. it is the repetition of a process within a bash script. For example, you can run UNIX command or task 5 times or read and process list of files using a for loop. A for loop can be used at a shell prompt or within a shell script itself.</a:t>
+              <a:t>We’re going to see variables that represent a few different items. </a:t>
             </a:r>
           </a:p>
         </p:txBody>
@@ -1342,7 +1515,7 @@
           <a:p>
             <a:fld id="{24BC4AB2-4D54-A145-B623-9892E09C5138}" type="slidenum">
               <a:rPr lang="en-US" smtClean="0"/>
-              <a:t>28</a:t>
+              <a:t>24</a:t>
             </a:fld>
             <a:endParaRPr lang="en-US"/>
           </a:p>
@@ -1351,7 +1524,7 @@
     </p:spTree>
     <p:extLst>
       <p:ext uri="{BB962C8B-B14F-4D97-AF65-F5344CB8AC3E}">
-        <p14:creationId xmlns:p14="http://schemas.microsoft.com/office/powerpoint/2010/main" val="1873762620"/>
+        <p14:creationId xmlns:p14="http://schemas.microsoft.com/office/powerpoint/2010/main" val="232619858"/>
       </p:ext>
     </p:extLst>
   </p:cSld>
@@ -1492,7 +1665,7 @@
           <a:p>
             <a:fld id="{04AB933A-20AE-F847-8C57-F7BCDA3B418B}" type="datetimeFigureOut">
               <a:rPr lang="en-US" smtClean="0"/>
-              <a:t>2/22/23</a:t>
+              <a:t>2/23/23</a:t>
             </a:fld>
             <a:endParaRPr lang="en-US"/>
           </a:p>
@@ -1662,7 +1835,7 @@
           <a:p>
             <a:fld id="{04AB933A-20AE-F847-8C57-F7BCDA3B418B}" type="datetimeFigureOut">
               <a:rPr lang="en-US" smtClean="0"/>
-              <a:t>2/22/23</a:t>
+              <a:t>2/23/23</a:t>
             </a:fld>
             <a:endParaRPr lang="en-US"/>
           </a:p>
@@ -1842,7 +2015,7 @@
           <a:p>
             <a:fld id="{04AB933A-20AE-F847-8C57-F7BCDA3B418B}" type="datetimeFigureOut">
               <a:rPr lang="en-US" smtClean="0"/>
-              <a:t>2/22/23</a:t>
+              <a:t>2/23/23</a:t>
             </a:fld>
             <a:endParaRPr lang="en-US"/>
           </a:p>
@@ -2012,7 +2185,7 @@
           <a:p>
             <a:fld id="{04AB933A-20AE-F847-8C57-F7BCDA3B418B}" type="datetimeFigureOut">
               <a:rPr lang="en-US" smtClean="0"/>
-              <a:t>2/22/23</a:t>
+              <a:t>2/23/23</a:t>
             </a:fld>
             <a:endParaRPr lang="en-US"/>
           </a:p>
@@ -2256,7 +2429,7 @@
           <a:p>
             <a:fld id="{04AB933A-20AE-F847-8C57-F7BCDA3B418B}" type="datetimeFigureOut">
               <a:rPr lang="en-US" smtClean="0"/>
-              <a:t>2/22/23</a:t>
+              <a:t>2/23/23</a:t>
             </a:fld>
             <a:endParaRPr lang="en-US"/>
           </a:p>
@@ -2488,7 +2661,7 @@
           <a:p>
             <a:fld id="{04AB933A-20AE-F847-8C57-F7BCDA3B418B}" type="datetimeFigureOut">
               <a:rPr lang="en-US" smtClean="0"/>
-              <a:t>2/22/23</a:t>
+              <a:t>2/23/23</a:t>
             </a:fld>
             <a:endParaRPr lang="en-US"/>
           </a:p>
@@ -2855,7 +3028,7 @@
           <a:p>
             <a:fld id="{04AB933A-20AE-F847-8C57-F7BCDA3B418B}" type="datetimeFigureOut">
               <a:rPr lang="en-US" smtClean="0"/>
-              <a:t>2/22/23</a:t>
+              <a:t>2/23/23</a:t>
             </a:fld>
             <a:endParaRPr lang="en-US"/>
           </a:p>
@@ -2973,7 +3146,7 @@
           <a:p>
             <a:fld id="{04AB933A-20AE-F847-8C57-F7BCDA3B418B}" type="datetimeFigureOut">
               <a:rPr lang="en-US" smtClean="0"/>
-              <a:t>2/22/23</a:t>
+              <a:t>2/23/23</a:t>
             </a:fld>
             <a:endParaRPr lang="en-US"/>
           </a:p>
@@ -3068,7 +3241,7 @@
           <a:p>
             <a:fld id="{04AB933A-20AE-F847-8C57-F7BCDA3B418B}" type="datetimeFigureOut">
               <a:rPr lang="en-US" smtClean="0"/>
-              <a:t>2/22/23</a:t>
+              <a:t>2/23/23</a:t>
             </a:fld>
             <a:endParaRPr lang="en-US"/>
           </a:p>
@@ -3345,7 +3518,7 @@
           <a:p>
             <a:fld id="{04AB933A-20AE-F847-8C57-F7BCDA3B418B}" type="datetimeFigureOut">
               <a:rPr lang="en-US" smtClean="0"/>
-              <a:t>2/22/23</a:t>
+              <a:t>2/23/23</a:t>
             </a:fld>
             <a:endParaRPr lang="en-US"/>
           </a:p>
@@ -3602,7 +3775,7 @@
           <a:p>
             <a:fld id="{04AB933A-20AE-F847-8C57-F7BCDA3B418B}" type="datetimeFigureOut">
               <a:rPr lang="en-US" smtClean="0"/>
-              <a:t>2/22/23</a:t>
+              <a:t>2/23/23</a:t>
             </a:fld>
             <a:endParaRPr lang="en-US"/>
           </a:p>
@@ -3815,7 +3988,7 @@
           <a:p>
             <a:fld id="{04AB933A-20AE-F847-8C57-F7BCDA3B418B}" type="datetimeFigureOut">
               <a:rPr lang="en-US" smtClean="0"/>
-              <a:t>2/22/23</a:t>
+              <a:t>2/23/23</a:t>
             </a:fld>
             <a:endParaRPr lang="en-US"/>
           </a:p>
@@ -4222,6 +4395,66 @@
       </p:grpSpPr>
       <p:sp>
         <p:nvSpPr>
+          <p:cNvPr id="8" name="Rectangle 7">
+            <a:extLst>
+              <a:ext uri="{FF2B5EF4-FFF2-40B4-BE49-F238E27FC236}">
+                <a16:creationId xmlns:a16="http://schemas.microsoft.com/office/drawing/2014/main" id="{628C0B33-79B1-4D42-9079-CF8FE8F94E77}"/>
+              </a:ext>
+            </a:extLst>
+          </p:cNvPr>
+          <p:cNvSpPr/>
+          <p:nvPr/>
+        </p:nvSpPr>
+        <p:spPr>
+          <a:xfrm>
+            <a:off x="0" y="0"/>
+            <a:ext cx="9144000" cy="4736298"/>
+          </a:xfrm>
+          <a:prstGeom prst="rect">
+            <a:avLst/>
+          </a:prstGeom>
+          <a:solidFill>
+            <a:schemeClr val="accent1">
+              <a:lumMod val="20000"/>
+              <a:lumOff val="80000"/>
+            </a:schemeClr>
+          </a:solidFill>
+          <a:ln>
+            <a:solidFill>
+              <a:schemeClr val="accent1">
+                <a:lumMod val="20000"/>
+                <a:lumOff val="80000"/>
+              </a:schemeClr>
+            </a:solidFill>
+          </a:ln>
+        </p:spPr>
+        <p:style>
+          <a:lnRef idx="2">
+            <a:schemeClr val="accent1">
+              <a:shade val="50000"/>
+            </a:schemeClr>
+          </a:lnRef>
+          <a:fillRef idx="1">
+            <a:schemeClr val="accent1"/>
+          </a:fillRef>
+          <a:effectRef idx="0">
+            <a:schemeClr val="accent1"/>
+          </a:effectRef>
+          <a:fontRef idx="minor">
+            <a:schemeClr val="lt1"/>
+          </a:fontRef>
+        </p:style>
+        <p:txBody>
+          <a:bodyPr rtlCol="0" anchor="ctr"/>
+          <a:lstStyle/>
+          <a:p>
+            <a:pPr algn="ctr"/>
+            <a:endParaRPr lang="en-US"/>
+          </a:p>
+        </p:txBody>
+      </p:sp>
+      <p:sp>
+        <p:nvSpPr>
           <p:cNvPr id="2" name="Title 1">
             <a:extLst>
               <a:ext uri="{FF2B5EF4-FFF2-40B4-BE49-F238E27FC236}">
@@ -4236,14 +4469,27 @@
             <p:ph type="ctrTitle"/>
           </p:nvPr>
         </p:nvSpPr>
-        <p:spPr/>
-        <p:txBody>
-          <a:bodyPr/>
-          <a:lstStyle/>
-          <a:p>
-            <a:r>
-              <a:rPr lang="en-US" dirty="0"/>
-              <a:t>Mapping with HISAT2</a:t>
+        <p:spPr>
+          <a:xfrm>
+            <a:off x="757238" y="4764873"/>
+            <a:ext cx="7886700" cy="909625"/>
+          </a:xfrm>
+        </p:spPr>
+        <p:txBody>
+          <a:bodyPr>
+            <a:normAutofit fontScale="90000"/>
+          </a:bodyPr>
+          <a:lstStyle/>
+          <a:p>
+            <a:br>
+              <a:rPr lang="en-US" sz="4400" dirty="0"/>
+            </a:br>
+            <a:br>
+              <a:rPr lang="en-US" sz="4400" dirty="0"/>
+            </a:br>
+            <a:r>
+              <a:rPr lang="en-US" sz="4400" dirty="0"/>
+              <a:t>Unit 2: Mapping with HISAT2</a:t>
             </a:r>
           </a:p>
         </p:txBody>
@@ -4264,15 +4510,93 @@
             <p:ph type="subTitle" idx="1"/>
           </p:nvPr>
         </p:nvSpPr>
-        <p:spPr/>
+        <p:spPr>
+          <a:xfrm>
+            <a:off x="1143000" y="5724524"/>
+            <a:ext cx="6858000" cy="504826"/>
+          </a:xfrm>
+        </p:spPr>
         <p:txBody>
           <a:bodyPr/>
           <a:lstStyle/>
           <a:p>
-            <a:endParaRPr lang="en-US" dirty="0"/>
-          </a:p>
-        </p:txBody>
-      </p:sp>
+            <a:r>
+              <a:rPr lang="en-US" dirty="0"/>
+              <a:t>February 23, 2023</a:t>
+            </a:r>
+          </a:p>
+        </p:txBody>
+      </p:sp>
+      <p:pic>
+        <p:nvPicPr>
+          <p:cNvPr id="5" name="Picture 4" descr="Graphical user interface, text, application&#10;&#10;Description automatically generated">
+            <a:extLst>
+              <a:ext uri="{FF2B5EF4-FFF2-40B4-BE49-F238E27FC236}">
+                <a16:creationId xmlns:a16="http://schemas.microsoft.com/office/drawing/2014/main" id="{36AC8ACA-B28F-ED44-9CB0-89D037DA4D37}"/>
+              </a:ext>
+            </a:extLst>
+          </p:cNvPr>
+          <p:cNvPicPr>
+            <a:picLocks noChangeAspect="1"/>
+          </p:cNvPicPr>
+          <p:nvPr/>
+        </p:nvPicPr>
+        <p:blipFill rotWithShape="1">
+          <a:blip r:embed="rId2"/>
+          <a:srcRect b="8180"/>
+          <a:stretch/>
+        </p:blipFill>
+        <p:spPr>
+          <a:xfrm>
+            <a:off x="0" y="400056"/>
+            <a:ext cx="9144000" cy="3786188"/>
+          </a:xfrm>
+          <a:prstGeom prst="rect">
+            <a:avLst/>
+          </a:prstGeom>
+        </p:spPr>
+      </p:pic>
+      <p:cxnSp>
+        <p:nvCxnSpPr>
+          <p:cNvPr id="7" name="Straight Connector 6">
+            <a:extLst>
+              <a:ext uri="{FF2B5EF4-FFF2-40B4-BE49-F238E27FC236}">
+                <a16:creationId xmlns:a16="http://schemas.microsoft.com/office/drawing/2014/main" id="{2BD64C08-47EB-6F49-9956-1D56E5447724}"/>
+              </a:ext>
+            </a:extLst>
+          </p:cNvPr>
+          <p:cNvCxnSpPr/>
+          <p:nvPr/>
+        </p:nvCxnSpPr>
+        <p:spPr>
+          <a:xfrm>
+            <a:off x="0" y="4736298"/>
+            <a:ext cx="9144000" cy="0"/>
+          </a:xfrm>
+          <a:prstGeom prst="line">
+            <a:avLst/>
+          </a:prstGeom>
+          <a:ln w="57150">
+            <a:solidFill>
+              <a:srgbClr val="002060"/>
+            </a:solidFill>
+          </a:ln>
+        </p:spPr>
+        <p:style>
+          <a:lnRef idx="1">
+            <a:schemeClr val="accent1"/>
+          </a:lnRef>
+          <a:fillRef idx="0">
+            <a:schemeClr val="accent1"/>
+          </a:fillRef>
+          <a:effectRef idx="0">
+            <a:schemeClr val="accent1"/>
+          </a:effectRef>
+          <a:fontRef idx="minor">
+            <a:schemeClr val="tx1"/>
+          </a:fontRef>
+        </p:style>
+      </p:cxnSp>
     </p:spTree>
     <p:extLst>
       <p:ext uri="{BB962C8B-B14F-4D97-AF65-F5344CB8AC3E}">
@@ -4436,15 +4760,15 @@
               <a:buNone/>
             </a:pPr>
             <a:r>
-              <a:rPr lang="en-US" sz="1600" dirty="0"/>
+              <a:rPr lang="en-US" sz="1800" dirty="0"/>
               <a:t>Indexing a genome can be explained </a:t>
             </a:r>
             <a:r>
-              <a:rPr lang="en-US" sz="1600" b="1" dirty="0"/>
+              <a:rPr lang="en-US" sz="1800" b="1" dirty="0"/>
               <a:t>similar to indexing a book</a:t>
             </a:r>
             <a:r>
-              <a:rPr lang="en-US" sz="1600" dirty="0"/>
+              <a:rPr lang="en-US" sz="1800" dirty="0"/>
               <a:t>. </a:t>
             </a:r>
           </a:p>
@@ -4453,7 +4777,7 @@
               <a:buNone/>
             </a:pPr>
             <a:r>
-              <a:rPr lang="en-US" sz="1600" dirty="0"/>
+              <a:rPr lang="en-US" sz="1800" dirty="0"/>
               <a:t>If you want to know on which page a chapter begins, it is much more efficient to look up the page number in a pre-built index (table of contents) than going through every page of the book until you found it. </a:t>
             </a:r>
           </a:p>
@@ -4903,13 +5227,34 @@
         </p:nvSpPr>
         <p:spPr/>
         <p:txBody>
-          <a:bodyPr/>
+          <a:bodyPr>
+            <a:normAutofit/>
+          </a:bodyPr>
           <a:lstStyle/>
           <a:p>
             <a:pPr algn="ctr"/>
             <a:r>
-              <a:rPr lang="en-US" dirty="0"/>
-              <a:t>What does it mean to be splice-aware? </a:t>
+              <a:rPr lang="en-US" sz="4000" b="1" dirty="0">
+                <a:solidFill>
+                  <a:srgbClr val="002060"/>
+                </a:solidFill>
+              </a:rPr>
+              <a:t>What does it mean to be </a:t>
+            </a:r>
+            <a:br>
+              <a:rPr lang="en-US" sz="4000" b="1" dirty="0">
+                <a:solidFill>
+                  <a:srgbClr val="002060"/>
+                </a:solidFill>
+              </a:rPr>
+            </a:br>
+            <a:r>
+              <a:rPr lang="en-US" sz="4000" b="1" dirty="0">
+                <a:solidFill>
+                  <a:srgbClr val="002060"/>
+                </a:solidFill>
+              </a:rPr>
+              <a:t>splice-aware? </a:t>
             </a:r>
           </a:p>
         </p:txBody>
@@ -5018,12 +5363,18 @@
         </p:nvSpPr>
         <p:spPr/>
         <p:txBody>
-          <a:bodyPr/>
+          <a:bodyPr>
+            <a:normAutofit/>
+          </a:bodyPr>
           <a:lstStyle/>
           <a:p>
             <a:pPr algn="ctr"/>
             <a:r>
-              <a:rPr lang="en-US" dirty="0"/>
+              <a:rPr lang="en-US" sz="4000" b="1" dirty="0">
+                <a:solidFill>
+                  <a:srgbClr val="002060"/>
+                </a:solidFill>
+              </a:rPr>
               <a:t>Two groups of splice-aware aligners</a:t>
             </a:r>
           </a:p>
@@ -5149,7 +5500,11 @@
           <a:p>
             <a:pPr algn="ctr"/>
             <a:r>
-              <a:rPr lang="en-US" dirty="0"/>
+              <a:rPr lang="en-US" b="1" dirty="0">
+                <a:solidFill>
+                  <a:srgbClr val="002060"/>
+                </a:solidFill>
+              </a:rPr>
               <a:t>HISAT2</a:t>
             </a:r>
           </a:p>
@@ -5290,7 +5645,11 @@
           <a:p>
             <a:pPr algn="ctr"/>
             <a:r>
-              <a:rPr lang="en-US" dirty="0"/>
+              <a:rPr lang="en-US" b="1" dirty="0">
+                <a:solidFill>
+                  <a:srgbClr val="002060"/>
+                </a:solidFill>
+              </a:rPr>
               <a:t>HISAT2 is fast</a:t>
             </a:r>
           </a:p>
@@ -5432,7 +5791,11 @@
           <a:p>
             <a:pPr algn="ctr"/>
             <a:r>
-              <a:rPr lang="en-US" dirty="0"/>
+              <a:rPr lang="en-US" b="1" dirty="0">
+                <a:solidFill>
+                  <a:srgbClr val="002060"/>
+                </a:solidFill>
+              </a:rPr>
               <a:t>HISAT2 has a small memory footprint</a:t>
             </a:r>
           </a:p>
@@ -5572,7 +5935,11 @@
           <a:p>
             <a:pPr algn="ctr"/>
             <a:r>
-              <a:rPr lang="en-US" dirty="0"/>
+              <a:rPr lang="en-US" b="1" dirty="0">
+                <a:solidFill>
+                  <a:srgbClr val="002060"/>
+                </a:solidFill>
+              </a:rPr>
               <a:t>The dataset </a:t>
             </a:r>
           </a:p>
@@ -5714,9 +6081,14 @@
           <a:bodyPr/>
           <a:lstStyle/>
           <a:p>
-            <a:r>
-              <a:rPr lang="en-US" dirty="0"/>
-              <a:t>Grab these files: </a:t>
+            <a:pPr algn="ctr"/>
+            <a:r>
+              <a:rPr lang="en-US" b="1" dirty="0">
+                <a:solidFill>
+                  <a:srgbClr val="002060"/>
+                </a:solidFill>
+              </a:rPr>
+              <a:t>First, grab these files: </a:t>
             </a:r>
           </a:p>
         </p:txBody>
@@ -5786,15 +6158,6 @@
               <a:buNone/>
             </a:pPr>
             <a:endParaRPr lang="en-US" dirty="0"/>
-          </a:p>
-          <a:p>
-            <a:pPr marL="0" indent="0">
-              <a:buNone/>
-            </a:pPr>
-            <a:r>
-              <a:rPr lang="en-US" dirty="0"/>
-              <a:t>Copy into your VACC account </a:t>
-            </a:r>
           </a:p>
         </p:txBody>
       </p:sp>
@@ -5881,9 +6244,7 @@
           <a:noFill/>
           <a:ln w="57150">
             <a:solidFill>
-              <a:schemeClr val="accent4">
-                <a:lumMod val="75000"/>
-              </a:schemeClr>
+              <a:srgbClr val="00B0F0"/>
             </a:solidFill>
           </a:ln>
         </p:spPr>
@@ -5935,9 +6296,7 @@
           <a:noFill/>
           <a:ln w="57150">
             <a:solidFill>
-              <a:schemeClr val="accent4">
-                <a:lumMod val="75000"/>
-              </a:schemeClr>
+              <a:srgbClr val="00B0F0"/>
             </a:solidFill>
           </a:ln>
         </p:spPr>
@@ -5996,41 +6355,47 @@
           <a:chExt cx="0" cy="0"/>
         </a:xfrm>
       </p:grpSpPr>
-      <p:pic>
-        <p:nvPicPr>
-          <p:cNvPr id="5" name="Picture 4" descr="Computer script on a screen">
+      <p:sp>
+        <p:nvSpPr>
+          <p:cNvPr id="2" name="Title 1">
             <a:extLst>
               <a:ext uri="{FF2B5EF4-FFF2-40B4-BE49-F238E27FC236}">
-                <a16:creationId xmlns:a16="http://schemas.microsoft.com/office/drawing/2014/main" id="{A68533DA-D2CA-8EBF-388D-7B997A6ADAAE}"/>
+                <a16:creationId xmlns:a16="http://schemas.microsoft.com/office/drawing/2014/main" id="{652FC0F8-F798-9E44-B3C4-3373B308FD17}"/>
               </a:ext>
             </a:extLst>
           </p:cNvPr>
-          <p:cNvPicPr>
-            <a:picLocks noChangeAspect="1"/>
-          </p:cNvPicPr>
-          <p:nvPr/>
-        </p:nvPicPr>
-        <p:blipFill rotWithShape="1">
-          <a:blip r:embed="rId2"/>
-          <a:srcRect r="11016" b="-1"/>
-          <a:stretch/>
-        </p:blipFill>
-        <p:spPr>
-          <a:xfrm>
-            <a:off x="20" y="10"/>
-            <a:ext cx="9143980" cy="6859300"/>
-          </a:xfrm>
-          <a:prstGeom prst="rect">
-            <a:avLst/>
-          </a:prstGeom>
-        </p:spPr>
-      </p:pic>
-      <p:sp>
-        <p:nvSpPr>
-          <p:cNvPr id="2" name="Title 1">
+          <p:cNvSpPr>
+            <a:spLocks noGrp="1"/>
+          </p:cNvSpPr>
+          <p:nvPr>
+            <p:ph type="title"/>
+          </p:nvPr>
+        </p:nvSpPr>
+        <p:spPr/>
+        <p:txBody>
+          <a:bodyPr>
+            <a:normAutofit/>
+          </a:bodyPr>
+          <a:lstStyle/>
+          <a:p>
+            <a:pPr algn="ctr"/>
+            <a:r>
+              <a:rPr lang="en-US" b="1" dirty="0">
+                <a:solidFill>
+                  <a:srgbClr val="002060"/>
+                </a:solidFill>
+              </a:rPr>
+              <a:t>How to create a variable </a:t>
+            </a:r>
+          </a:p>
+        </p:txBody>
+      </p:sp>
+      <p:sp>
+        <p:nvSpPr>
+          <p:cNvPr id="3" name="Content Placeholder 2">
             <a:extLst>
               <a:ext uri="{FF2B5EF4-FFF2-40B4-BE49-F238E27FC236}">
-                <a16:creationId xmlns:a16="http://schemas.microsoft.com/office/drawing/2014/main" id="{49CCD1A6-76C9-0E42-BDBA-8C6CC87176C6}"/>
+                <a16:creationId xmlns:a16="http://schemas.microsoft.com/office/drawing/2014/main" id="{9F5C7A45-6D6A-A647-B129-A4EF21D5D474}"/>
               </a:ext>
             </a:extLst>
           </p:cNvPr>
@@ -6038,88 +6403,75 @@
             <a:spLocks noGrp="1"/>
           </p:cNvSpPr>
           <p:nvPr>
-            <p:ph type="title"/>
+            <p:ph idx="1"/>
           </p:nvPr>
         </p:nvSpPr>
         <p:spPr>
           <a:xfrm>
-            <a:off x="1436346" y="1788454"/>
-            <a:ext cx="6270921" cy="2098226"/>
+            <a:off x="628650" y="2528887"/>
+            <a:ext cx="7886700" cy="3648075"/>
           </a:xfrm>
         </p:spPr>
         <p:txBody>
-          <a:bodyPr vert="horz" lIns="91440" tIns="45720" rIns="91440" bIns="45720" rtlCol="0" anchor="b">
+          <a:bodyPr>
             <a:normAutofit/>
           </a:bodyPr>
           <a:lstStyle/>
           <a:p>
-            <a:pPr algn="ctr" defTabSz="914400"/>
-            <a:r>
-              <a:rPr lang="en-US" sz="7200" cap="all">
-                <a:solidFill>
-                  <a:schemeClr val="bg2"/>
-                </a:solidFill>
-              </a:rPr>
-              <a:t>Bash variable</a:t>
-            </a:r>
-          </a:p>
-        </p:txBody>
-      </p:sp>
-      <p:sp>
-        <p:nvSpPr>
-          <p:cNvPr id="3" name="Content Placeholder 2">
-            <a:extLst>
-              <a:ext uri="{FF2B5EF4-FFF2-40B4-BE49-F238E27FC236}">
-                <a16:creationId xmlns:a16="http://schemas.microsoft.com/office/drawing/2014/main" id="{0398903C-A249-2F44-AB97-E715E123FB6E}"/>
-              </a:ext>
-            </a:extLst>
-          </p:cNvPr>
-          <p:cNvSpPr>
-            <a:spLocks noGrp="1"/>
-          </p:cNvSpPr>
-          <p:nvPr>
-            <p:ph idx="1"/>
-          </p:nvPr>
-        </p:nvSpPr>
-        <p:spPr>
-          <a:xfrm>
-            <a:off x="2009929" y="3956279"/>
-            <a:ext cx="5123755" cy="1086237"/>
-          </a:xfrm>
-        </p:spPr>
-        <p:txBody>
-          <a:bodyPr vert="horz" lIns="91440" tIns="45720" rIns="91440" bIns="45720" rtlCol="0">
-            <a:normAutofit/>
-          </a:bodyPr>
-          <a:lstStyle/>
-          <a:p>
-            <a:pPr marL="0" indent="0" algn="ctr" defTabSz="914400">
-              <a:lnSpc>
-                <a:spcPct val="102000"/>
-              </a:lnSpc>
-              <a:spcBef>
-                <a:spcPts val="0"/>
-              </a:spcBef>
-              <a:spcAft>
-                <a:spcPts val="600"/>
-              </a:spcAft>
+            <a:pPr marL="0" indent="0" algn="ctr">
               <a:buNone/>
             </a:pPr>
             <a:r>
-              <a:rPr lang="en-US" sz="2100" dirty="0">
+              <a:rPr lang="en-US" sz="4000" b="0" dirty="0" err="1">
                 <a:solidFill>
-                  <a:srgbClr val="FFFFFF"/>
+                  <a:schemeClr val="tx1"/>
                 </a:solidFill>
+                <a:effectLst/>
+                <a:latin typeface="Arial" panose="020B0604020202020204" pitchFamily="34" charset="0"/>
+                <a:cs typeface="Arial" panose="020B0604020202020204" pitchFamily="34" charset="0"/>
               </a:rPr>
-              <a:t>Is one of the most important concepts in computer programming</a:t>
-            </a:r>
+              <a:t>nameofvarible</a:t>
+            </a:r>
+            <a:r>
+              <a:rPr lang="en-US" sz="4000" b="0" dirty="0">
+                <a:solidFill>
+                  <a:schemeClr val="tx1"/>
+                </a:solidFill>
+                <a:effectLst/>
+                <a:latin typeface="Arial" panose="020B0604020202020204" pitchFamily="34" charset="0"/>
+                <a:cs typeface="Arial" panose="020B0604020202020204" pitchFamily="34" charset="0"/>
+              </a:rPr>
+              <a:t>=</a:t>
+            </a:r>
+            <a:r>
+              <a:rPr lang="en-US" sz="4000" b="0" dirty="0" err="1">
+                <a:solidFill>
+                  <a:schemeClr val="tx1"/>
+                </a:solidFill>
+                <a:effectLst/>
+                <a:latin typeface="Arial" panose="020B0604020202020204" pitchFamily="34" charset="0"/>
+                <a:cs typeface="Arial" panose="020B0604020202020204" pitchFamily="34" charset="0"/>
+              </a:rPr>
+              <a:t>valueof</a:t>
+            </a:r>
+            <a:r>
+              <a:rPr lang="en-US" sz="4000" dirty="0" err="1">
+                <a:solidFill>
+                  <a:schemeClr val="tx1"/>
+                </a:solidFill>
+                <a:latin typeface="Arial" panose="020B0604020202020204" pitchFamily="34" charset="0"/>
+                <a:cs typeface="Arial" panose="020B0604020202020204" pitchFamily="34" charset="0"/>
+              </a:rPr>
+              <a:t>varible</a:t>
+            </a:r>
+            <a:endParaRPr lang="en-US" dirty="0"/>
           </a:p>
         </p:txBody>
       </p:sp>
     </p:spTree>
     <p:extLst>
       <p:ext uri="{BB962C8B-B14F-4D97-AF65-F5344CB8AC3E}">
-        <p14:creationId xmlns:p14="http://schemas.microsoft.com/office/powerpoint/2010/main" val="3252325616"/>
+        <p14:creationId xmlns:p14="http://schemas.microsoft.com/office/powerpoint/2010/main" val="1696600508"/>
       </p:ext>
     </p:extLst>
   </p:cSld>
@@ -6151,7 +6503,7 @@
           <p:cNvPr id="2" name="Title 1">
             <a:extLst>
               <a:ext uri="{FF2B5EF4-FFF2-40B4-BE49-F238E27FC236}">
-                <a16:creationId xmlns:a16="http://schemas.microsoft.com/office/drawing/2014/main" id="{A57E8212-7BC0-D144-A2C6-8535121EFA83}"/>
+                <a16:creationId xmlns:a16="http://schemas.microsoft.com/office/drawing/2014/main" id="{652FC0F8-F798-9E44-B3C4-3373B308FD17}"/>
               </a:ext>
             </a:extLst>
           </p:cNvPr>
@@ -6162,74 +6514,45 @@
             <p:ph type="title"/>
           </p:nvPr>
         </p:nvSpPr>
-        <p:spPr>
-          <a:xfrm>
-            <a:off x="3825618" y="685800"/>
-            <a:ext cx="4632582" cy="1485900"/>
-          </a:xfrm>
-        </p:spPr>
+        <p:spPr/>
         <p:txBody>
           <a:bodyPr>
             <a:normAutofit/>
           </a:bodyPr>
           <a:lstStyle/>
           <a:p>
-            <a:r>
-              <a:rPr lang="en-US" dirty="0"/>
-              <a:t>One way to think about variables</a:t>
-            </a:r>
-          </a:p>
-        </p:txBody>
-      </p:sp>
-      <p:pic>
-        <p:nvPicPr>
-          <p:cNvPr id="5" name="Picture 4" descr="A calculus formula">
+            <a:pPr algn="ctr"/>
+            <a:r>
+              <a:rPr lang="en-US" b="1" dirty="0">
+                <a:solidFill>
+                  <a:srgbClr val="002060"/>
+                </a:solidFill>
+              </a:rPr>
+              <a:t>To recall the contents of the variable </a:t>
+            </a:r>
+          </a:p>
+        </p:txBody>
+      </p:sp>
+      <p:sp>
+        <p:nvSpPr>
+          <p:cNvPr id="3" name="Content Placeholder 2">
             <a:extLst>
               <a:ext uri="{FF2B5EF4-FFF2-40B4-BE49-F238E27FC236}">
-                <a16:creationId xmlns:a16="http://schemas.microsoft.com/office/drawing/2014/main" id="{D66D4F7D-925E-8F0F-F12B-E8AD8361E879}"/>
+                <a16:creationId xmlns:a16="http://schemas.microsoft.com/office/drawing/2014/main" id="{9F5C7A45-6D6A-A647-B129-A4EF21D5D474}"/>
               </a:ext>
             </a:extLst>
           </p:cNvPr>
-          <p:cNvPicPr>
-            <a:picLocks noChangeAspect="1"/>
-          </p:cNvPicPr>
-          <p:nvPr/>
-        </p:nvPicPr>
-        <p:blipFill rotWithShape="1">
-          <a:blip r:embed="rId2"/>
-          <a:srcRect l="31015" r="37058" b="-1"/>
-          <a:stretch/>
-        </p:blipFill>
+          <p:cNvSpPr>
+            <a:spLocks noGrp="1"/>
+          </p:cNvSpPr>
+          <p:nvPr>
+            <p:ph idx="1"/>
+          </p:nvPr>
+        </p:nvSpPr>
         <p:spPr>
           <a:xfrm>
-            <a:off x="20" y="10"/>
-            <a:ext cx="3280138" cy="6857990"/>
-          </a:xfrm>
-          <a:prstGeom prst="rect">
-            <a:avLst/>
-          </a:prstGeom>
-        </p:spPr>
-      </p:pic>
-      <p:sp>
-        <p:nvSpPr>
-          <p:cNvPr id="3" name="Content Placeholder 2">
-            <a:extLst>
-              <a:ext uri="{FF2B5EF4-FFF2-40B4-BE49-F238E27FC236}">
-                <a16:creationId xmlns:a16="http://schemas.microsoft.com/office/drawing/2014/main" id="{7AD52679-7BDE-154A-B271-5DE5F811F376}"/>
-              </a:ext>
-            </a:extLst>
-          </p:cNvPr>
-          <p:cNvSpPr>
-            <a:spLocks noGrp="1"/>
-          </p:cNvSpPr>
-          <p:nvPr>
-            <p:ph idx="1"/>
-          </p:nvPr>
-        </p:nvSpPr>
-        <p:spPr>
-          <a:xfrm>
-            <a:off x="3825618" y="2286000"/>
-            <a:ext cx="4632582" cy="3581400"/>
+            <a:off x="628650" y="2357437"/>
+            <a:ext cx="7886700" cy="3819525"/>
           </a:xfrm>
         </p:spPr>
         <p:txBody>
@@ -6238,56 +6561,49 @@
           </a:bodyPr>
           <a:lstStyle/>
           <a:p>
-            <a:pPr marL="0" indent="0">
+            <a:pPr marL="0" indent="0" algn="ctr">
               <a:buNone/>
             </a:pPr>
             <a:r>
-              <a:rPr lang="en-US" sz="2400" dirty="0"/>
-              <a:t>In general, variables in computer programming work like variables in algebra </a:t>
-            </a:r>
-          </a:p>
-          <a:p>
-            <a:endParaRPr lang="en-US" sz="2400" dirty="0"/>
-          </a:p>
-          <a:p>
-            <a:pPr marL="0" indent="0">
+              <a:rPr lang="en-US" sz="4000" b="0" dirty="0">
+                <a:solidFill>
+                  <a:schemeClr val="tx1"/>
+                </a:solidFill>
+                <a:effectLst/>
+                <a:latin typeface="Menlo" panose="020B0609030804020204" pitchFamily="49" charset="0"/>
+              </a:rPr>
+              <a:t>echo $</a:t>
+            </a:r>
+            <a:r>
+              <a:rPr lang="en-US" sz="4000" b="0" dirty="0" err="1">
+                <a:solidFill>
+                  <a:schemeClr val="tx1"/>
+                </a:solidFill>
+                <a:effectLst/>
+                <a:latin typeface="Menlo" panose="020B0609030804020204" pitchFamily="49" charset="0"/>
+              </a:rPr>
+              <a:t>nameofvariable</a:t>
+            </a:r>
+            <a:endParaRPr lang="en-US" sz="4000" b="0" dirty="0">
+              <a:solidFill>
+                <a:schemeClr val="tx1"/>
+              </a:solidFill>
+              <a:effectLst/>
+              <a:latin typeface="Menlo" panose="020B0609030804020204" pitchFamily="49" charset="0"/>
+            </a:endParaRPr>
+          </a:p>
+          <a:p>
+            <a:pPr marL="0" indent="0" algn="ctr">
               <a:buNone/>
             </a:pPr>
-            <a:r>
-              <a:rPr lang="en-US" sz="2400" dirty="0"/>
-              <a:t>x=7</a:t>
-            </a:r>
-          </a:p>
-          <a:p>
-            <a:pPr marL="0" indent="0">
-              <a:buNone/>
-            </a:pPr>
-            <a:r>
-              <a:rPr lang="en-US" sz="2400" dirty="0"/>
-              <a:t>y=x+5 </a:t>
-            </a:r>
-          </a:p>
-          <a:p>
-            <a:pPr marL="0" indent="0">
-              <a:buNone/>
-            </a:pPr>
-            <a:endParaRPr lang="en-US" sz="2400" dirty="0"/>
-          </a:p>
-          <a:p>
-            <a:pPr marL="0" indent="0">
-              <a:buNone/>
-            </a:pPr>
-            <a:r>
-              <a:rPr lang="en-US" sz="2400" dirty="0"/>
-              <a:t>We can conclude that y=12 </a:t>
-            </a:r>
+            <a:endParaRPr lang="en-US" sz="2000" dirty="0"/>
           </a:p>
         </p:txBody>
       </p:sp>
     </p:spTree>
     <p:extLst>
       <p:ext uri="{BB962C8B-B14F-4D97-AF65-F5344CB8AC3E}">
-        <p14:creationId xmlns:p14="http://schemas.microsoft.com/office/powerpoint/2010/main" val="664980100"/>
+        <p14:creationId xmlns:p14="http://schemas.microsoft.com/office/powerpoint/2010/main" val="289523977"/>
       </p:ext>
     </p:extLst>
   </p:cSld>
@@ -6319,7 +6635,7 @@
           <p:cNvPr id="2" name="Title 1">
             <a:extLst>
               <a:ext uri="{FF2B5EF4-FFF2-40B4-BE49-F238E27FC236}">
-                <a16:creationId xmlns:a16="http://schemas.microsoft.com/office/drawing/2014/main" id="{652FC0F8-F798-9E44-B3C4-3373B308FD17}"/>
+                <a16:creationId xmlns:a16="http://schemas.microsoft.com/office/drawing/2014/main" id="{861BF8E9-2184-F943-B66B-9E8AC6AD97F9}"/>
               </a:ext>
             </a:extLst>
           </p:cNvPr>
@@ -6330,31 +6646,31 @@
             <p:ph type="title"/>
           </p:nvPr>
         </p:nvSpPr>
-        <p:spPr>
-          <a:xfrm>
-            <a:off x="940322" y="1327355"/>
-            <a:ext cx="7437120" cy="890065"/>
-          </a:xfrm>
-        </p:spPr>
+        <p:spPr/>
         <p:txBody>
           <a:bodyPr>
             <a:normAutofit/>
           </a:bodyPr>
           <a:lstStyle/>
           <a:p>
-            <a:r>
-              <a:rPr lang="en-US" dirty="0"/>
-              <a:t>How to create a variable </a:t>
-            </a:r>
-          </a:p>
-        </p:txBody>
-      </p:sp>
-      <p:sp>
-        <p:nvSpPr>
-          <p:cNvPr id="3" name="Content Placeholder 2">
+            <a:pPr algn="ctr"/>
+            <a:r>
+              <a:rPr lang="en-US" sz="4100" b="1" dirty="0">
+                <a:solidFill>
+                  <a:srgbClr val="002060"/>
+                </a:solidFill>
+              </a:rPr>
+              <a:t>Utility of variables</a:t>
+            </a:r>
+          </a:p>
+        </p:txBody>
+      </p:sp>
+      <p:sp>
+        <p:nvSpPr>
+          <p:cNvPr id="6" name="Content Placeholder 2">
             <a:extLst>
               <a:ext uri="{FF2B5EF4-FFF2-40B4-BE49-F238E27FC236}">
-                <a16:creationId xmlns:a16="http://schemas.microsoft.com/office/drawing/2014/main" id="{9F5C7A45-6D6A-A647-B129-A4EF21D5D474}"/>
+                <a16:creationId xmlns:a16="http://schemas.microsoft.com/office/drawing/2014/main" id="{255FE73A-14D2-9F45-A1AB-0199826EF2AB}"/>
               </a:ext>
             </a:extLst>
           </p:cNvPr>
@@ -6365,12 +6681,7 @@
             <p:ph idx="1"/>
           </p:nvPr>
         </p:nvSpPr>
-        <p:spPr>
-          <a:xfrm>
-            <a:off x="940322" y="2544283"/>
-            <a:ext cx="7437120" cy="3265637"/>
-          </a:xfrm>
-        </p:spPr>
+        <p:spPr/>
         <p:txBody>
           <a:bodyPr>
             <a:normAutofit/>
@@ -6381,7 +6692,17 @@
               <a:buNone/>
             </a:pPr>
             <a:r>
-              <a:rPr lang="en-US" sz="4000" b="0" dirty="0" err="1">
+              <a:rPr lang="en-US" sz="3600" dirty="0">
+                <a:solidFill>
+                  <a:schemeClr val="tx1"/>
+                </a:solidFill>
+                <a:latin typeface="Arial" panose="020B0604020202020204" pitchFamily="34" charset="0"/>
+                <a:cs typeface="Arial" panose="020B0604020202020204" pitchFamily="34" charset="0"/>
+              </a:rPr>
+              <a:t>V</a:t>
+            </a:r>
+            <a:r>
+              <a:rPr lang="en-US" sz="3600" b="0" dirty="0">
                 <a:solidFill>
                   <a:schemeClr val="tx1"/>
                 </a:solidFill>
@@ -6389,40 +6710,13 @@
                 <a:latin typeface="Arial" panose="020B0604020202020204" pitchFamily="34" charset="0"/>
                 <a:cs typeface="Arial" panose="020B0604020202020204" pitchFamily="34" charset="0"/>
               </a:rPr>
-              <a:t>nameofvarible</a:t>
-            </a:r>
-            <a:r>
-              <a:rPr lang="en-US" sz="4000" b="0" dirty="0">
-                <a:solidFill>
-                  <a:schemeClr val="tx1"/>
-                </a:solidFill>
-                <a:effectLst/>
-                <a:latin typeface="Arial" panose="020B0604020202020204" pitchFamily="34" charset="0"/>
-                <a:cs typeface="Arial" panose="020B0604020202020204" pitchFamily="34" charset="0"/>
-              </a:rPr>
-              <a:t>=</a:t>
-            </a:r>
-            <a:r>
-              <a:rPr lang="en-US" sz="4000" b="0" dirty="0" err="1">
-                <a:solidFill>
-                  <a:schemeClr val="tx1"/>
-                </a:solidFill>
-                <a:effectLst/>
-                <a:latin typeface="Arial" panose="020B0604020202020204" pitchFamily="34" charset="0"/>
-                <a:cs typeface="Arial" panose="020B0604020202020204" pitchFamily="34" charset="0"/>
-              </a:rPr>
-              <a:t>valueof</a:t>
-            </a:r>
-            <a:r>
-              <a:rPr lang="en-US" sz="4000" dirty="0" err="1">
-                <a:solidFill>
-                  <a:schemeClr val="tx1"/>
-                </a:solidFill>
-                <a:latin typeface="Arial" panose="020B0604020202020204" pitchFamily="34" charset="0"/>
-                <a:cs typeface="Arial" panose="020B0604020202020204" pitchFamily="34" charset="0"/>
-              </a:rPr>
-              <a:t>varible</a:t>
-            </a:r>
+              <a:t>ariables can be used to store information that can be used later in the script (once or many times over)</a:t>
+            </a:r>
+          </a:p>
+          <a:p>
+            <a:pPr marL="0" indent="0">
+              <a:buNone/>
+            </a:pPr>
             <a:endParaRPr lang="en-US" dirty="0"/>
           </a:p>
         </p:txBody>
@@ -6430,7 +6724,7 @@
     </p:spTree>
     <p:extLst>
       <p:ext uri="{BB962C8B-B14F-4D97-AF65-F5344CB8AC3E}">
-        <p14:creationId xmlns:p14="http://schemas.microsoft.com/office/powerpoint/2010/main" val="1696600508"/>
+        <p14:creationId xmlns:p14="http://schemas.microsoft.com/office/powerpoint/2010/main" val="3411040989"/>
       </p:ext>
     </p:extLst>
   </p:cSld>
@@ -6462,7 +6756,7 @@
           <p:cNvPr id="2" name="Title 1">
             <a:extLst>
               <a:ext uri="{FF2B5EF4-FFF2-40B4-BE49-F238E27FC236}">
-                <a16:creationId xmlns:a16="http://schemas.microsoft.com/office/drawing/2014/main" id="{5898F0A2-9C6F-BD41-9417-32B043271DFE}"/>
+                <a16:creationId xmlns:a16="http://schemas.microsoft.com/office/drawing/2014/main" id="{18BC4378-A7C3-2B4B-B078-9BEF0379CE68}"/>
               </a:ext>
             </a:extLst>
           </p:cNvPr>
@@ -6473,63 +6767,32 @@
             <p:ph type="title"/>
           </p:nvPr>
         </p:nvSpPr>
-        <p:spPr>
-          <a:xfrm>
-            <a:off x="3825618" y="685800"/>
-            <a:ext cx="4632582" cy="1485900"/>
-          </a:xfrm>
-        </p:spPr>
-        <p:txBody>
-          <a:bodyPr>
-            <a:normAutofit fontScale="90000"/>
-          </a:bodyPr>
-          <a:lstStyle/>
-          <a:p>
-            <a:r>
-              <a:rPr lang="en-US" dirty="0"/>
-              <a:t>BASH Variables are not physical files </a:t>
-            </a:r>
-          </a:p>
-        </p:txBody>
-      </p:sp>
-      <p:pic>
-        <p:nvPicPr>
-          <p:cNvPr id="5" name="Picture 4" descr="Different coloured organisers">
+        <p:spPr/>
+        <p:txBody>
+          <a:bodyPr/>
+          <a:lstStyle/>
+          <a:p>
+            <a:pPr algn="ctr"/>
+            <a:r>
+              <a:rPr lang="en-US" b="1" dirty="0">
+                <a:solidFill>
+                  <a:srgbClr val="002060"/>
+                </a:solidFill>
+              </a:rPr>
+              <a:t>Example of Variable usage</a:t>
+            </a:r>
+          </a:p>
+        </p:txBody>
+      </p:sp>
+      <p:sp>
+        <p:nvSpPr>
+          <p:cNvPr id="3" name="Content Placeholder 2">
             <a:extLst>
               <a:ext uri="{FF2B5EF4-FFF2-40B4-BE49-F238E27FC236}">
-                <a16:creationId xmlns:a16="http://schemas.microsoft.com/office/drawing/2014/main" id="{98264BEF-3350-1B94-3CC8-AF0BA0E2F297}"/>
+                <a16:creationId xmlns:a16="http://schemas.microsoft.com/office/drawing/2014/main" id="{14251E49-2C1B-1B44-A97F-99C3C5DBCB5C}"/>
               </a:ext>
             </a:extLst>
           </p:cNvPr>
-          <p:cNvPicPr>
-            <a:picLocks noChangeAspect="1"/>
-          </p:cNvPicPr>
-          <p:nvPr/>
-        </p:nvPicPr>
-        <p:blipFill rotWithShape="1">
-          <a:blip r:embed="rId2"/>
-          <a:srcRect l="35585" r="35479" b="1"/>
-          <a:stretch/>
-        </p:blipFill>
-        <p:spPr>
-          <a:xfrm>
-            <a:off x="20" y="10"/>
-            <a:ext cx="3280138" cy="6857990"/>
-          </a:xfrm>
-          <a:prstGeom prst="rect">
-            <a:avLst/>
-          </a:prstGeom>
-        </p:spPr>
-      </p:pic>
-      <p:sp>
-        <p:nvSpPr>
-          <p:cNvPr id="3" name="Content Placeholder 2">
-            <a:extLst>
-              <a:ext uri="{FF2B5EF4-FFF2-40B4-BE49-F238E27FC236}">
-                <a16:creationId xmlns:a16="http://schemas.microsoft.com/office/drawing/2014/main" id="{D98BB712-A22A-754E-AEC7-63520AFA9154}"/>
-              </a:ext>
-            </a:extLst>
-          </p:cNvPr>
           <p:cNvSpPr>
             <a:spLocks noGrp="1"/>
           </p:cNvSpPr>
@@ -6537,63 +6800,78 @@
             <p:ph idx="1"/>
           </p:nvPr>
         </p:nvSpPr>
-        <p:spPr>
-          <a:xfrm>
-            <a:off x="3825618" y="2286000"/>
-            <a:ext cx="4632582" cy="3581400"/>
-          </a:xfrm>
-        </p:spPr>
-        <p:txBody>
-          <a:bodyPr>
-            <a:normAutofit/>
-          </a:bodyPr>
-          <a:lstStyle/>
-          <a:p>
-            <a:r>
-              <a:rPr lang="en-US" sz="3200" b="0" dirty="0">
+        <p:spPr/>
+        <p:txBody>
+          <a:bodyPr/>
+          <a:lstStyle/>
+          <a:p>
+            <a:pPr marL="0" indent="0">
+              <a:buNone/>
+            </a:pPr>
+            <a:r>
+              <a:rPr lang="en-US" b="0" dirty="0">
                 <a:solidFill>
-                  <a:schemeClr val="tx1"/>
+                  <a:srgbClr val="292929"/>
                 </a:solidFill>
                 <a:effectLst/>
-                <a:latin typeface="Arial" panose="020B0604020202020204" pitchFamily="34" charset="0"/>
-                <a:cs typeface="Arial" panose="020B0604020202020204" pitchFamily="34" charset="0"/>
+                <a:latin typeface="Menlo" panose="020B0609030804020204" pitchFamily="49" charset="0"/>
               </a:rPr>
-              <a:t>When you create files you can use `</a:t>
-            </a:r>
-            <a:r>
-              <a:rPr lang="en-US" sz="3200" b="0" dirty="0" err="1">
+              <a:t>DBDIR=/users/p/d/</a:t>
+            </a:r>
+            <a:r>
+              <a:rPr lang="en-US" b="0" dirty="0" err="1">
                 <a:solidFill>
-                  <a:schemeClr val="tx1"/>
+                  <a:srgbClr val="292929"/>
                 </a:solidFill>
                 <a:effectLst/>
-                <a:latin typeface="Arial" panose="020B0604020202020204" pitchFamily="34" charset="0"/>
-                <a:cs typeface="Arial" panose="020B0604020202020204" pitchFamily="34" charset="0"/>
+                <a:latin typeface="Menlo" panose="020B0609030804020204" pitchFamily="49" charset="0"/>
               </a:rPr>
-              <a:t>ls`</a:t>
-            </a:r>
-            <a:r>
-              <a:rPr lang="en-US" sz="3200" b="0" dirty="0">
+              <a:t>pdrodrig</a:t>
+            </a:r>
+            <a:r>
+              <a:rPr lang="en-US" b="0" dirty="0">
                 <a:solidFill>
-                  <a:schemeClr val="tx1"/>
+                  <a:srgbClr val="292929"/>
                 </a:solidFill>
                 <a:effectLst/>
-                <a:latin typeface="Arial" panose="020B0604020202020204" pitchFamily="34" charset="0"/>
-                <a:cs typeface="Arial" panose="020B0604020202020204" pitchFamily="34" charset="0"/>
+                <a:latin typeface="Menlo" panose="020B0609030804020204" pitchFamily="49" charset="0"/>
               </a:rPr>
-              <a:t> to list contents and see if the file exists.</a:t>
-            </a:r>
-          </a:p>
-          <a:p>
-            <a:r>
-              <a:rPr lang="en-US" sz="3200" b="0" dirty="0">
+              <a:t>/</a:t>
+            </a:r>
+            <a:r>
+              <a:rPr lang="en-US" b="0" dirty="0" err="1">
                 <a:solidFill>
-                  <a:schemeClr val="tx1"/>
+                  <a:srgbClr val="292929"/>
                 </a:solidFill>
                 <a:effectLst/>
-                <a:latin typeface="Arial" panose="020B0604020202020204" pitchFamily="34" charset="0"/>
-                <a:cs typeface="Arial" panose="020B0604020202020204" pitchFamily="34" charset="0"/>
+                <a:latin typeface="Menlo" panose="020B0609030804020204" pitchFamily="49" charset="0"/>
               </a:rPr>
-              <a:t>A variable will not be listed once created</a:t>
+              <a:t>genome_index</a:t>
+            </a:r>
+            <a:endParaRPr lang="en-US" b="0" dirty="0">
+              <a:solidFill>
+                <a:srgbClr val="292929"/>
+              </a:solidFill>
+              <a:effectLst/>
+              <a:latin typeface="Menlo" panose="020B0609030804020204" pitchFamily="49" charset="0"/>
+            </a:endParaRPr>
+          </a:p>
+          <a:p>
+            <a:endParaRPr lang="en-US" dirty="0"/>
+          </a:p>
+          <a:p>
+            <a:pPr marL="0" indent="0">
+              <a:buNone/>
+            </a:pPr>
+            <a:r>
+              <a:rPr lang="en-US" b="0" dirty="0">
+                <a:solidFill>
+                  <a:srgbClr val="292929"/>
+                </a:solidFill>
+                <a:effectLst/>
+                <a:latin typeface="Menlo" panose="020B0609030804020204" pitchFamily="49" charset="0"/>
+              </a:rPr>
+              <a:t>In this case, this is showing a location to a specific directory </a:t>
             </a:r>
           </a:p>
           <a:p>
@@ -6607,7 +6885,7 @@
     </p:spTree>
     <p:extLst>
       <p:ext uri="{BB962C8B-B14F-4D97-AF65-F5344CB8AC3E}">
-        <p14:creationId xmlns:p14="http://schemas.microsoft.com/office/powerpoint/2010/main" val="3090719259"/>
+        <p14:creationId xmlns:p14="http://schemas.microsoft.com/office/powerpoint/2010/main" val="814947880"/>
       </p:ext>
     </p:extLst>
   </p:cSld>
@@ -6639,7 +6917,7 @@
           <p:cNvPr id="2" name="Title 1">
             <a:extLst>
               <a:ext uri="{FF2B5EF4-FFF2-40B4-BE49-F238E27FC236}">
-                <a16:creationId xmlns:a16="http://schemas.microsoft.com/office/drawing/2014/main" id="{652FC0F8-F798-9E44-B3C4-3373B308FD17}"/>
+                <a16:creationId xmlns:a16="http://schemas.microsoft.com/office/drawing/2014/main" id="{D2719EF9-1EEF-054B-9F5B-659F08268366}"/>
               </a:ext>
             </a:extLst>
           </p:cNvPr>
@@ -6650,12 +6928,40 @@
             <p:ph type="title"/>
           </p:nvPr>
         </p:nvSpPr>
-        <p:spPr>
-          <a:xfrm>
-            <a:off x="940322" y="1327355"/>
-            <a:ext cx="7437120" cy="1910103"/>
-          </a:xfrm>
-        </p:spPr>
+        <p:spPr/>
+        <p:txBody>
+          <a:bodyPr/>
+          <a:lstStyle/>
+          <a:p>
+            <a:pPr algn="ctr"/>
+            <a:r>
+              <a:rPr lang="en-US" b="1" dirty="0">
+                <a:solidFill>
+                  <a:srgbClr val="002060"/>
+                </a:solidFill>
+              </a:rPr>
+              <a:t>Curly braces {}</a:t>
+            </a:r>
+          </a:p>
+        </p:txBody>
+      </p:sp>
+      <p:sp>
+        <p:nvSpPr>
+          <p:cNvPr id="3" name="Content Placeholder 2">
+            <a:extLst>
+              <a:ext uri="{FF2B5EF4-FFF2-40B4-BE49-F238E27FC236}">
+                <a16:creationId xmlns:a16="http://schemas.microsoft.com/office/drawing/2014/main" id="{C7E6BDAF-1CEA-7D4D-AC77-A2116EA52C3A}"/>
+              </a:ext>
+            </a:extLst>
+          </p:cNvPr>
+          <p:cNvSpPr>
+            <a:spLocks noGrp="1"/>
+          </p:cNvSpPr>
+          <p:nvPr>
+            <p:ph idx="1"/>
+          </p:nvPr>
+        </p:nvSpPr>
+        <p:spPr/>
         <p:txBody>
           <a:bodyPr>
             <a:normAutofit/>
@@ -6663,83 +6969,31 @@
           <a:lstStyle/>
           <a:p>
             <a:r>
-              <a:rPr lang="en-US" dirty="0"/>
-              <a:t>To recall the contents of the variable </a:t>
-            </a:r>
-          </a:p>
-        </p:txBody>
-      </p:sp>
-      <p:sp>
-        <p:nvSpPr>
-          <p:cNvPr id="3" name="Content Placeholder 2">
-            <a:extLst>
-              <a:ext uri="{FF2B5EF4-FFF2-40B4-BE49-F238E27FC236}">
-                <a16:creationId xmlns:a16="http://schemas.microsoft.com/office/drawing/2014/main" id="{9F5C7A45-6D6A-A647-B129-A4EF21D5D474}"/>
-              </a:ext>
-            </a:extLst>
-          </p:cNvPr>
-          <p:cNvSpPr>
-            <a:spLocks noGrp="1"/>
-          </p:cNvSpPr>
-          <p:nvPr>
-            <p:ph idx="1"/>
-          </p:nvPr>
-        </p:nvSpPr>
-        <p:spPr>
-          <a:xfrm>
-            <a:off x="940322" y="2983230"/>
-            <a:ext cx="7940788" cy="2826690"/>
-          </a:xfrm>
-        </p:spPr>
-        <p:txBody>
-          <a:bodyPr>
-            <a:normAutofit/>
-          </a:bodyPr>
-          <a:lstStyle/>
+              <a:rPr lang="en-US" sz="3600" dirty="0">
+                <a:hlinkClick r:id="rId2"/>
+              </a:rPr>
+              <a:t>https://devhints.io/bash</a:t>
+            </a:r>
+            <a:endParaRPr lang="en-US" sz="3600" dirty="0"/>
+          </a:p>
           <a:p>
             <a:pPr marL="0" indent="0">
               <a:buNone/>
             </a:pPr>
-            <a:r>
-              <a:rPr lang="en-US" sz="4800" b="0" dirty="0">
-                <a:solidFill>
-                  <a:schemeClr val="tx1"/>
-                </a:solidFill>
-                <a:effectLst/>
-                <a:latin typeface="Menlo" panose="020B0609030804020204" pitchFamily="49" charset="0"/>
-              </a:rPr>
-              <a:t>echo $</a:t>
-            </a:r>
-            <a:r>
-              <a:rPr lang="en-US" sz="4800" b="0" dirty="0" err="1">
-                <a:solidFill>
-                  <a:schemeClr val="tx1"/>
-                </a:solidFill>
-                <a:effectLst/>
-                <a:latin typeface="Menlo" panose="020B0609030804020204" pitchFamily="49" charset="0"/>
-              </a:rPr>
-              <a:t>nameofvariable</a:t>
-            </a:r>
-            <a:endParaRPr lang="en-US" sz="4800" b="0" dirty="0">
-              <a:solidFill>
-                <a:schemeClr val="tx1"/>
-              </a:solidFill>
-              <a:effectLst/>
-              <a:latin typeface="Menlo" panose="020B0609030804020204" pitchFamily="49" charset="0"/>
-            </a:endParaRPr>
-          </a:p>
-          <a:p>
-            <a:pPr marL="0" indent="0">
-              <a:buNone/>
-            </a:pPr>
-            <a:endParaRPr lang="en-US" dirty="0"/>
+            <a:endParaRPr lang="en-US" sz="3600" dirty="0"/>
+          </a:p>
+          <a:p>
+            <a:r>
+              <a:rPr lang="en-US" sz="3600" dirty="0"/>
+              <a:t>Substitutions, manipulations, etc.. So much more!</a:t>
+            </a:r>
           </a:p>
         </p:txBody>
       </p:sp>
     </p:spTree>
     <p:extLst>
       <p:ext uri="{BB962C8B-B14F-4D97-AF65-F5344CB8AC3E}">
-        <p14:creationId xmlns:p14="http://schemas.microsoft.com/office/powerpoint/2010/main" val="289523977"/>
+        <p14:creationId xmlns:p14="http://schemas.microsoft.com/office/powerpoint/2010/main" val="2306848323"/>
       </p:ext>
     </p:extLst>
   </p:cSld>
@@ -6771,7 +7025,7 @@
           <p:cNvPr id="2" name="Title 1">
             <a:extLst>
               <a:ext uri="{FF2B5EF4-FFF2-40B4-BE49-F238E27FC236}">
-                <a16:creationId xmlns:a16="http://schemas.microsoft.com/office/drawing/2014/main" id="{861BF8E9-2184-F943-B66B-9E8AC6AD97F9}"/>
+                <a16:creationId xmlns:a16="http://schemas.microsoft.com/office/drawing/2014/main" id="{5D1A6C42-89EC-0E40-942E-B26C682B78E9}"/>
               </a:ext>
             </a:extLst>
           </p:cNvPr>
@@ -6784,85 +7038,60 @@
         </p:nvSpPr>
         <p:spPr>
           <a:xfrm>
-            <a:off x="940322" y="1048081"/>
-            <a:ext cx="7721078" cy="1100759"/>
+            <a:off x="628650" y="365126"/>
+            <a:ext cx="7886700" cy="1220787"/>
           </a:xfrm>
         </p:spPr>
         <p:txBody>
           <a:bodyPr>
-            <a:normAutofit/>
+            <a:normAutofit fontScale="90000"/>
           </a:bodyPr>
           <a:lstStyle/>
           <a:p>
-            <a:r>
-              <a:rPr lang="en-US" sz="4100" dirty="0"/>
-              <a:t>Utility of variables</a:t>
-            </a:r>
-          </a:p>
-        </p:txBody>
-      </p:sp>
-      <p:sp>
-        <p:nvSpPr>
-          <p:cNvPr id="6" name="Content Placeholder 2">
+            <a:pPr algn="ctr"/>
+            <a:r>
+              <a:rPr lang="en-US" b="1" dirty="0">
+                <a:solidFill>
+                  <a:srgbClr val="002060"/>
+                </a:solidFill>
+              </a:rPr>
+              <a:t>for loop is classified as an iteration statement</a:t>
+            </a:r>
+          </a:p>
+        </p:txBody>
+      </p:sp>
+      <p:pic>
+        <p:nvPicPr>
+          <p:cNvPr id="5" name="Content Placeholder 4" descr="Graphical user interface, application, Teams&#10;&#10;Description automatically generated">
             <a:extLst>
               <a:ext uri="{FF2B5EF4-FFF2-40B4-BE49-F238E27FC236}">
-                <a16:creationId xmlns:a16="http://schemas.microsoft.com/office/drawing/2014/main" id="{255FE73A-14D2-9F45-A1AB-0199826EF2AB}"/>
+                <a16:creationId xmlns:a16="http://schemas.microsoft.com/office/drawing/2014/main" id="{0B6C755A-F79D-6145-98E5-2FA45767621A}"/>
               </a:ext>
             </a:extLst>
           </p:cNvPr>
-          <p:cNvSpPr>
-            <a:spLocks noGrp="1"/>
-          </p:cNvSpPr>
+          <p:cNvPicPr>
+            <a:picLocks noGrp="1" noChangeAspect="1"/>
+          </p:cNvPicPr>
           <p:nvPr>
             <p:ph idx="1"/>
           </p:nvPr>
-        </p:nvSpPr>
+        </p:nvPicPr>
+        <p:blipFill rotWithShape="1">
+          <a:blip r:embed="rId3"/>
+          <a:srcRect r="41213" b="56617"/>
+          <a:stretch/>
+        </p:blipFill>
         <p:spPr>
           <a:xfrm>
-            <a:off x="940322" y="2148840"/>
-            <a:ext cx="7940788" cy="3135300"/>
+            <a:off x="1175261" y="1941009"/>
+            <a:ext cx="6793477" cy="3702553"/>
           </a:xfrm>
         </p:spPr>
-        <p:txBody>
-          <a:bodyPr>
-            <a:normAutofit/>
-          </a:bodyPr>
-          <a:lstStyle/>
-          <a:p>
-            <a:r>
-              <a:rPr lang="en-US" sz="3600" dirty="0">
-                <a:solidFill>
-                  <a:schemeClr val="tx1"/>
-                </a:solidFill>
-                <a:latin typeface="Arial" panose="020B0604020202020204" pitchFamily="34" charset="0"/>
-                <a:cs typeface="Arial" panose="020B0604020202020204" pitchFamily="34" charset="0"/>
-              </a:rPr>
-              <a:t>V</a:t>
-            </a:r>
-            <a:r>
-              <a:rPr lang="en-US" sz="3600" b="0" dirty="0">
-                <a:solidFill>
-                  <a:schemeClr val="tx1"/>
-                </a:solidFill>
-                <a:effectLst/>
-                <a:latin typeface="Arial" panose="020B0604020202020204" pitchFamily="34" charset="0"/>
-                <a:cs typeface="Arial" panose="020B0604020202020204" pitchFamily="34" charset="0"/>
-              </a:rPr>
-              <a:t>ariables can be used to store information that can be used later in the script (once or many times over)</a:t>
-            </a:r>
-          </a:p>
-          <a:p>
-            <a:pPr marL="0" indent="0">
-              <a:buNone/>
-            </a:pPr>
-            <a:endParaRPr lang="en-US" dirty="0"/>
-          </a:p>
-        </p:txBody>
-      </p:sp>
+      </p:pic>
     </p:spTree>
     <p:extLst>
       <p:ext uri="{BB962C8B-B14F-4D97-AF65-F5344CB8AC3E}">
-        <p14:creationId xmlns:p14="http://schemas.microsoft.com/office/powerpoint/2010/main" val="3411040989"/>
+        <p14:creationId xmlns:p14="http://schemas.microsoft.com/office/powerpoint/2010/main" val="1960644751"/>
       </p:ext>
     </p:extLst>
   </p:cSld>
@@ -6894,7 +7123,7 @@
           <p:cNvPr id="2" name="Title 1">
             <a:extLst>
               <a:ext uri="{FF2B5EF4-FFF2-40B4-BE49-F238E27FC236}">
-                <a16:creationId xmlns:a16="http://schemas.microsoft.com/office/drawing/2014/main" id="{18BC4378-A7C3-2B4B-B078-9BEF0379CE68}"/>
+                <a16:creationId xmlns:a16="http://schemas.microsoft.com/office/drawing/2014/main" id="{5D1A6C42-89EC-0E40-942E-B26C682B78E9}"/>
               </a:ext>
             </a:extLst>
           </p:cNvPr>
@@ -6905,117 +7134,60 @@
             <p:ph type="title"/>
           </p:nvPr>
         </p:nvSpPr>
-        <p:spPr/>
+        <p:spPr>
+          <a:xfrm>
+            <a:off x="628650" y="365126"/>
+            <a:ext cx="7886700" cy="877887"/>
+          </a:xfrm>
+        </p:spPr>
         <p:txBody>
           <a:bodyPr/>
           <a:lstStyle/>
           <a:p>
-            <a:endParaRPr lang="en-US" dirty="0"/>
-          </a:p>
-        </p:txBody>
-      </p:sp>
-      <p:sp>
-        <p:nvSpPr>
-          <p:cNvPr id="3" name="Content Placeholder 2">
+            <a:pPr algn="ctr"/>
+            <a:r>
+              <a:rPr lang="en-US" b="1" dirty="0">
+                <a:solidFill>
+                  <a:srgbClr val="002060"/>
+                </a:solidFill>
+              </a:rPr>
+              <a:t>for loop syntax </a:t>
+            </a:r>
+          </a:p>
+        </p:txBody>
+      </p:sp>
+      <p:pic>
+        <p:nvPicPr>
+          <p:cNvPr id="5" name="Content Placeholder 4" descr="Graphical user interface, application, Teams&#10;&#10;Description automatically generated">
             <a:extLst>
               <a:ext uri="{FF2B5EF4-FFF2-40B4-BE49-F238E27FC236}">
-                <a16:creationId xmlns:a16="http://schemas.microsoft.com/office/drawing/2014/main" id="{14251E49-2C1B-1B44-A97F-99C3C5DBCB5C}"/>
+                <a16:creationId xmlns:a16="http://schemas.microsoft.com/office/drawing/2014/main" id="{0B6C755A-F79D-6145-98E5-2FA45767621A}"/>
               </a:ext>
             </a:extLst>
           </p:cNvPr>
-          <p:cNvSpPr>
-            <a:spLocks noGrp="1"/>
-          </p:cNvSpPr>
+          <p:cNvPicPr>
+            <a:picLocks noGrp="1" noChangeAspect="1"/>
+          </p:cNvPicPr>
           <p:nvPr>
             <p:ph idx="1"/>
           </p:nvPr>
-        </p:nvSpPr>
-        <p:spPr/>
-        <p:txBody>
-          <a:bodyPr/>
-          <a:lstStyle/>
-          <a:p>
-            <a:pPr marL="0" indent="0">
-              <a:buNone/>
-            </a:pPr>
-            <a:r>
-              <a:rPr lang="en-US" b="0" dirty="0">
-                <a:solidFill>
-                  <a:srgbClr val="292929"/>
-                </a:solidFill>
-                <a:effectLst/>
-                <a:latin typeface="Menlo" panose="020B0609030804020204" pitchFamily="49" charset="0"/>
-              </a:rPr>
-              <a:t>DBDIR=/users/p/d/</a:t>
-            </a:r>
-            <a:r>
-              <a:rPr lang="en-US" b="0" dirty="0" err="1">
-                <a:solidFill>
-                  <a:srgbClr val="292929"/>
-                </a:solidFill>
-                <a:effectLst/>
-                <a:latin typeface="Menlo" panose="020B0609030804020204" pitchFamily="49" charset="0"/>
-              </a:rPr>
-              <a:t>pdrodrig</a:t>
-            </a:r>
-            <a:r>
-              <a:rPr lang="en-US" b="0" dirty="0">
-                <a:solidFill>
-                  <a:srgbClr val="292929"/>
-                </a:solidFill>
-                <a:effectLst/>
-                <a:latin typeface="Menlo" panose="020B0609030804020204" pitchFamily="49" charset="0"/>
-              </a:rPr>
-              <a:t>/</a:t>
-            </a:r>
-            <a:r>
-              <a:rPr lang="en-US" b="0" dirty="0" err="1">
-                <a:solidFill>
-                  <a:srgbClr val="292929"/>
-                </a:solidFill>
-                <a:effectLst/>
-                <a:latin typeface="Menlo" panose="020B0609030804020204" pitchFamily="49" charset="0"/>
-              </a:rPr>
-              <a:t>genome_index</a:t>
-            </a:r>
-            <a:endParaRPr lang="en-US" b="0" dirty="0">
-              <a:solidFill>
-                <a:srgbClr val="292929"/>
-              </a:solidFill>
-              <a:effectLst/>
-              <a:latin typeface="Menlo" panose="020B0609030804020204" pitchFamily="49" charset="0"/>
-            </a:endParaRPr>
-          </a:p>
-          <a:p>
-            <a:endParaRPr lang="en-US" dirty="0"/>
-          </a:p>
-          <a:p>
-            <a:pPr marL="0" indent="0">
-              <a:buNone/>
-            </a:pPr>
-            <a:r>
-              <a:rPr lang="en-US" b="0" dirty="0">
-                <a:solidFill>
-                  <a:srgbClr val="292929"/>
-                </a:solidFill>
-                <a:effectLst/>
-                <a:latin typeface="Menlo" panose="020B0609030804020204" pitchFamily="49" charset="0"/>
-              </a:rPr>
-              <a:t>In this case, this is showing a location to a specific directory </a:t>
-            </a:r>
-          </a:p>
-          <a:p>
-            <a:pPr marL="0" indent="0">
-              <a:buNone/>
-            </a:pPr>
-            <a:endParaRPr lang="en-US" dirty="0"/>
-          </a:p>
-        </p:txBody>
-      </p:sp>
+        </p:nvPicPr>
+        <p:blipFill rotWithShape="1">
+          <a:blip r:embed="rId3"/>
+          <a:srcRect t="40403"/>
+          <a:stretch/>
+        </p:blipFill>
+        <p:spPr>
+          <a:xfrm>
+            <a:off x="245661" y="1777999"/>
+            <a:ext cx="8652677" cy="3808413"/>
+          </a:xfrm>
+        </p:spPr>
+      </p:pic>
     </p:spTree>
     <p:extLst>
       <p:ext uri="{BB962C8B-B14F-4D97-AF65-F5344CB8AC3E}">
-        <p14:creationId xmlns:p14="http://schemas.microsoft.com/office/powerpoint/2010/main" val="814947880"/>
+        <p14:creationId xmlns:p14="http://schemas.microsoft.com/office/powerpoint/2010/main" val="2144607844"/>
       </p:ext>
     </p:extLst>
   </p:cSld>
@@ -7047,7 +7219,7 @@
           <p:cNvPr id="2" name="Title 1">
             <a:extLst>
               <a:ext uri="{FF2B5EF4-FFF2-40B4-BE49-F238E27FC236}">
-                <a16:creationId xmlns:a16="http://schemas.microsoft.com/office/drawing/2014/main" id="{5D1A6C42-89EC-0E40-942E-B26C682B78E9}"/>
+                <a16:creationId xmlns:a16="http://schemas.microsoft.com/office/drawing/2014/main" id="{5FB8A856-9C62-234C-A119-407815508D45}"/>
               </a:ext>
             </a:extLst>
           </p:cNvPr>
@@ -7063,9 +7235,14 @@
           <a:bodyPr/>
           <a:lstStyle/>
           <a:p>
-            <a:r>
-              <a:rPr lang="en-US" dirty="0"/>
-              <a:t>for loop syntax </a:t>
+            <a:pPr algn="ctr"/>
+            <a:r>
+              <a:rPr lang="en-US" b="1" dirty="0">
+                <a:solidFill>
+                  <a:srgbClr val="002060"/>
+                </a:solidFill>
+              </a:rPr>
+              <a:t>HISAT2 usage </a:t>
             </a:r>
           </a:p>
         </p:txBody>
@@ -7075,7 +7252,7 @@
           <p:cNvPr id="3" name="Content Placeholder 2">
             <a:extLst>
               <a:ext uri="{FF2B5EF4-FFF2-40B4-BE49-F238E27FC236}">
-                <a16:creationId xmlns:a16="http://schemas.microsoft.com/office/drawing/2014/main" id="{DA4BC93C-8A01-B148-B8AB-7B4B6E53FA78}"/>
+                <a16:creationId xmlns:a16="http://schemas.microsoft.com/office/drawing/2014/main" id="{8E774E7E-ABA5-1B4C-B1CA-ED7CDE6FAF8D}"/>
               </a:ext>
             </a:extLst>
           </p:cNvPr>
@@ -7091,14 +7268,14 @@
           <a:bodyPr/>
           <a:lstStyle/>
           <a:p>
-            <a:endParaRPr lang="en-US" dirty="0"/>
+            <a:endParaRPr lang="en-US"/>
           </a:p>
         </p:txBody>
       </p:sp>
     </p:spTree>
     <p:extLst>
       <p:ext uri="{BB962C8B-B14F-4D97-AF65-F5344CB8AC3E}">
-        <p14:creationId xmlns:p14="http://schemas.microsoft.com/office/powerpoint/2010/main" val="1960644751"/>
+        <p14:creationId xmlns:p14="http://schemas.microsoft.com/office/powerpoint/2010/main" val="3293356738"/>
       </p:ext>
     </p:extLst>
   </p:cSld>
@@ -7130,7 +7307,7 @@
           <p:cNvPr id="2" name="Title 1">
             <a:extLst>
               <a:ext uri="{FF2B5EF4-FFF2-40B4-BE49-F238E27FC236}">
-                <a16:creationId xmlns:a16="http://schemas.microsoft.com/office/drawing/2014/main" id="{5FB8A856-9C62-234C-A119-407815508D45}"/>
+                <a16:creationId xmlns:a16="http://schemas.microsoft.com/office/drawing/2014/main" id="{17517C9B-F800-3943-9EF8-AA2F7756D85C}"/>
               </a:ext>
             </a:extLst>
           </p:cNvPr>
@@ -7146,9 +7323,22 @@
           <a:bodyPr/>
           <a:lstStyle/>
           <a:p>
-            <a:r>
-              <a:rPr lang="en-US" dirty="0"/>
-              <a:t>HISAT2 usage </a:t>
+            <a:pPr algn="ctr"/>
+            <a:r>
+              <a:rPr lang="en-US" b="1" dirty="0" err="1">
+                <a:solidFill>
+                  <a:srgbClr val="002060"/>
+                </a:solidFill>
+              </a:rPr>
+              <a:t>SAMtools</a:t>
+            </a:r>
+            <a:r>
+              <a:rPr lang="en-US" b="1" dirty="0">
+                <a:solidFill>
+                  <a:srgbClr val="002060"/>
+                </a:solidFill>
+              </a:rPr>
+              <a:t> usage </a:t>
             </a:r>
           </a:p>
         </p:txBody>
@@ -7158,7 +7348,7 @@
           <p:cNvPr id="3" name="Content Placeholder 2">
             <a:extLst>
               <a:ext uri="{FF2B5EF4-FFF2-40B4-BE49-F238E27FC236}">
-                <a16:creationId xmlns:a16="http://schemas.microsoft.com/office/drawing/2014/main" id="{8E774E7E-ABA5-1B4C-B1CA-ED7CDE6FAF8D}"/>
+                <a16:creationId xmlns:a16="http://schemas.microsoft.com/office/drawing/2014/main" id="{5F22F6E7-AAD6-9D49-9DFB-FBA3AECC6809}"/>
               </a:ext>
             </a:extLst>
           </p:cNvPr>
@@ -7181,7 +7371,7 @@
     </p:spTree>
     <p:extLst>
       <p:ext uri="{BB962C8B-B14F-4D97-AF65-F5344CB8AC3E}">
-        <p14:creationId xmlns:p14="http://schemas.microsoft.com/office/powerpoint/2010/main" val="3293356738"/>
+        <p14:creationId xmlns:p14="http://schemas.microsoft.com/office/powerpoint/2010/main" val="3849047622"/>
       </p:ext>
     </p:extLst>
   </p:cSld>
@@ -7226,11 +7416,18 @@
         </p:nvSpPr>
         <p:spPr/>
         <p:txBody>
-          <a:bodyPr/>
-          <a:lstStyle/>
-          <a:p>
-            <a:r>
-              <a:rPr lang="en-US" dirty="0"/>
+          <a:bodyPr>
+            <a:normAutofit/>
+          </a:bodyPr>
+          <a:lstStyle/>
+          <a:p>
+            <a:pPr algn="ctr"/>
+            <a:r>
+              <a:rPr lang="en-US" sz="4000" b="1" dirty="0">
+                <a:solidFill>
+                  <a:srgbClr val="002060"/>
+                </a:solidFill>
+              </a:rPr>
               <a:t>Inside HISAT2_example folder </a:t>
             </a:r>
           </a:p>
@@ -7281,33 +7478,13 @@
             <a:endParaRPr lang="en-US" dirty="0"/>
           </a:p>
           <a:p>
-            <a:pPr marL="514350" indent="-514350">
-              <a:buAutoNum type="arabicParenBoth"/>
-            </a:pPr>
-            <a:endParaRPr lang="en-US" dirty="0"/>
-          </a:p>
-          <a:p>
             <a:pPr marL="0" indent="0">
               <a:buNone/>
             </a:pPr>
             <a:r>
               <a:rPr lang="en-US" dirty="0"/>
-              <a:t>RUN hisat2_align.sh using </a:t>
-            </a:r>
-            <a:r>
-              <a:rPr lang="en-US" dirty="0" err="1"/>
-              <a:t>sbatch</a:t>
-            </a:r>
-            <a:r>
-              <a:rPr lang="en-US" dirty="0"/>
-              <a:t> </a:t>
-            </a:r>
-          </a:p>
-          <a:p>
-            <a:pPr marL="0" indent="0">
-              <a:buNone/>
-            </a:pPr>
-            <a:endParaRPr lang="en-US" dirty="0"/>
+              <a:t>Run script: </a:t>
+            </a:r>
           </a:p>
           <a:p>
             <a:pPr marL="0" indent="0">
@@ -7328,93 +7505,6 @@
     <p:extLst>
       <p:ext uri="{BB962C8B-B14F-4D97-AF65-F5344CB8AC3E}">
         <p14:creationId xmlns:p14="http://schemas.microsoft.com/office/powerpoint/2010/main" val="3394134718"/>
-      </p:ext>
-    </p:extLst>
-  </p:cSld>
-  <p:clrMapOvr>
-    <a:masterClrMapping/>
-  </p:clrMapOvr>
-</p:sld>
-</file>
-
-<file path=ppt/slides/slide30.xml><?xml version="1.0" encoding="utf-8"?>
-<p:sld xmlns:a="http://schemas.openxmlformats.org/drawingml/2006/main" xmlns:r="http://schemas.openxmlformats.org/officeDocument/2006/relationships" xmlns:p="http://schemas.openxmlformats.org/presentationml/2006/main">
-  <p:cSld>
-    <p:spTree>
-      <p:nvGrpSpPr>
-        <p:cNvPr id="1" name=""/>
-        <p:cNvGrpSpPr/>
-        <p:nvPr/>
-      </p:nvGrpSpPr>
-      <p:grpSpPr>
-        <a:xfrm>
-          <a:off x="0" y="0"/>
-          <a:ext cx="0" cy="0"/>
-          <a:chOff x="0" y="0"/>
-          <a:chExt cx="0" cy="0"/>
-        </a:xfrm>
-      </p:grpSpPr>
-      <p:sp>
-        <p:nvSpPr>
-          <p:cNvPr id="2" name="Title 1">
-            <a:extLst>
-              <a:ext uri="{FF2B5EF4-FFF2-40B4-BE49-F238E27FC236}">
-                <a16:creationId xmlns:a16="http://schemas.microsoft.com/office/drawing/2014/main" id="{17517C9B-F800-3943-9EF8-AA2F7756D85C}"/>
-              </a:ext>
-            </a:extLst>
-          </p:cNvPr>
-          <p:cNvSpPr>
-            <a:spLocks noGrp="1"/>
-          </p:cNvSpPr>
-          <p:nvPr>
-            <p:ph type="title"/>
-          </p:nvPr>
-        </p:nvSpPr>
-        <p:spPr/>
-        <p:txBody>
-          <a:bodyPr/>
-          <a:lstStyle/>
-          <a:p>
-            <a:r>
-              <a:rPr lang="en-US" dirty="0" err="1"/>
-              <a:t>SAMtools</a:t>
-            </a:r>
-            <a:r>
-              <a:rPr lang="en-US" dirty="0"/>
-              <a:t> usage </a:t>
-            </a:r>
-          </a:p>
-        </p:txBody>
-      </p:sp>
-      <p:sp>
-        <p:nvSpPr>
-          <p:cNvPr id="3" name="Content Placeholder 2">
-            <a:extLst>
-              <a:ext uri="{FF2B5EF4-FFF2-40B4-BE49-F238E27FC236}">
-                <a16:creationId xmlns:a16="http://schemas.microsoft.com/office/drawing/2014/main" id="{5F22F6E7-AAD6-9D49-9DFB-FBA3AECC6809}"/>
-              </a:ext>
-            </a:extLst>
-          </p:cNvPr>
-          <p:cNvSpPr>
-            <a:spLocks noGrp="1"/>
-          </p:cNvSpPr>
-          <p:nvPr>
-            <p:ph idx="1"/>
-          </p:nvPr>
-        </p:nvSpPr>
-        <p:spPr/>
-        <p:txBody>
-          <a:bodyPr/>
-          <a:lstStyle/>
-          <a:p>
-            <a:endParaRPr lang="en-US"/>
-          </a:p>
-        </p:txBody>
-      </p:sp>
-    </p:spTree>
-    <p:extLst>
-      <p:ext uri="{BB962C8B-B14F-4D97-AF65-F5344CB8AC3E}">
-        <p14:creationId xmlns:p14="http://schemas.microsoft.com/office/powerpoint/2010/main" val="3849047622"/>
       </p:ext>
     </p:extLst>
   </p:cSld>
@@ -7464,7 +7554,11 @@
           <a:p>
             <a:pPr algn="ctr"/>
             <a:r>
-              <a:rPr lang="en-US" dirty="0"/>
+              <a:rPr lang="en-US" b="1" dirty="0">
+                <a:solidFill>
+                  <a:srgbClr val="002060"/>
+                </a:solidFill>
+              </a:rPr>
               <a:t>Outline for today</a:t>
             </a:r>
           </a:p>
@@ -7486,14 +7580,14 @@
             <p:ph idx="1"/>
             <p:extLst>
               <p:ext uri="{D42A27DB-BD31-4B8C-83A1-F6EECF244321}">
-                <p14:modId xmlns:p14="http://schemas.microsoft.com/office/powerpoint/2010/main" val="3847699659"/>
+                <p14:modId xmlns:p14="http://schemas.microsoft.com/office/powerpoint/2010/main" val="2187804442"/>
               </p:ext>
             </p:extLst>
           </p:nvPr>
         </p:nvGraphicFramePr>
         <p:xfrm>
-          <a:off x="628650" y="1825625"/>
-          <a:ext cx="7886700" cy="4373931"/>
+          <a:off x="628650" y="1690689"/>
+          <a:ext cx="7886700" cy="4779110"/>
         </p:xfrm>
         <a:graphic>
           <a:graphicData uri="http://schemas.openxmlformats.org/drawingml/2006/table">
@@ -7517,7 +7611,7 @@
                   </a:extLst>
                 </a:gridCol>
               </a:tblGrid>
-              <a:tr h="1101358">
+              <a:tr h="1411452">
                 <a:tc>
                   <a:txBody>
                     <a:bodyPr/>
@@ -7540,14 +7634,14 @@
                       <a:pPr algn="ctr"/>
                       <a:r>
                         <a:rPr lang="en-US" sz="2800" dirty="0"/>
-                        <a:t>PART 1</a:t>
+                        <a:t>Part 1</a:t>
                       </a:r>
                     </a:p>
                     <a:p>
                       <a:pPr algn="ctr"/>
                       <a:r>
                         <a:rPr lang="en-US" sz="2800" dirty="0"/>
-                        <a:t>Learning more UNIX </a:t>
+                        <a:t>Learning more UNIX command </a:t>
                       </a:r>
                     </a:p>
                   </a:txBody>
@@ -7559,7 +7653,7 @@
                   </a:ext>
                 </a:extLst>
               </a:tr>
-              <a:tr h="1101358">
+              <a:tr h="1411452">
                 <a:tc>
                   <a:txBody>
                     <a:bodyPr/>
@@ -7568,7 +7662,7 @@
                       <a:pPr algn="ctr"/>
                       <a:r>
                         <a:rPr lang="en-US" sz="2800" dirty="0"/>
-                        <a:t>~10 mins </a:t>
+                        <a:t>~15 mins </a:t>
                       </a:r>
                     </a:p>
                   </a:txBody>
@@ -7601,7 +7695,7 @@
                   </a:ext>
                 </a:extLst>
               </a:tr>
-              <a:tr h="1900973">
+              <a:tr h="1956206">
                 <a:tc>
                   <a:txBody>
                     <a:bodyPr/>
@@ -7705,7 +7799,11 @@
           <a:p>
             <a:pPr algn="ctr"/>
             <a:r>
-              <a:rPr lang="en-US" dirty="0"/>
+              <a:rPr lang="en-US" b="1" dirty="0">
+                <a:solidFill>
+                  <a:srgbClr val="002060"/>
+                </a:solidFill>
+              </a:rPr>
               <a:t>More bash! </a:t>
             </a:r>
           </a:p>
@@ -7729,8 +7827,8 @@
         </p:nvSpPr>
         <p:spPr>
           <a:xfrm>
-            <a:off x="628650" y="2528887"/>
-            <a:ext cx="7886700" cy="3648075"/>
+            <a:off x="628650" y="1914525"/>
+            <a:ext cx="7886700" cy="4262437"/>
           </a:xfrm>
         </p:spPr>
         <p:txBody>
@@ -7738,6 +7836,44 @@
             <a:normAutofit/>
           </a:bodyPr>
           <a:lstStyle/>
+          <a:p>
+            <a:pPr marL="0" indent="0">
+              <a:buNone/>
+            </a:pPr>
+            <a:r>
+              <a:rPr lang="en-US" b="0" dirty="0">
+                <a:solidFill>
+                  <a:srgbClr val="292929"/>
+                </a:solidFill>
+                <a:effectLst/>
+                <a:latin typeface="Menlo" panose="020B0609030804020204" pitchFamily="49" charset="0"/>
+              </a:rPr>
+              <a:t>Please grab these files too - </a:t>
+            </a:r>
+          </a:p>
+          <a:p>
+            <a:pPr marL="0" indent="0">
+              <a:buNone/>
+            </a:pPr>
+            <a:endParaRPr lang="en-US" sz="1800" dirty="0">
+              <a:solidFill>
+                <a:srgbClr val="292929"/>
+              </a:solidFill>
+              <a:latin typeface="Menlo" panose="020B0609030804020204" pitchFamily="49" charset="0"/>
+            </a:endParaRPr>
+          </a:p>
+          <a:p>
+            <a:pPr marL="0" indent="0">
+              <a:buNone/>
+            </a:pPr>
+            <a:endParaRPr lang="en-US" sz="1800" b="0" dirty="0">
+              <a:solidFill>
+                <a:srgbClr val="292929"/>
+              </a:solidFill>
+              <a:effectLst/>
+              <a:latin typeface="Menlo" panose="020B0609030804020204" pitchFamily="49" charset="0"/>
+            </a:endParaRPr>
+          </a:p>
           <a:p>
             <a:pPr marL="0" indent="0">
               <a:buNone/>
@@ -7877,7 +8013,11 @@
               <a:buNone/>
             </a:pPr>
             <a:r>
-              <a:rPr lang="en-US" sz="6000" dirty="0"/>
+              <a:rPr lang="en-US" sz="4800" b="1" dirty="0">
+                <a:solidFill>
+                  <a:srgbClr val="002060"/>
+                </a:solidFill>
+              </a:rPr>
               <a:t>PART 2</a:t>
             </a:r>
           </a:p>
@@ -7886,10 +8026,18 @@
               <a:buNone/>
             </a:pPr>
             <a:r>
-              <a:rPr lang="en-US" sz="7200" dirty="0"/>
+              <a:rPr lang="en-US" sz="6000" b="1" dirty="0">
+                <a:solidFill>
+                  <a:srgbClr val="002060"/>
+                </a:solidFill>
+              </a:rPr>
               <a:t>Mapping with HISAT2</a:t>
             </a:r>
-            <a:endParaRPr lang="en-US" sz="6000" dirty="0"/>
+            <a:endParaRPr lang="en-US" sz="4800" b="1" dirty="0">
+              <a:solidFill>
+                <a:srgbClr val="002060"/>
+              </a:solidFill>
+            </a:endParaRPr>
           </a:p>
         </p:txBody>
       </p:sp>
@@ -7971,14 +8119,14 @@
           <p:nvPr/>
         </p:nvPicPr>
         <p:blipFill>
-          <a:blip r:embed="rId2"/>
+          <a:blip r:embed="rId3"/>
           <a:stretch>
             <a:fillRect/>
           </a:stretch>
         </p:blipFill>
         <p:spPr>
           <a:xfrm>
-            <a:off x="1458409" y="134911"/>
+            <a:off x="148694" y="92439"/>
             <a:ext cx="6095638" cy="6449008"/>
           </a:xfrm>
           <a:prstGeom prst="rect">
@@ -7986,6 +8134,45 @@
           </a:prstGeom>
         </p:spPr>
       </p:pic>
+      <p:sp>
+        <p:nvSpPr>
+          <p:cNvPr id="3" name="TextBox 2">
+            <a:extLst>
+              <a:ext uri="{FF2B5EF4-FFF2-40B4-BE49-F238E27FC236}">
+                <a16:creationId xmlns:a16="http://schemas.microsoft.com/office/drawing/2014/main" id="{0B5A29B3-57BA-B542-8589-CAEF32DB7371}"/>
+              </a:ext>
+            </a:extLst>
+          </p:cNvPr>
+          <p:cNvSpPr txBox="1"/>
+          <p:nvPr/>
+        </p:nvSpPr>
+        <p:spPr>
+          <a:xfrm>
+            <a:off x="5000629" y="5293204"/>
+            <a:ext cx="3337452" cy="369332"/>
+          </a:xfrm>
+          <a:prstGeom prst="rect">
+            <a:avLst/>
+          </a:prstGeom>
+          <a:noFill/>
+        </p:spPr>
+        <p:txBody>
+          <a:bodyPr wrap="none" rtlCol="0">
+            <a:spAutoFit/>
+          </a:bodyPr>
+          <a:lstStyle/>
+          <a:p>
+            <a:r>
+              <a:rPr lang="en-US" b="1" dirty="0">
+                <a:solidFill>
+                  <a:srgbClr val="002060"/>
+                </a:solidFill>
+              </a:rPr>
+              <a:t>Or use your favorite text editor!</a:t>
+            </a:r>
+          </a:p>
+        </p:txBody>
+      </p:sp>
     </p:spTree>
     <p:extLst>
       <p:ext uri="{BB962C8B-B14F-4D97-AF65-F5344CB8AC3E}">
@@ -8039,7 +8226,11 @@
           <a:p>
             <a:pPr algn="ctr"/>
             <a:r>
-              <a:rPr lang="en-US" dirty="0"/>
+              <a:rPr lang="en-US" b="1" dirty="0">
+                <a:solidFill>
+                  <a:srgbClr val="002060"/>
+                </a:solidFill>
+              </a:rPr>
               <a:t>Learning objectives </a:t>
             </a:r>
           </a:p>

--- a/lectures/Lecture9-MMG232.pptx
+++ b/lectures/Lecture9-MMG232.pptx
@@ -5,7 +5,7 @@
     <p:sldMasterId id="2147483660" r:id="rId1"/>
   </p:sldMasterIdLst>
   <p:notesMasterIdLst>
-    <p:notesMasterId r:id="rId31"/>
+    <p:notesMasterId r:id="rId37"/>
   </p:notesMasterIdLst>
   <p:sldIdLst>
     <p:sldId id="256" r:id="rId2"/>
@@ -14,29 +14,35 @@
     <p:sldId id="667" r:id="rId5"/>
     <p:sldId id="668" r:id="rId6"/>
     <p:sldId id="669" r:id="rId7"/>
-    <p:sldId id="270" r:id="rId8"/>
-    <p:sldId id="654" r:id="rId9"/>
-    <p:sldId id="656" r:id="rId10"/>
-    <p:sldId id="671" r:id="rId11"/>
-    <p:sldId id="672" r:id="rId12"/>
-    <p:sldId id="655" r:id="rId13"/>
-    <p:sldId id="660" r:id="rId14"/>
-    <p:sldId id="657" r:id="rId15"/>
-    <p:sldId id="653" r:id="rId16"/>
-    <p:sldId id="658" r:id="rId17"/>
-    <p:sldId id="659" r:id="rId18"/>
-    <p:sldId id="662" r:id="rId19"/>
-    <p:sldId id="663" r:id="rId20"/>
-    <p:sldId id="673" r:id="rId21"/>
-    <p:sldId id="275" r:id="rId22"/>
-    <p:sldId id="260" r:id="rId23"/>
-    <p:sldId id="277" r:id="rId24"/>
-    <p:sldId id="664" r:id="rId25"/>
-    <p:sldId id="676" r:id="rId26"/>
-    <p:sldId id="661" r:id="rId27"/>
-    <p:sldId id="677" r:id="rId28"/>
-    <p:sldId id="675" r:id="rId29"/>
-    <p:sldId id="674" r:id="rId30"/>
+    <p:sldId id="654" r:id="rId8"/>
+    <p:sldId id="656" r:id="rId9"/>
+    <p:sldId id="671" r:id="rId10"/>
+    <p:sldId id="672" r:id="rId11"/>
+    <p:sldId id="655" r:id="rId12"/>
+    <p:sldId id="660" r:id="rId13"/>
+    <p:sldId id="657" r:id="rId14"/>
+    <p:sldId id="653" r:id="rId15"/>
+    <p:sldId id="658" r:id="rId16"/>
+    <p:sldId id="659" r:id="rId17"/>
+    <p:sldId id="662" r:id="rId18"/>
+    <p:sldId id="663" r:id="rId19"/>
+    <p:sldId id="673" r:id="rId20"/>
+    <p:sldId id="678" r:id="rId21"/>
+    <p:sldId id="270" r:id="rId22"/>
+    <p:sldId id="275" r:id="rId23"/>
+    <p:sldId id="260" r:id="rId24"/>
+    <p:sldId id="277" r:id="rId25"/>
+    <p:sldId id="664" r:id="rId26"/>
+    <p:sldId id="676" r:id="rId27"/>
+    <p:sldId id="683" r:id="rId28"/>
+    <p:sldId id="684" r:id="rId29"/>
+    <p:sldId id="661" r:id="rId30"/>
+    <p:sldId id="677" r:id="rId31"/>
+    <p:sldId id="675" r:id="rId32"/>
+    <p:sldId id="679" r:id="rId33"/>
+    <p:sldId id="680" r:id="rId34"/>
+    <p:sldId id="682" r:id="rId35"/>
+    <p:sldId id="674" r:id="rId36"/>
   </p:sldIdLst>
   <p:sldSz cx="9144000" cy="6858000" type="screen4x3"/>
   <p:notesSz cx="6858000" cy="9144000"/>
@@ -647,7 +653,7 @@
           <a:p>
             <a:fld id="{24BC4AB2-4D54-A145-B623-9892E09C5138}" type="slidenum">
               <a:rPr lang="en-US" smtClean="0"/>
-              <a:t>26</a:t>
+              <a:t>29</a:t>
             </a:fld>
             <a:endParaRPr lang="en-US"/>
           </a:p>
@@ -734,7 +740,7 @@
           <a:p>
             <a:fld id="{24BC4AB2-4D54-A145-B623-9892E09C5138}" type="slidenum">
               <a:rPr lang="en-US" smtClean="0"/>
-              <a:t>27</a:t>
+              <a:t>30</a:t>
             </a:fld>
             <a:endParaRPr lang="en-US"/>
           </a:p>
@@ -799,7 +805,15 @@
           <a:p>
             <a:r>
               <a:rPr lang="en-US" dirty="0"/>
-              <a:t>I’m going to use text </a:t>
+              <a:t>We won’t go deeply into the guts of this alignment algorithm, but I will briefly state that nearly all alignment methods rely on pre-processing the reference genome into a data-structure (like a suffix tree) that provides an </a:t>
+            </a:r>
+            <a:r>
+              <a:rPr lang="en-US" i="1" dirty="0"/>
+              <a:t>index</a:t>
+            </a:r>
+            <a:r>
+              <a:rPr lang="en-US" dirty="0"/>
+              <a:t> which makes it fast to find the place in a genome where a query sequence matches. Such indexes can take up a large amount of computer memory. The Burrows-Wheeler Transform (BWT) provides a way of decreasing the size of such indexes. </a:t>
             </a:r>
           </a:p>
         </p:txBody>
@@ -821,7 +835,7 @@
           <a:p>
             <a:fld id="{24BC4AB2-4D54-A145-B623-9892E09C5138}" type="slidenum">
               <a:rPr lang="en-US" smtClean="0"/>
-              <a:t>7</a:t>
+              <a:t>8</a:t>
             </a:fld>
             <a:endParaRPr lang="en-US"/>
           </a:p>
@@ -830,7 +844,7 @@
     </p:spTree>
     <p:extLst>
       <p:ext uri="{BB962C8B-B14F-4D97-AF65-F5344CB8AC3E}">
-        <p14:creationId xmlns:p14="http://schemas.microsoft.com/office/powerpoint/2010/main" val="1019479179"/>
+        <p14:creationId xmlns:p14="http://schemas.microsoft.com/office/powerpoint/2010/main" val="384272425"/>
       </p:ext>
     </p:extLst>
   </p:cSld>
@@ -884,18 +898,38 @@
           <a:bodyPr/>
           <a:lstStyle/>
           <a:p>
+            <a:pPr marL="0" marR="0" lvl="0" indent="0" algn="l" defTabSz="914400" rtl="0" eaLnBrk="1" fontAlgn="auto" latinLnBrk="0" hangingPunct="1">
+              <a:lnSpc>
+                <a:spcPct val="100000"/>
+              </a:lnSpc>
+              <a:spcBef>
+                <a:spcPts val="0"/>
+              </a:spcBef>
+              <a:spcAft>
+                <a:spcPts val="0"/>
+              </a:spcAft>
+              <a:buClrTx/>
+              <a:buSzTx/>
+              <a:buFontTx/>
+              <a:buNone/>
+              <a:tabLst/>
+              <a:defRPr/>
+            </a:pPr>
             <a:r>
               <a:rPr lang="en-US" dirty="0"/>
-              <a:t>We won’t go deeply into the guts of this alignment algorithm, but I will briefly state that nearly all alignment methods rely on pre-processing the reference genome into a data-structure (like a suffix tree) that provides an </a:t>
-            </a:r>
-            <a:r>
-              <a:rPr lang="en-US" i="1" dirty="0"/>
-              <a:t>index</a:t>
+              <a:t>Indexing a genome can be explained </a:t>
+            </a:r>
+            <a:r>
+              <a:rPr lang="en-US" b="1" dirty="0"/>
+              <a:t>similar to indexing a book</a:t>
             </a:r>
             <a:r>
               <a:rPr lang="en-US" dirty="0"/>
-              <a:t> which makes it fast to find the place in a genome where a query sequence matches. Such indexes can take up a large amount of computer memory. The Burrows-Wheeler Transform (BWT) provides a way of decreasing the size of such indexes. </a:t>
-            </a:r>
+              <a:t>. If you want to know on which page a certain word appears or a chapter begins, it is much more efficient/faster to look it up in a pre-built index than going through every page of the book until you found it. </a:t>
+            </a:r>
+          </a:p>
+          <a:p>
+            <a:endParaRPr lang="en-US" dirty="0"/>
           </a:p>
         </p:txBody>
       </p:sp>
@@ -925,7 +959,7 @@
     </p:spTree>
     <p:extLst>
       <p:ext uri="{BB962C8B-B14F-4D97-AF65-F5344CB8AC3E}">
-        <p14:creationId xmlns:p14="http://schemas.microsoft.com/office/powerpoint/2010/main" val="384272425"/>
+        <p14:creationId xmlns:p14="http://schemas.microsoft.com/office/powerpoint/2010/main" val="2580044853"/>
       </p:ext>
     </p:extLst>
   </p:cSld>
@@ -979,38 +1013,10 @@
           <a:bodyPr/>
           <a:lstStyle/>
           <a:p>
-            <a:pPr marL="0" marR="0" lvl="0" indent="0" algn="l" defTabSz="914400" rtl="0" eaLnBrk="1" fontAlgn="auto" latinLnBrk="0" hangingPunct="1">
-              <a:lnSpc>
-                <a:spcPct val="100000"/>
-              </a:lnSpc>
-              <a:spcBef>
-                <a:spcPts val="0"/>
-              </a:spcBef>
-              <a:spcAft>
-                <a:spcPts val="0"/>
-              </a:spcAft>
-              <a:buClrTx/>
-              <a:buSzTx/>
-              <a:buFontTx/>
-              <a:buNone/>
-              <a:tabLst/>
-              <a:defRPr/>
-            </a:pPr>
             <a:r>
               <a:rPr lang="en-US" dirty="0"/>
-              <a:t>Indexing a genome can be explained </a:t>
-            </a:r>
-            <a:r>
-              <a:rPr lang="en-US" b="1" dirty="0"/>
-              <a:t>similar to indexing a book</a:t>
-            </a:r>
-            <a:r>
-              <a:rPr lang="en-US" dirty="0"/>
-              <a:t>. If you want to know on which page a certain word appears or a chapter begins, it is much more efficient/faster to look it up in a pre-built index than going through every page of the book until you found it. </a:t>
-            </a:r>
-          </a:p>
-          <a:p>
-            <a:endParaRPr lang="en-US" dirty="0"/>
+              <a:t>To align sequenced reads, an aligner must first fragment the reference genome into smaller components. Each fragment’s location and sequence content are then stored in a data structure. Indexing the reference genome allows for an aligner to work more efficiently by finding all exact matches to a sequenced read using the given data structure and not scanning the entire reference genome from start to finish for each read</a:t>
+            </a:r>
           </a:p>
         </p:txBody>
       </p:sp>
@@ -1040,7 +1046,7 @@
     </p:spTree>
     <p:extLst>
       <p:ext uri="{BB962C8B-B14F-4D97-AF65-F5344CB8AC3E}">
-        <p14:creationId xmlns:p14="http://schemas.microsoft.com/office/powerpoint/2010/main" val="2580044853"/>
+        <p14:creationId xmlns:p14="http://schemas.microsoft.com/office/powerpoint/2010/main" val="3574777207"/>
       </p:ext>
     </p:extLst>
   </p:cSld>
@@ -1096,7 +1102,7 @@
           <a:p>
             <a:r>
               <a:rPr lang="en-US" dirty="0"/>
-              <a:t>To align sequenced reads, an aligner must first fragment the reference genome into smaller components. Each fragment’s location and sequence content are then stored in a data structure. Indexing the reference genome allows for an aligner to work more efficiently by finding all exact matches to a sequenced read using the given data structure and not scanning the entire reference genome from start to finish for each read</a:t>
+              <a:t>This is not desired for DNA read mapping and might lead to false mappings or low alignment scores </a:t>
             </a:r>
           </a:p>
         </p:txBody>
@@ -1118,7 +1124,7 @@
           <a:p>
             <a:fld id="{24BC4AB2-4D54-A145-B623-9892E09C5138}" type="slidenum">
               <a:rPr lang="en-US" smtClean="0"/>
-              <a:t>11</a:t>
+              <a:t>12</a:t>
             </a:fld>
             <a:endParaRPr lang="en-US"/>
           </a:p>
@@ -1127,7 +1133,7 @@
     </p:spTree>
     <p:extLst>
       <p:ext uri="{BB962C8B-B14F-4D97-AF65-F5344CB8AC3E}">
-        <p14:creationId xmlns:p14="http://schemas.microsoft.com/office/powerpoint/2010/main" val="3574777207"/>
+        <p14:creationId xmlns:p14="http://schemas.microsoft.com/office/powerpoint/2010/main" val="2014869157"/>
       </p:ext>
     </p:extLst>
   </p:cSld>
@@ -1181,10 +1187,7 @@
           <a:bodyPr/>
           <a:lstStyle/>
           <a:p>
-            <a:r>
-              <a:rPr lang="en-US" dirty="0"/>
-              <a:t>This is not desired for DNA read mapping and might lead to false mappings or low alignment scores </a:t>
-            </a:r>
+            <a:endParaRPr lang="en-US" dirty="0"/>
           </a:p>
         </p:txBody>
       </p:sp>
@@ -1205,7 +1208,7 @@
           <a:p>
             <a:fld id="{24BC4AB2-4D54-A145-B623-9892E09C5138}" type="slidenum">
               <a:rPr lang="en-US" smtClean="0"/>
-              <a:t>13</a:t>
+              <a:t>15</a:t>
             </a:fld>
             <a:endParaRPr lang="en-US"/>
           </a:p>
@@ -1214,7 +1217,7 @@
     </p:spTree>
     <p:extLst>
       <p:ext uri="{BB962C8B-B14F-4D97-AF65-F5344CB8AC3E}">
-        <p14:creationId xmlns:p14="http://schemas.microsoft.com/office/powerpoint/2010/main" val="2014869157"/>
+        <p14:creationId xmlns:p14="http://schemas.microsoft.com/office/powerpoint/2010/main" val="163562381"/>
       </p:ext>
     </p:extLst>
   </p:cSld>
@@ -1268,7 +1271,10 @@
           <a:bodyPr/>
           <a:lstStyle/>
           <a:p>
-            <a:endParaRPr lang="en-US" dirty="0"/>
+            <a:r>
+              <a:rPr lang="en-US" dirty="0"/>
+              <a:t>I’m going to use text </a:t>
+            </a:r>
           </a:p>
         </p:txBody>
       </p:sp>
@@ -1289,7 +1295,7 @@
           <a:p>
             <a:fld id="{24BC4AB2-4D54-A145-B623-9892E09C5138}" type="slidenum">
               <a:rPr lang="en-US" smtClean="0"/>
-              <a:t>16</a:t>
+              <a:t>21</a:t>
             </a:fld>
             <a:endParaRPr lang="en-US"/>
           </a:p>
@@ -1298,7 +1304,7 @@
     </p:spTree>
     <p:extLst>
       <p:ext uri="{BB962C8B-B14F-4D97-AF65-F5344CB8AC3E}">
-        <p14:creationId xmlns:p14="http://schemas.microsoft.com/office/powerpoint/2010/main" val="163562381"/>
+        <p14:creationId xmlns:p14="http://schemas.microsoft.com/office/powerpoint/2010/main" val="1019479179"/>
       </p:ext>
     </p:extLst>
   </p:cSld>
@@ -1428,7 +1434,7 @@
           <a:p>
             <a:fld id="{E36C2CEE-069F-A44C-B436-F2EC05CE2F49}" type="slidenum">
               <a:rPr lang="en-US" smtClean="0"/>
-              <a:t>21</a:t>
+              <a:t>22</a:t>
             </a:fld>
             <a:endParaRPr lang="en-US"/>
           </a:p>
@@ -1515,7 +1521,7 @@
           <a:p>
             <a:fld id="{24BC4AB2-4D54-A145-B623-9892E09C5138}" type="slidenum">
               <a:rPr lang="en-US" smtClean="0"/>
-              <a:t>24</a:t>
+              <a:t>25</a:t>
             </a:fld>
             <a:endParaRPr lang="en-US"/>
           </a:p>
@@ -4613,192 +4619,6 @@
 <file path=ppt/slides/slide10.xml><?xml version="1.0" encoding="utf-8"?>
 <p:sld xmlns:a="http://schemas.openxmlformats.org/drawingml/2006/main" xmlns:r="http://schemas.openxmlformats.org/officeDocument/2006/relationships" xmlns:p="http://schemas.openxmlformats.org/presentationml/2006/main">
   <p:cSld>
-    <p:bg>
-      <p:bgPr>
-        <a:solidFill>
-          <a:schemeClr val="bg1"/>
-        </a:solidFill>
-        <a:effectLst/>
-      </p:bgPr>
-    </p:bg>
-    <p:spTree>
-      <p:nvGrpSpPr>
-        <p:cNvPr id="1" name=""/>
-        <p:cNvGrpSpPr/>
-        <p:nvPr/>
-      </p:nvGrpSpPr>
-      <p:grpSpPr>
-        <a:xfrm>
-          <a:off x="0" y="0"/>
-          <a:ext cx="0" cy="0"/>
-          <a:chOff x="0" y="0"/>
-          <a:chExt cx="0" cy="0"/>
-        </a:xfrm>
-      </p:grpSpPr>
-      <p:sp>
-        <p:nvSpPr>
-          <p:cNvPr id="2" name="Title 1">
-            <a:extLst>
-              <a:ext uri="{FF2B5EF4-FFF2-40B4-BE49-F238E27FC236}">
-                <a16:creationId xmlns:a16="http://schemas.microsoft.com/office/drawing/2014/main" id="{32593A74-A51D-2E4E-A1A6-50619F920852}"/>
-              </a:ext>
-            </a:extLst>
-          </p:cNvPr>
-          <p:cNvSpPr>
-            <a:spLocks noGrp="1"/>
-          </p:cNvSpPr>
-          <p:nvPr>
-            <p:ph type="title"/>
-          </p:nvPr>
-        </p:nvSpPr>
-        <p:spPr>
-          <a:xfrm>
-            <a:off x="360759" y="3752849"/>
-            <a:ext cx="2468166" cy="2452687"/>
-          </a:xfrm>
-        </p:spPr>
-        <p:txBody>
-          <a:bodyPr anchor="ctr">
-            <a:normAutofit/>
-          </a:bodyPr>
-          <a:lstStyle/>
-          <a:p>
-            <a:r>
-              <a:rPr lang="en-US" sz="3100"/>
-              <a:t>Indexing benefits</a:t>
-            </a:r>
-          </a:p>
-        </p:txBody>
-      </p:sp>
-      <p:pic>
-        <p:nvPicPr>
-          <p:cNvPr id="5" name="Picture 4" descr="Open book">
-            <a:extLst>
-              <a:ext uri="{FF2B5EF4-FFF2-40B4-BE49-F238E27FC236}">
-                <a16:creationId xmlns:a16="http://schemas.microsoft.com/office/drawing/2014/main" id="{168B174C-A119-B02D-D12B-516E3B6D8E57}"/>
-              </a:ext>
-            </a:extLst>
-          </p:cNvPr>
-          <p:cNvPicPr>
-            <a:picLocks noChangeAspect="1"/>
-          </p:cNvPicPr>
-          <p:nvPr/>
-        </p:nvPicPr>
-        <p:blipFill rotWithShape="1">
-          <a:blip r:embed="rId3"/>
-          <a:srcRect t="36849" b="2357"/>
-          <a:stretch/>
-        </p:blipFill>
-        <p:spPr>
-          <a:xfrm>
-            <a:off x="20" y="10"/>
-            <a:ext cx="9143980" cy="3710603"/>
-          </a:xfrm>
-          <a:custGeom>
-            <a:avLst/>
-            <a:gdLst/>
-            <a:ahLst/>
-            <a:cxnLst/>
-            <a:rect l="l" t="t" r="r" b="b"/>
-            <a:pathLst>
-              <a:path w="12192000" h="3692092">
-                <a:moveTo>
-                  <a:pt x="0" y="0"/>
-                </a:moveTo>
-                <a:lnTo>
-                  <a:pt x="12192000" y="0"/>
-                </a:lnTo>
-                <a:lnTo>
-                  <a:pt x="12192000" y="3504824"/>
-                </a:lnTo>
-                <a:lnTo>
-                  <a:pt x="12024691" y="3517794"/>
-                </a:lnTo>
-                <a:cubicBezTo>
-                  <a:pt x="8077523" y="3783195"/>
-                  <a:pt x="4094678" y="3026959"/>
-                  <a:pt x="160485" y="3663863"/>
-                </a:cubicBezTo>
-                <a:lnTo>
-                  <a:pt x="0" y="3692092"/>
-                </a:lnTo>
-                <a:close/>
-              </a:path>
-            </a:pathLst>
-          </a:custGeom>
-        </p:spPr>
-      </p:pic>
-      <p:sp>
-        <p:nvSpPr>
-          <p:cNvPr id="3" name="Content Placeholder 2">
-            <a:extLst>
-              <a:ext uri="{FF2B5EF4-FFF2-40B4-BE49-F238E27FC236}">
-                <a16:creationId xmlns:a16="http://schemas.microsoft.com/office/drawing/2014/main" id="{BCD78E21-4707-7046-B83D-FD609DEAC107}"/>
-              </a:ext>
-            </a:extLst>
-          </p:cNvPr>
-          <p:cNvSpPr>
-            <a:spLocks noGrp="1"/>
-          </p:cNvSpPr>
-          <p:nvPr>
-            <p:ph idx="1"/>
-          </p:nvPr>
-        </p:nvSpPr>
-        <p:spPr>
-          <a:xfrm>
-            <a:off x="3167986" y="3752850"/>
-            <a:ext cx="5614060" cy="2452687"/>
-          </a:xfrm>
-        </p:spPr>
-        <p:txBody>
-          <a:bodyPr anchor="ctr">
-            <a:normAutofit/>
-          </a:bodyPr>
-          <a:lstStyle/>
-          <a:p>
-            <a:pPr marL="0" indent="0">
-              <a:buNone/>
-            </a:pPr>
-            <a:r>
-              <a:rPr lang="en-US" sz="1800" dirty="0"/>
-              <a:t>Indexing a genome can be explained </a:t>
-            </a:r>
-            <a:r>
-              <a:rPr lang="en-US" sz="1800" b="1" dirty="0"/>
-              <a:t>similar to indexing a book</a:t>
-            </a:r>
-            <a:r>
-              <a:rPr lang="en-US" sz="1800" dirty="0"/>
-              <a:t>. </a:t>
-            </a:r>
-          </a:p>
-          <a:p>
-            <a:pPr marL="0" indent="0">
-              <a:buNone/>
-            </a:pPr>
-            <a:r>
-              <a:rPr lang="en-US" sz="1800" dirty="0"/>
-              <a:t>If you want to know on which page a chapter begins, it is much more efficient to look up the page number in a pre-built index (table of contents) than going through every page of the book until you found it. </a:t>
-            </a:r>
-          </a:p>
-        </p:txBody>
-      </p:sp>
-    </p:spTree>
-    <p:extLst>
-      <p:ext uri="{BB962C8B-B14F-4D97-AF65-F5344CB8AC3E}">
-        <p14:creationId xmlns:p14="http://schemas.microsoft.com/office/powerpoint/2010/main" val="1934227634"/>
-      </p:ext>
-    </p:extLst>
-  </p:cSld>
-  <p:clrMapOvr>
-    <a:masterClrMapping/>
-  </p:clrMapOvr>
-</p:sld>
-</file>
-
-<file path=ppt/slides/slide11.xml><?xml version="1.0" encoding="utf-8"?>
-<p:sld xmlns:a="http://schemas.openxmlformats.org/drawingml/2006/main" xmlns:r="http://schemas.openxmlformats.org/officeDocument/2006/relationships" xmlns:p="http://schemas.openxmlformats.org/presentationml/2006/main">
-  <p:cSld>
     <p:spTree>
       <p:nvGrpSpPr>
         <p:cNvPr id="1" name=""/>
@@ -4873,7 +4693,7 @@
 </p:sld>
 </file>
 
-<file path=ppt/slides/slide12.xml><?xml version="1.0" encoding="utf-8"?>
+<file path=ppt/slides/slide11.xml><?xml version="1.0" encoding="utf-8"?>
 <p:sld xmlns:a="http://schemas.openxmlformats.org/drawingml/2006/main" xmlns:r="http://schemas.openxmlformats.org/officeDocument/2006/relationships" xmlns:p="http://schemas.openxmlformats.org/presentationml/2006/main">
   <p:cSld>
     <p:spTree>
@@ -5192,6 +5012,142 @@
 </p:sld>
 </file>
 
+<file path=ppt/slides/slide12.xml><?xml version="1.0" encoding="utf-8"?>
+<p:sld xmlns:a="http://schemas.openxmlformats.org/drawingml/2006/main" xmlns:r="http://schemas.openxmlformats.org/officeDocument/2006/relationships" xmlns:p="http://schemas.openxmlformats.org/presentationml/2006/main">
+  <p:cSld>
+    <p:spTree>
+      <p:nvGrpSpPr>
+        <p:cNvPr id="1" name=""/>
+        <p:cNvGrpSpPr/>
+        <p:nvPr/>
+      </p:nvGrpSpPr>
+      <p:grpSpPr>
+        <a:xfrm>
+          <a:off x="0" y="0"/>
+          <a:ext cx="0" cy="0"/>
+          <a:chOff x="0" y="0"/>
+          <a:chExt cx="0" cy="0"/>
+        </a:xfrm>
+      </p:grpSpPr>
+      <p:sp>
+        <p:nvSpPr>
+          <p:cNvPr id="2" name="Title 1">
+            <a:extLst>
+              <a:ext uri="{FF2B5EF4-FFF2-40B4-BE49-F238E27FC236}">
+                <a16:creationId xmlns:a16="http://schemas.microsoft.com/office/drawing/2014/main" id="{C0954A68-0C44-3142-84A4-BF685108A61A}"/>
+              </a:ext>
+            </a:extLst>
+          </p:cNvPr>
+          <p:cNvSpPr>
+            <a:spLocks noGrp="1"/>
+          </p:cNvSpPr>
+          <p:nvPr>
+            <p:ph type="title"/>
+          </p:nvPr>
+        </p:nvSpPr>
+        <p:spPr/>
+        <p:txBody>
+          <a:bodyPr>
+            <a:normAutofit/>
+          </a:bodyPr>
+          <a:lstStyle/>
+          <a:p>
+            <a:pPr algn="ctr"/>
+            <a:r>
+              <a:rPr lang="en-US" sz="4000" b="1" dirty="0">
+                <a:solidFill>
+                  <a:srgbClr val="002060"/>
+                </a:solidFill>
+              </a:rPr>
+              <a:t>What does it mean to be </a:t>
+            </a:r>
+            <a:br>
+              <a:rPr lang="en-US" sz="4000" b="1" dirty="0">
+                <a:solidFill>
+                  <a:srgbClr val="002060"/>
+                </a:solidFill>
+              </a:rPr>
+            </a:br>
+            <a:r>
+              <a:rPr lang="en-US" sz="4000" b="1" dirty="0">
+                <a:solidFill>
+                  <a:srgbClr val="002060"/>
+                </a:solidFill>
+              </a:rPr>
+              <a:t>splice-aware? </a:t>
+            </a:r>
+          </a:p>
+        </p:txBody>
+      </p:sp>
+      <p:sp>
+        <p:nvSpPr>
+          <p:cNvPr id="3" name="Content Placeholder 2">
+            <a:extLst>
+              <a:ext uri="{FF2B5EF4-FFF2-40B4-BE49-F238E27FC236}">
+                <a16:creationId xmlns:a16="http://schemas.microsoft.com/office/drawing/2014/main" id="{20296A76-ADFE-394C-8AC9-B3F35F367E54}"/>
+              </a:ext>
+            </a:extLst>
+          </p:cNvPr>
+          <p:cNvSpPr>
+            <a:spLocks noGrp="1"/>
+          </p:cNvSpPr>
+          <p:nvPr>
+            <p:ph idx="1"/>
+          </p:nvPr>
+        </p:nvSpPr>
+        <p:spPr/>
+        <p:txBody>
+          <a:bodyPr>
+            <a:normAutofit/>
+          </a:bodyPr>
+          <a:lstStyle/>
+          <a:p>
+            <a:r>
+              <a:rPr lang="en-US" dirty="0"/>
+              <a:t>The major problem is that introns not only vary in length but that they can also be very long.</a:t>
+            </a:r>
+          </a:p>
+          <a:p>
+            <a:endParaRPr lang="en-US" dirty="0"/>
+          </a:p>
+          <a:p>
+            <a:r>
+              <a:rPr lang="en-US" dirty="0"/>
+              <a:t>A splice-unaware aligner will have to introduce a </a:t>
+            </a:r>
+            <a:r>
+              <a:rPr lang="en-US" b="1" dirty="0"/>
+              <a:t>long gap </a:t>
+            </a:r>
+            <a:r>
+              <a:rPr lang="en-US" dirty="0"/>
+              <a:t>in the mapping of a read to span an intron.</a:t>
+            </a:r>
+          </a:p>
+          <a:p>
+            <a:endParaRPr lang="en-US" dirty="0"/>
+          </a:p>
+          <a:p>
+            <a:r>
+              <a:rPr lang="en-US" dirty="0"/>
+              <a:t>Would know not to try to align reads to introns, and identifies exons and tries to align to those instead, ignoring introns altogether</a:t>
+            </a:r>
+          </a:p>
+        </p:txBody>
+      </p:sp>
+    </p:spTree>
+    <p:extLst>
+      <p:ext uri="{BB962C8B-B14F-4D97-AF65-F5344CB8AC3E}">
+        <p14:creationId xmlns:p14="http://schemas.microsoft.com/office/powerpoint/2010/main" val="3358114895"/>
+      </p:ext>
+    </p:extLst>
+  </p:cSld>
+  <p:clrMapOvr>
+    <a:masterClrMapping/>
+  </p:clrMapOvr>
+</p:sld>
+</file>
+
 <file path=ppt/slides/slide13.xml><?xml version="1.0" encoding="utf-8"?>
 <p:sld xmlns:a="http://schemas.openxmlformats.org/drawingml/2006/main" xmlns:r="http://schemas.openxmlformats.org/officeDocument/2006/relationships" xmlns:p="http://schemas.openxmlformats.org/presentationml/2006/main">
   <p:cSld>
@@ -5214,7 +5170,7 @@
           <p:cNvPr id="2" name="Title 1">
             <a:extLst>
               <a:ext uri="{FF2B5EF4-FFF2-40B4-BE49-F238E27FC236}">
-                <a16:creationId xmlns:a16="http://schemas.microsoft.com/office/drawing/2014/main" id="{C0954A68-0C44-3142-84A4-BF685108A61A}"/>
+                <a16:creationId xmlns:a16="http://schemas.microsoft.com/office/drawing/2014/main" id="{2564D925-53CA-374B-886B-B65E02ABE0A5}"/>
               </a:ext>
             </a:extLst>
           </p:cNvPr>
@@ -5239,22 +5195,7 @@
                   <a:srgbClr val="002060"/>
                 </a:solidFill>
               </a:rPr>
-              <a:t>What does it mean to be </a:t>
-            </a:r>
-            <a:br>
-              <a:rPr lang="en-US" sz="4000" b="1" dirty="0">
-                <a:solidFill>
-                  <a:srgbClr val="002060"/>
-                </a:solidFill>
-              </a:rPr>
-            </a:br>
-            <a:r>
-              <a:rPr lang="en-US" sz="4000" b="1" dirty="0">
-                <a:solidFill>
-                  <a:srgbClr val="002060"/>
-                </a:solidFill>
-              </a:rPr>
-              <a:t>splice-aware? </a:t>
+              <a:t>Two groups of splice-aware aligners</a:t>
             </a:r>
           </a:p>
         </p:txBody>
@@ -5264,7 +5205,7 @@
           <p:cNvPr id="3" name="Content Placeholder 2">
             <a:extLst>
               <a:ext uri="{FF2B5EF4-FFF2-40B4-BE49-F238E27FC236}">
-                <a16:creationId xmlns:a16="http://schemas.microsoft.com/office/drawing/2014/main" id="{20296A76-ADFE-394C-8AC9-B3F35F367E54}"/>
+                <a16:creationId xmlns:a16="http://schemas.microsoft.com/office/drawing/2014/main" id="{B975BE5D-701D-BB4F-828C-F3FCE1A23899}"/>
               </a:ext>
             </a:extLst>
           </p:cNvPr>
@@ -5277,40 +5218,51 @@
         </p:nvSpPr>
         <p:spPr/>
         <p:txBody>
-          <a:bodyPr>
-            <a:normAutofit/>
-          </a:bodyPr>
-          <a:lstStyle/>
-          <a:p>
+          <a:bodyPr/>
+          <a:lstStyle/>
+          <a:p>
+            <a:r>
+              <a:rPr lang="en-US" b="1" dirty="0"/>
+              <a:t>Group 1:  </a:t>
+            </a:r>
             <a:r>
               <a:rPr lang="en-US" dirty="0"/>
-              <a:t>The major problem is that introns not only vary in length but that they can also be very long.</a:t>
-            </a:r>
-          </a:p>
-          <a:p>
+              <a:t>Splice-aware aligners that use the genome sequence and known gene annotations to calculate gene or transcript abundance – these </a:t>
+            </a:r>
+            <a:r>
+              <a:rPr lang="en-US" b="1" i="1" dirty="0"/>
+              <a:t>can not </a:t>
+            </a:r>
+            <a:r>
+              <a:rPr lang="en-US" dirty="0"/>
+              <a:t>be used to identify new splice junctions </a:t>
+            </a:r>
+          </a:p>
+          <a:p>
+            <a:pPr marL="0" indent="0">
+              <a:buNone/>
+            </a:pPr>
             <a:endParaRPr lang="en-US" dirty="0"/>
           </a:p>
           <a:p>
             <a:r>
+              <a:rPr lang="en-US" b="1" dirty="0"/>
+              <a:t>Group 2:  </a:t>
+            </a:r>
+            <a:r>
+              <a:rPr lang="en-US" i="1" dirty="0"/>
+              <a:t>de novo </a:t>
+            </a:r>
+            <a:r>
               <a:rPr lang="en-US" dirty="0"/>
-              <a:t>A splice-unaware aligner will have to introduce a </a:t>
-            </a:r>
-            <a:r>
-              <a:rPr lang="en-US" b="1" dirty="0"/>
-              <a:t>long gap </a:t>
-            </a:r>
+              <a:t>splice-aware aligners which can align RNA-Seq reads to a reference genomic sequence without prior information on gene annotations </a:t>
+            </a:r>
+          </a:p>
+          <a:p>
+            <a:pPr lvl="1"/>
             <a:r>
               <a:rPr lang="en-US" dirty="0"/>
-              <a:t>in the mapping of a read to span an intron.</a:t>
-            </a:r>
-          </a:p>
-          <a:p>
-            <a:endParaRPr lang="en-US" dirty="0"/>
-          </a:p>
-          <a:p>
-            <a:r>
-              <a:rPr lang="en-US" dirty="0"/>
-              <a:t>Would know not to try to align reads to introns, and identifies exons and tries to align to those instead, ignoring introns altogether</a:t>
+              <a:t>STAR (Spliced Transcripts Alignment to a Reference) </a:t>
             </a:r>
           </a:p>
         </p:txBody>
@@ -5318,7 +5270,7 @@
     </p:spTree>
     <p:extLst>
       <p:ext uri="{BB962C8B-B14F-4D97-AF65-F5344CB8AC3E}">
-        <p14:creationId xmlns:p14="http://schemas.microsoft.com/office/powerpoint/2010/main" val="3358114895"/>
+        <p14:creationId xmlns:p14="http://schemas.microsoft.com/office/powerpoint/2010/main" val="4169408318"/>
       </p:ext>
     </p:extLst>
   </p:cSld>
@@ -5350,7 +5302,7 @@
           <p:cNvPr id="2" name="Title 1">
             <a:extLst>
               <a:ext uri="{FF2B5EF4-FFF2-40B4-BE49-F238E27FC236}">
-                <a16:creationId xmlns:a16="http://schemas.microsoft.com/office/drawing/2014/main" id="{2564D925-53CA-374B-886B-B65E02ABE0A5}"/>
+                <a16:creationId xmlns:a16="http://schemas.microsoft.com/office/drawing/2014/main" id="{C10E7252-82EF-A044-B3C1-CC3E9D9EC606}"/>
               </a:ext>
             </a:extLst>
           </p:cNvPr>
@@ -5363,19 +5315,17 @@
         </p:nvSpPr>
         <p:spPr/>
         <p:txBody>
-          <a:bodyPr>
-            <a:normAutofit/>
-          </a:bodyPr>
+          <a:bodyPr/>
           <a:lstStyle/>
           <a:p>
             <a:pPr algn="ctr"/>
             <a:r>
-              <a:rPr lang="en-US" sz="4000" b="1" dirty="0">
+              <a:rPr lang="en-US" b="1" dirty="0">
                 <a:solidFill>
                   <a:srgbClr val="002060"/>
                 </a:solidFill>
               </a:rPr>
-              <a:t>Two groups of splice-aware aligners</a:t>
+              <a:t>HISAT2</a:t>
             </a:r>
           </a:p>
         </p:txBody>
@@ -5385,7 +5335,7 @@
           <p:cNvPr id="3" name="Content Placeholder 2">
             <a:extLst>
               <a:ext uri="{FF2B5EF4-FFF2-40B4-BE49-F238E27FC236}">
-                <a16:creationId xmlns:a16="http://schemas.microsoft.com/office/drawing/2014/main" id="{B975BE5D-701D-BB4F-828C-F3FCE1A23899}"/>
+                <a16:creationId xmlns:a16="http://schemas.microsoft.com/office/drawing/2014/main" id="{F2933445-B7DD-8F48-9A81-AC6FB6059D03}"/>
               </a:ext>
             </a:extLst>
           </p:cNvPr>
@@ -5398,51 +5348,66 @@
         </p:nvSpPr>
         <p:spPr/>
         <p:txBody>
-          <a:bodyPr/>
-          <a:lstStyle/>
-          <a:p>
-            <a:r>
-              <a:rPr lang="en-US" b="1" dirty="0"/>
-              <a:t>Group 1:  </a:t>
-            </a:r>
-            <a:r>
-              <a:rPr lang="en-US" dirty="0"/>
-              <a:t>Splice-aware aligners that use the genome sequence and known gene annotations to calculate gene or transcript abundance – these </a:t>
-            </a:r>
-            <a:r>
-              <a:rPr lang="en-US" b="1" i="1" dirty="0"/>
-              <a:t>can not </a:t>
-            </a:r>
-            <a:r>
-              <a:rPr lang="en-US" dirty="0"/>
-              <a:t>be used to identify new splice junctions </a:t>
-            </a:r>
-          </a:p>
-          <a:p>
-            <a:pPr marL="0" indent="0">
-              <a:buNone/>
-            </a:pPr>
-            <a:endParaRPr lang="en-US" dirty="0"/>
-          </a:p>
-          <a:p>
-            <a:r>
-              <a:rPr lang="en-US" b="1" dirty="0"/>
-              <a:t>Group 2:  </a:t>
-            </a:r>
-            <a:r>
-              <a:rPr lang="en-US" i="1" dirty="0"/>
-              <a:t>de novo </a:t>
-            </a:r>
-            <a:r>
-              <a:rPr lang="en-US" dirty="0"/>
-              <a:t>splice-aware aligners which can align RNA-Seq reads to a reference genomic sequence without prior information on gene annotations </a:t>
-            </a:r>
-          </a:p>
-          <a:p>
-            <a:pPr lvl="1"/>
-            <a:r>
-              <a:rPr lang="en-US" dirty="0"/>
-              <a:t>STAR (Spliced Transcripts Alignment to a Reference) </a:t>
+          <a:bodyPr>
+            <a:normAutofit/>
+          </a:bodyPr>
+          <a:lstStyle/>
+          <a:p>
+            <a:r>
+              <a:rPr lang="en-US" sz="3600" dirty="0"/>
+              <a:t>Stands for </a:t>
+            </a:r>
+            <a:r>
+              <a:rPr lang="en-US" sz="3600" b="1" dirty="0"/>
+              <a:t>h</a:t>
+            </a:r>
+            <a:r>
+              <a:rPr lang="en-US" sz="3600" dirty="0"/>
+              <a:t>ierarchical </a:t>
+            </a:r>
+            <a:r>
+              <a:rPr lang="en-US" sz="3600" b="1" dirty="0"/>
+              <a:t>i</a:t>
+            </a:r>
+            <a:r>
+              <a:rPr lang="en-US" sz="3600" dirty="0"/>
+              <a:t>ndexing for </a:t>
+            </a:r>
+            <a:r>
+              <a:rPr lang="en-US" sz="3600" b="1" dirty="0"/>
+              <a:t>s</a:t>
+            </a:r>
+            <a:r>
+              <a:rPr lang="en-US" sz="3600" dirty="0"/>
+              <a:t>pliced </a:t>
+            </a:r>
+            <a:r>
+              <a:rPr lang="en-US" sz="3600" b="1" dirty="0"/>
+              <a:t>a</a:t>
+            </a:r>
+            <a:r>
+              <a:rPr lang="en-US" sz="3600" dirty="0"/>
+              <a:t>lignment of </a:t>
+            </a:r>
+            <a:r>
+              <a:rPr lang="en-US" sz="3600" b="1" dirty="0"/>
+              <a:t>t</a:t>
+            </a:r>
+            <a:r>
+              <a:rPr lang="en-US" sz="3600" dirty="0"/>
+              <a:t>ranscripts 2 </a:t>
+            </a:r>
+          </a:p>
+          <a:p>
+            <a:r>
+              <a:rPr lang="en-US" sz="3600" dirty="0"/>
+              <a:t>HISAT2 is an aligner that is used for mapping next-generation sequencing reads </a:t>
+            </a:r>
+          </a:p>
+          <a:p>
+            <a:r>
+              <a:rPr lang="en-US" sz="3600" dirty="0"/>
+              <a:t>Used for whole genome, whole-exome, and transcriptome datasets </a:t>
             </a:r>
           </a:p>
         </p:txBody>
@@ -5450,7 +5415,7 @@
     </p:spTree>
     <p:extLst>
       <p:ext uri="{BB962C8B-B14F-4D97-AF65-F5344CB8AC3E}">
-        <p14:creationId xmlns:p14="http://schemas.microsoft.com/office/powerpoint/2010/main" val="4169408318"/>
+        <p14:creationId xmlns:p14="http://schemas.microsoft.com/office/powerpoint/2010/main" val="2754594319"/>
       </p:ext>
     </p:extLst>
   </p:cSld>
@@ -5482,151 +5447,6 @@
           <p:cNvPr id="2" name="Title 1">
             <a:extLst>
               <a:ext uri="{FF2B5EF4-FFF2-40B4-BE49-F238E27FC236}">
-                <a16:creationId xmlns:a16="http://schemas.microsoft.com/office/drawing/2014/main" id="{C10E7252-82EF-A044-B3C1-CC3E9D9EC606}"/>
-              </a:ext>
-            </a:extLst>
-          </p:cNvPr>
-          <p:cNvSpPr>
-            <a:spLocks noGrp="1"/>
-          </p:cNvSpPr>
-          <p:nvPr>
-            <p:ph type="title"/>
-          </p:nvPr>
-        </p:nvSpPr>
-        <p:spPr/>
-        <p:txBody>
-          <a:bodyPr/>
-          <a:lstStyle/>
-          <a:p>
-            <a:pPr algn="ctr"/>
-            <a:r>
-              <a:rPr lang="en-US" b="1" dirty="0">
-                <a:solidFill>
-                  <a:srgbClr val="002060"/>
-                </a:solidFill>
-              </a:rPr>
-              <a:t>HISAT2</a:t>
-            </a:r>
-          </a:p>
-        </p:txBody>
-      </p:sp>
-      <p:sp>
-        <p:nvSpPr>
-          <p:cNvPr id="3" name="Content Placeholder 2">
-            <a:extLst>
-              <a:ext uri="{FF2B5EF4-FFF2-40B4-BE49-F238E27FC236}">
-                <a16:creationId xmlns:a16="http://schemas.microsoft.com/office/drawing/2014/main" id="{F2933445-B7DD-8F48-9A81-AC6FB6059D03}"/>
-              </a:ext>
-            </a:extLst>
-          </p:cNvPr>
-          <p:cNvSpPr>
-            <a:spLocks noGrp="1"/>
-          </p:cNvSpPr>
-          <p:nvPr>
-            <p:ph idx="1"/>
-          </p:nvPr>
-        </p:nvSpPr>
-        <p:spPr/>
-        <p:txBody>
-          <a:bodyPr>
-            <a:normAutofit/>
-          </a:bodyPr>
-          <a:lstStyle/>
-          <a:p>
-            <a:r>
-              <a:rPr lang="en-US" sz="3600" dirty="0"/>
-              <a:t>Stands for </a:t>
-            </a:r>
-            <a:r>
-              <a:rPr lang="en-US" sz="3600" b="1" dirty="0"/>
-              <a:t>h</a:t>
-            </a:r>
-            <a:r>
-              <a:rPr lang="en-US" sz="3600" dirty="0"/>
-              <a:t>ierarchical </a:t>
-            </a:r>
-            <a:r>
-              <a:rPr lang="en-US" sz="3600" b="1" dirty="0"/>
-              <a:t>i</a:t>
-            </a:r>
-            <a:r>
-              <a:rPr lang="en-US" sz="3600" dirty="0"/>
-              <a:t>ndexing for </a:t>
-            </a:r>
-            <a:r>
-              <a:rPr lang="en-US" sz="3600" b="1" dirty="0"/>
-              <a:t>s</a:t>
-            </a:r>
-            <a:r>
-              <a:rPr lang="en-US" sz="3600" dirty="0"/>
-              <a:t>pliced </a:t>
-            </a:r>
-            <a:r>
-              <a:rPr lang="en-US" sz="3600" b="1" dirty="0"/>
-              <a:t>a</a:t>
-            </a:r>
-            <a:r>
-              <a:rPr lang="en-US" sz="3600" dirty="0"/>
-              <a:t>lignment of </a:t>
-            </a:r>
-            <a:r>
-              <a:rPr lang="en-US" sz="3600" b="1" dirty="0"/>
-              <a:t>t</a:t>
-            </a:r>
-            <a:r>
-              <a:rPr lang="en-US" sz="3600" dirty="0"/>
-              <a:t>ranscripts 2 </a:t>
-            </a:r>
-          </a:p>
-          <a:p>
-            <a:r>
-              <a:rPr lang="en-US" sz="3600" dirty="0"/>
-              <a:t>HISAT2 is an aligner that is used for mapping next-generation sequencing reads </a:t>
-            </a:r>
-          </a:p>
-          <a:p>
-            <a:r>
-              <a:rPr lang="en-US" sz="3600" dirty="0"/>
-              <a:t>Used for whole genome, whole-exome, and transcriptome datasets </a:t>
-            </a:r>
-          </a:p>
-        </p:txBody>
-      </p:sp>
-    </p:spTree>
-    <p:extLst>
-      <p:ext uri="{BB962C8B-B14F-4D97-AF65-F5344CB8AC3E}">
-        <p14:creationId xmlns:p14="http://schemas.microsoft.com/office/powerpoint/2010/main" val="2754594319"/>
-      </p:ext>
-    </p:extLst>
-  </p:cSld>
-  <p:clrMapOvr>
-    <a:masterClrMapping/>
-  </p:clrMapOvr>
-</p:sld>
-</file>
-
-<file path=ppt/slides/slide16.xml><?xml version="1.0" encoding="utf-8"?>
-<p:sld xmlns:a="http://schemas.openxmlformats.org/drawingml/2006/main" xmlns:r="http://schemas.openxmlformats.org/officeDocument/2006/relationships" xmlns:p="http://schemas.openxmlformats.org/presentationml/2006/main">
-  <p:cSld>
-    <p:spTree>
-      <p:nvGrpSpPr>
-        <p:cNvPr id="1" name=""/>
-        <p:cNvGrpSpPr/>
-        <p:nvPr/>
-      </p:nvGrpSpPr>
-      <p:grpSpPr>
-        <a:xfrm>
-          <a:off x="0" y="0"/>
-          <a:ext cx="0" cy="0"/>
-          <a:chOff x="0" y="0"/>
-          <a:chExt cx="0" cy="0"/>
-        </a:xfrm>
-      </p:grpSpPr>
-      <p:sp>
-        <p:nvSpPr>
-          <p:cNvPr id="2" name="Title 1">
-            <a:extLst>
-              <a:ext uri="{FF2B5EF4-FFF2-40B4-BE49-F238E27FC236}">
                 <a16:creationId xmlns:a16="http://schemas.microsoft.com/office/drawing/2014/main" id="{376A6BBB-FA02-5C4D-BA3E-233419A5FD12}"/>
               </a:ext>
             </a:extLst>
@@ -5751,7 +5571,7 @@
 </p:sld>
 </file>
 
-<file path=ppt/slides/slide17.xml><?xml version="1.0" encoding="utf-8"?>
+<file path=ppt/slides/slide16.xml><?xml version="1.0" encoding="utf-8"?>
 <p:sld xmlns:a="http://schemas.openxmlformats.org/drawingml/2006/main" xmlns:r="http://schemas.openxmlformats.org/officeDocument/2006/relationships" xmlns:p="http://schemas.openxmlformats.org/presentationml/2006/main">
   <p:cSld>
     <p:spTree>
@@ -5895,7 +5715,7 @@
 </p:sld>
 </file>
 
-<file path=ppt/slides/slide18.xml><?xml version="1.0" encoding="utf-8"?>
+<file path=ppt/slides/slide17.xml><?xml version="1.0" encoding="utf-8"?>
 <p:sld xmlns:a="http://schemas.openxmlformats.org/drawingml/2006/main" xmlns:r="http://schemas.openxmlformats.org/officeDocument/2006/relationships" xmlns:p="http://schemas.openxmlformats.org/presentationml/2006/main">
   <p:cSld>
     <p:spTree>
@@ -5928,7 +5748,12 @@
             <p:ph type="title"/>
           </p:nvPr>
         </p:nvSpPr>
-        <p:spPr/>
+        <p:spPr>
+          <a:xfrm>
+            <a:off x="628650" y="365127"/>
+            <a:ext cx="7886700" cy="906462"/>
+          </a:xfrm>
+        </p:spPr>
         <p:txBody>
           <a:bodyPr/>
           <a:lstStyle/>
@@ -5945,31 +5770,35 @@
           </a:p>
         </p:txBody>
       </p:sp>
-      <p:sp>
-        <p:nvSpPr>
-          <p:cNvPr id="3" name="Content Placeholder 2">
+      <p:pic>
+        <p:nvPicPr>
+          <p:cNvPr id="5" name="Content Placeholder 4" descr="Graphical user interface, text, application, email&#10;&#10;Description automatically generated">
             <a:extLst>
               <a:ext uri="{FF2B5EF4-FFF2-40B4-BE49-F238E27FC236}">
-                <a16:creationId xmlns:a16="http://schemas.microsoft.com/office/drawing/2014/main" id="{4EDE885E-7FF8-8644-BF86-A1A739747CAC}"/>
+                <a16:creationId xmlns:a16="http://schemas.microsoft.com/office/drawing/2014/main" id="{185E4E0D-A308-AE42-B3F8-4F1145C7FB97}"/>
               </a:ext>
             </a:extLst>
           </p:cNvPr>
-          <p:cNvSpPr>
-            <a:spLocks noGrp="1"/>
-          </p:cNvSpPr>
+          <p:cNvPicPr>
+            <a:picLocks noGrp="1" noChangeAspect="1"/>
+          </p:cNvPicPr>
           <p:nvPr>
             <p:ph idx="1"/>
           </p:nvPr>
-        </p:nvSpPr>
-        <p:spPr/>
-        <p:txBody>
-          <a:bodyPr/>
-          <a:lstStyle/>
-          <a:p>
-            <a:endParaRPr lang="en-US"/>
-          </a:p>
-        </p:txBody>
-      </p:sp>
+        </p:nvPicPr>
+        <p:blipFill>
+          <a:blip r:embed="rId2"/>
+          <a:stretch>
+            <a:fillRect/>
+          </a:stretch>
+        </p:blipFill>
+        <p:spPr>
+          <a:xfrm>
+            <a:off x="1866491" y="1459767"/>
+            <a:ext cx="5763035" cy="5033107"/>
+          </a:xfrm>
+        </p:spPr>
+      </p:pic>
     </p:spTree>
     <p:extLst>
       <p:ext uri="{BB962C8B-B14F-4D97-AF65-F5344CB8AC3E}">
@@ -5983,7 +5812,7 @@
 </p:sld>
 </file>
 
-<file path=ppt/slides/slide19.xml><?xml version="1.0" encoding="utf-8"?>
+<file path=ppt/slides/slide18.xml><?xml version="1.0" encoding="utf-8"?>
 <p:sld xmlns:a="http://schemas.openxmlformats.org/drawingml/2006/main" xmlns:r="http://schemas.openxmlformats.org/officeDocument/2006/relationships" xmlns:p="http://schemas.openxmlformats.org/presentationml/2006/main">
   <p:cSld>
     <p:spTree>
@@ -6043,138 +5872,7 @@
 </p:sld>
 </file>
 
-<file path=ppt/slides/slide2.xml><?xml version="1.0" encoding="utf-8"?>
-<p:sld xmlns:a="http://schemas.openxmlformats.org/drawingml/2006/main" xmlns:r="http://schemas.openxmlformats.org/officeDocument/2006/relationships" xmlns:p="http://schemas.openxmlformats.org/presentationml/2006/main">
-  <p:cSld>
-    <p:spTree>
-      <p:nvGrpSpPr>
-        <p:cNvPr id="1" name=""/>
-        <p:cNvGrpSpPr/>
-        <p:nvPr/>
-      </p:nvGrpSpPr>
-      <p:grpSpPr>
-        <a:xfrm>
-          <a:off x="0" y="0"/>
-          <a:ext cx="0" cy="0"/>
-          <a:chOff x="0" y="0"/>
-          <a:chExt cx="0" cy="0"/>
-        </a:xfrm>
-      </p:grpSpPr>
-      <p:sp>
-        <p:nvSpPr>
-          <p:cNvPr id="2" name="Title 1">
-            <a:extLst>
-              <a:ext uri="{FF2B5EF4-FFF2-40B4-BE49-F238E27FC236}">
-                <a16:creationId xmlns:a16="http://schemas.microsoft.com/office/drawing/2014/main" id="{9C68920B-32D2-744A-87FB-B8DD4D466130}"/>
-              </a:ext>
-            </a:extLst>
-          </p:cNvPr>
-          <p:cNvSpPr>
-            <a:spLocks noGrp="1"/>
-          </p:cNvSpPr>
-          <p:nvPr>
-            <p:ph type="title"/>
-          </p:nvPr>
-        </p:nvSpPr>
-        <p:spPr/>
-        <p:txBody>
-          <a:bodyPr/>
-          <a:lstStyle/>
-          <a:p>
-            <a:pPr algn="ctr"/>
-            <a:r>
-              <a:rPr lang="en-US" b="1" dirty="0">
-                <a:solidFill>
-                  <a:srgbClr val="002060"/>
-                </a:solidFill>
-              </a:rPr>
-              <a:t>First, grab these files: </a:t>
-            </a:r>
-          </a:p>
-        </p:txBody>
-      </p:sp>
-      <p:sp>
-        <p:nvSpPr>
-          <p:cNvPr id="3" name="Content Placeholder 2">
-            <a:extLst>
-              <a:ext uri="{FF2B5EF4-FFF2-40B4-BE49-F238E27FC236}">
-                <a16:creationId xmlns:a16="http://schemas.microsoft.com/office/drawing/2014/main" id="{7624930B-6677-D149-A126-DF995BE0C28B}"/>
-              </a:ext>
-            </a:extLst>
-          </p:cNvPr>
-          <p:cNvSpPr>
-            <a:spLocks noGrp="1"/>
-          </p:cNvSpPr>
-          <p:nvPr>
-            <p:ph idx="1"/>
-          </p:nvPr>
-        </p:nvSpPr>
-        <p:spPr>
-          <a:xfrm>
-            <a:off x="628650" y="2686049"/>
-            <a:ext cx="7886700" cy="3490913"/>
-          </a:xfrm>
-        </p:spPr>
-        <p:txBody>
-          <a:bodyPr/>
-          <a:lstStyle/>
-          <a:p>
-            <a:pPr marL="0" indent="0">
-              <a:buNone/>
-            </a:pPr>
-            <a:r>
-              <a:rPr lang="en-US" sz="1600" b="0" dirty="0">
-                <a:solidFill>
-                  <a:srgbClr val="292929"/>
-                </a:solidFill>
-                <a:effectLst/>
-                <a:latin typeface="Menlo" panose="020B0609030804020204" pitchFamily="49" charset="0"/>
-              </a:rPr>
-              <a:t>cp -r /gpfs1/cl/mmg232/</a:t>
-            </a:r>
-            <a:r>
-              <a:rPr lang="en-US" sz="1600" b="0" dirty="0" err="1">
-                <a:solidFill>
-                  <a:srgbClr val="292929"/>
-                </a:solidFill>
-                <a:effectLst/>
-                <a:latin typeface="Menlo" panose="020B0609030804020204" pitchFamily="49" charset="0"/>
-              </a:rPr>
-              <a:t>course_materials</a:t>
-            </a:r>
-            <a:r>
-              <a:rPr lang="en-US" sz="1600" b="0" dirty="0">
-                <a:solidFill>
-                  <a:srgbClr val="292929"/>
-                </a:solidFill>
-                <a:effectLst/>
-                <a:latin typeface="Menlo" panose="020B0609030804020204" pitchFamily="49" charset="0"/>
-              </a:rPr>
-              <a:t>/HISAT2_example .</a:t>
-            </a:r>
-          </a:p>
-          <a:p>
-            <a:pPr marL="0" indent="0">
-              <a:buNone/>
-            </a:pPr>
-            <a:endParaRPr lang="en-US" dirty="0"/>
-          </a:p>
-        </p:txBody>
-      </p:sp>
-    </p:spTree>
-    <p:extLst>
-      <p:ext uri="{BB962C8B-B14F-4D97-AF65-F5344CB8AC3E}">
-        <p14:creationId xmlns:p14="http://schemas.microsoft.com/office/powerpoint/2010/main" val="4133366300"/>
-      </p:ext>
-    </p:extLst>
-  </p:cSld>
-  <p:clrMapOvr>
-    <a:masterClrMapping/>
-  </p:clrMapOvr>
-</p:sld>
-</file>
-
-<file path=ppt/slides/slide20.xml><?xml version="1.0" encoding="utf-8"?>
+<file path=ppt/slides/slide19.xml><?xml version="1.0" encoding="utf-8"?>
 <p:sld xmlns:a="http://schemas.openxmlformats.org/drawingml/2006/main" xmlns:r="http://schemas.openxmlformats.org/officeDocument/2006/relationships" xmlns:p="http://schemas.openxmlformats.org/presentationml/2006/main">
   <p:cSld>
     <p:spTree>
@@ -6338,6 +6036,337 @@
 </p:sld>
 </file>
 
+<file path=ppt/slides/slide2.xml><?xml version="1.0" encoding="utf-8"?>
+<p:sld xmlns:a="http://schemas.openxmlformats.org/drawingml/2006/main" xmlns:r="http://schemas.openxmlformats.org/officeDocument/2006/relationships" xmlns:p="http://schemas.openxmlformats.org/presentationml/2006/main">
+  <p:cSld>
+    <p:spTree>
+      <p:nvGrpSpPr>
+        <p:cNvPr id="1" name=""/>
+        <p:cNvGrpSpPr/>
+        <p:nvPr/>
+      </p:nvGrpSpPr>
+      <p:grpSpPr>
+        <a:xfrm>
+          <a:off x="0" y="0"/>
+          <a:ext cx="0" cy="0"/>
+          <a:chOff x="0" y="0"/>
+          <a:chExt cx="0" cy="0"/>
+        </a:xfrm>
+      </p:grpSpPr>
+      <p:sp>
+        <p:nvSpPr>
+          <p:cNvPr id="2" name="Title 1">
+            <a:extLst>
+              <a:ext uri="{FF2B5EF4-FFF2-40B4-BE49-F238E27FC236}">
+                <a16:creationId xmlns:a16="http://schemas.microsoft.com/office/drawing/2014/main" id="{9C68920B-32D2-744A-87FB-B8DD4D466130}"/>
+              </a:ext>
+            </a:extLst>
+          </p:cNvPr>
+          <p:cNvSpPr>
+            <a:spLocks noGrp="1"/>
+          </p:cNvSpPr>
+          <p:nvPr>
+            <p:ph type="title"/>
+          </p:nvPr>
+        </p:nvSpPr>
+        <p:spPr/>
+        <p:txBody>
+          <a:bodyPr/>
+          <a:lstStyle/>
+          <a:p>
+            <a:pPr algn="ctr"/>
+            <a:r>
+              <a:rPr lang="en-US" b="1" dirty="0">
+                <a:solidFill>
+                  <a:srgbClr val="002060"/>
+                </a:solidFill>
+              </a:rPr>
+              <a:t>First, grab these files: </a:t>
+            </a:r>
+          </a:p>
+        </p:txBody>
+      </p:sp>
+      <p:sp>
+        <p:nvSpPr>
+          <p:cNvPr id="3" name="Content Placeholder 2">
+            <a:extLst>
+              <a:ext uri="{FF2B5EF4-FFF2-40B4-BE49-F238E27FC236}">
+                <a16:creationId xmlns:a16="http://schemas.microsoft.com/office/drawing/2014/main" id="{7624930B-6677-D149-A126-DF995BE0C28B}"/>
+              </a:ext>
+            </a:extLst>
+          </p:cNvPr>
+          <p:cNvSpPr>
+            <a:spLocks noGrp="1"/>
+          </p:cNvSpPr>
+          <p:nvPr>
+            <p:ph idx="1"/>
+          </p:nvPr>
+        </p:nvSpPr>
+        <p:spPr>
+          <a:xfrm>
+            <a:off x="628650" y="1885951"/>
+            <a:ext cx="7886700" cy="4291012"/>
+          </a:xfrm>
+        </p:spPr>
+        <p:txBody>
+          <a:bodyPr/>
+          <a:lstStyle/>
+          <a:p>
+            <a:pPr marL="0" indent="0">
+              <a:buNone/>
+            </a:pPr>
+            <a:r>
+              <a:rPr lang="en-US" sz="1600" b="0" dirty="0">
+                <a:solidFill>
+                  <a:srgbClr val="292929"/>
+                </a:solidFill>
+                <a:effectLst/>
+                <a:latin typeface="Menlo" panose="020B0609030804020204" pitchFamily="49" charset="0"/>
+              </a:rPr>
+              <a:t>cp -r /gpfs1/cl/mmg232/</a:t>
+            </a:r>
+            <a:r>
+              <a:rPr lang="en-US" sz="1600" b="0" dirty="0" err="1">
+                <a:solidFill>
+                  <a:srgbClr val="292929"/>
+                </a:solidFill>
+                <a:effectLst/>
+                <a:latin typeface="Menlo" panose="020B0609030804020204" pitchFamily="49" charset="0"/>
+              </a:rPr>
+              <a:t>course_materials</a:t>
+            </a:r>
+            <a:r>
+              <a:rPr lang="en-US" sz="1600" b="0" dirty="0">
+                <a:solidFill>
+                  <a:srgbClr val="292929"/>
+                </a:solidFill>
+                <a:effectLst/>
+                <a:latin typeface="Menlo" panose="020B0609030804020204" pitchFamily="49" charset="0"/>
+              </a:rPr>
+              <a:t>/HISAT2_example .</a:t>
+            </a:r>
+          </a:p>
+          <a:p>
+            <a:pPr marL="0" indent="0">
+              <a:buNone/>
+            </a:pPr>
+            <a:endParaRPr lang="en-US" dirty="0"/>
+          </a:p>
+        </p:txBody>
+      </p:sp>
+      <p:pic>
+        <p:nvPicPr>
+          <p:cNvPr id="5" name="Picture 4" descr="Graphical user interface, application&#10;&#10;Description automatically generated">
+            <a:extLst>
+              <a:ext uri="{FF2B5EF4-FFF2-40B4-BE49-F238E27FC236}">
+                <a16:creationId xmlns:a16="http://schemas.microsoft.com/office/drawing/2014/main" id="{B9EC002E-E592-A74C-A402-EEB5E08F0CE0}"/>
+              </a:ext>
+            </a:extLst>
+          </p:cNvPr>
+          <p:cNvPicPr>
+            <a:picLocks noChangeAspect="1"/>
+          </p:cNvPicPr>
+          <p:nvPr/>
+        </p:nvPicPr>
+        <p:blipFill>
+          <a:blip r:embed="rId2"/>
+          <a:stretch>
+            <a:fillRect/>
+          </a:stretch>
+        </p:blipFill>
+        <p:spPr>
+          <a:xfrm>
+            <a:off x="771525" y="3227760"/>
+            <a:ext cx="7383462" cy="2949202"/>
+          </a:xfrm>
+          <a:prstGeom prst="rect">
+            <a:avLst/>
+          </a:prstGeom>
+        </p:spPr>
+      </p:pic>
+      <p:sp>
+        <p:nvSpPr>
+          <p:cNvPr id="6" name="Right Arrow 5">
+            <a:extLst>
+              <a:ext uri="{FF2B5EF4-FFF2-40B4-BE49-F238E27FC236}">
+                <a16:creationId xmlns:a16="http://schemas.microsoft.com/office/drawing/2014/main" id="{FCB94DF6-B20D-9440-83B6-E60591D01F5D}"/>
+              </a:ext>
+            </a:extLst>
+          </p:cNvPr>
+          <p:cNvSpPr/>
+          <p:nvPr/>
+        </p:nvSpPr>
+        <p:spPr>
+          <a:xfrm>
+            <a:off x="228600" y="4943475"/>
+            <a:ext cx="642938" cy="357188"/>
+          </a:xfrm>
+          <a:prstGeom prst="rightArrow">
+            <a:avLst/>
+          </a:prstGeom>
+        </p:spPr>
+        <p:style>
+          <a:lnRef idx="2">
+            <a:schemeClr val="accent1">
+              <a:shade val="50000"/>
+            </a:schemeClr>
+          </a:lnRef>
+          <a:fillRef idx="1">
+            <a:schemeClr val="accent1"/>
+          </a:fillRef>
+          <a:effectRef idx="0">
+            <a:schemeClr val="accent1"/>
+          </a:effectRef>
+          <a:fontRef idx="minor">
+            <a:schemeClr val="lt1"/>
+          </a:fontRef>
+        </p:style>
+        <p:txBody>
+          <a:bodyPr rtlCol="0" anchor="ctr"/>
+          <a:lstStyle/>
+          <a:p>
+            <a:pPr algn="ctr"/>
+            <a:endParaRPr lang="en-US"/>
+          </a:p>
+        </p:txBody>
+      </p:sp>
+    </p:spTree>
+    <p:extLst>
+      <p:ext uri="{BB962C8B-B14F-4D97-AF65-F5344CB8AC3E}">
+        <p14:creationId xmlns:p14="http://schemas.microsoft.com/office/powerpoint/2010/main" val="4133366300"/>
+      </p:ext>
+    </p:extLst>
+  </p:cSld>
+  <p:clrMapOvr>
+    <a:masterClrMapping/>
+  </p:clrMapOvr>
+</p:sld>
+</file>
+
+<file path=ppt/slides/slide20.xml><?xml version="1.0" encoding="utf-8"?>
+<p:sld xmlns:a="http://schemas.openxmlformats.org/drawingml/2006/main" xmlns:r="http://schemas.openxmlformats.org/officeDocument/2006/relationships" xmlns:p="http://schemas.openxmlformats.org/presentationml/2006/main">
+  <p:cSld>
+    <p:spTree>
+      <p:nvGrpSpPr>
+        <p:cNvPr id="1" name=""/>
+        <p:cNvGrpSpPr/>
+        <p:nvPr/>
+      </p:nvGrpSpPr>
+      <p:grpSpPr>
+        <a:xfrm>
+          <a:off x="0" y="0"/>
+          <a:ext cx="0" cy="0"/>
+          <a:chOff x="0" y="0"/>
+          <a:chExt cx="0" cy="0"/>
+        </a:xfrm>
+      </p:grpSpPr>
+      <p:sp>
+        <p:nvSpPr>
+          <p:cNvPr id="2" name="Title 1">
+            <a:extLst>
+              <a:ext uri="{FF2B5EF4-FFF2-40B4-BE49-F238E27FC236}">
+                <a16:creationId xmlns:a16="http://schemas.microsoft.com/office/drawing/2014/main" id="{59FBBF03-D8E9-0446-AD6E-EBC558D94CA3}"/>
+              </a:ext>
+            </a:extLst>
+          </p:cNvPr>
+          <p:cNvSpPr>
+            <a:spLocks noGrp="1"/>
+          </p:cNvSpPr>
+          <p:nvPr>
+            <p:ph type="title"/>
+          </p:nvPr>
+        </p:nvSpPr>
+        <p:spPr/>
+        <p:txBody>
+          <a:bodyPr/>
+          <a:lstStyle/>
+          <a:p>
+            <a:pPr algn="ctr"/>
+            <a:r>
+              <a:rPr lang="en-US" b="1" dirty="0">
+                <a:solidFill>
+                  <a:srgbClr val="002060"/>
+                </a:solidFill>
+              </a:rPr>
+              <a:t>This script will contain:  </a:t>
+            </a:r>
+          </a:p>
+        </p:txBody>
+      </p:sp>
+      <p:sp>
+        <p:nvSpPr>
+          <p:cNvPr id="3" name="Content Placeholder 2">
+            <a:extLst>
+              <a:ext uri="{FF2B5EF4-FFF2-40B4-BE49-F238E27FC236}">
+                <a16:creationId xmlns:a16="http://schemas.microsoft.com/office/drawing/2014/main" id="{705616DB-87F0-174C-9C26-7825D24F3296}"/>
+              </a:ext>
+            </a:extLst>
+          </p:cNvPr>
+          <p:cNvSpPr>
+            <a:spLocks noGrp="1"/>
+          </p:cNvSpPr>
+          <p:nvPr>
+            <p:ph idx="1"/>
+          </p:nvPr>
+        </p:nvSpPr>
+        <p:spPr/>
+        <p:txBody>
+          <a:bodyPr>
+            <a:normAutofit/>
+          </a:bodyPr>
+          <a:lstStyle/>
+          <a:p>
+            <a:r>
+              <a:rPr lang="en-US" sz="3200" dirty="0"/>
+              <a:t>Variables</a:t>
+            </a:r>
+          </a:p>
+          <a:p>
+            <a:r>
+              <a:rPr lang="en-US" sz="3200" dirty="0"/>
+              <a:t>Sed command </a:t>
+            </a:r>
+          </a:p>
+          <a:p>
+            <a:r>
+              <a:rPr lang="en-US" sz="3200" dirty="0"/>
+              <a:t>For loop </a:t>
+            </a:r>
+          </a:p>
+          <a:p>
+            <a:r>
+              <a:rPr lang="en-US" sz="3200" dirty="0"/>
+              <a:t>Module load </a:t>
+            </a:r>
+          </a:p>
+          <a:p>
+            <a:r>
+              <a:rPr lang="en-US" sz="3200" dirty="0"/>
+              <a:t>hisat2</a:t>
+            </a:r>
+          </a:p>
+          <a:p>
+            <a:r>
+              <a:rPr lang="en-US" sz="3200" dirty="0" err="1"/>
+              <a:t>samtools</a:t>
+            </a:r>
+            <a:endParaRPr lang="en-US" sz="3200" dirty="0"/>
+          </a:p>
+        </p:txBody>
+      </p:sp>
+    </p:spTree>
+    <p:extLst>
+      <p:ext uri="{BB962C8B-B14F-4D97-AF65-F5344CB8AC3E}">
+        <p14:creationId xmlns:p14="http://schemas.microsoft.com/office/powerpoint/2010/main" val="1873382786"/>
+      </p:ext>
+    </p:extLst>
+  </p:cSld>
+  <p:clrMapOvr>
+    <a:masterClrMapping/>
+  </p:clrMapOvr>
+</p:sld>
+</file>
+
 <file path=ppt/slides/slide21.xml><?xml version="1.0" encoding="utf-8"?>
 <p:sld xmlns:a="http://schemas.openxmlformats.org/drawingml/2006/main" xmlns:r="http://schemas.openxmlformats.org/officeDocument/2006/relationships" xmlns:p="http://schemas.openxmlformats.org/presentationml/2006/main">
   <p:cSld>
@@ -6360,7 +6389,7 @@
           <p:cNvPr id="2" name="Title 1">
             <a:extLst>
               <a:ext uri="{FF2B5EF4-FFF2-40B4-BE49-F238E27FC236}">
-                <a16:creationId xmlns:a16="http://schemas.microsoft.com/office/drawing/2014/main" id="{652FC0F8-F798-9E44-B3C4-3373B308FD17}"/>
+                <a16:creationId xmlns:a16="http://schemas.microsoft.com/office/drawing/2014/main" id="{78AAE3DE-722A-7E43-A1D6-C5017B113B07}"/>
               </a:ext>
             </a:extLst>
           </p:cNvPr>
@@ -6371,107 +6400,96 @@
             <p:ph type="title"/>
           </p:nvPr>
         </p:nvSpPr>
-        <p:spPr/>
-        <p:txBody>
-          <a:bodyPr>
+        <p:spPr>
+          <a:xfrm>
+            <a:off x="1919217" y="1480930"/>
+            <a:ext cx="3731775" cy="3672027"/>
+          </a:xfrm>
+        </p:spPr>
+        <p:txBody>
+          <a:bodyPr vert="horz" lIns="91440" tIns="45720" rIns="91440" bIns="45720" rtlCol="0" anchor="ctr">
             <a:normAutofit/>
           </a:bodyPr>
           <a:lstStyle/>
           <a:p>
-            <a:pPr algn="ctr"/>
+            <a:pPr algn="r" defTabSz="914400"/>
+            <a:endParaRPr lang="en-US" sz="4200" cap="all"/>
+          </a:p>
+        </p:txBody>
+      </p:sp>
+      <p:pic>
+        <p:nvPicPr>
+          <p:cNvPr id="5" name="Picture 4">
+            <a:extLst>
+              <a:ext uri="{FF2B5EF4-FFF2-40B4-BE49-F238E27FC236}">
+                <a16:creationId xmlns:a16="http://schemas.microsoft.com/office/drawing/2014/main" id="{A9D24C1C-C1EB-824B-B70D-8D12FBF76413}"/>
+              </a:ext>
+            </a:extLst>
+          </p:cNvPr>
+          <p:cNvPicPr>
+            <a:picLocks noChangeAspect="1"/>
+          </p:cNvPicPr>
+          <p:nvPr/>
+        </p:nvPicPr>
+        <p:blipFill>
+          <a:blip r:embed="rId3"/>
+          <a:stretch>
+            <a:fillRect/>
+          </a:stretch>
+        </p:blipFill>
+        <p:spPr>
+          <a:xfrm>
+            <a:off x="148694" y="92439"/>
+            <a:ext cx="6095638" cy="6449008"/>
+          </a:xfrm>
+          <a:prstGeom prst="rect">
+            <a:avLst/>
+          </a:prstGeom>
+        </p:spPr>
+      </p:pic>
+      <p:sp>
+        <p:nvSpPr>
+          <p:cNvPr id="3" name="TextBox 2">
+            <a:extLst>
+              <a:ext uri="{FF2B5EF4-FFF2-40B4-BE49-F238E27FC236}">
+                <a16:creationId xmlns:a16="http://schemas.microsoft.com/office/drawing/2014/main" id="{0B5A29B3-57BA-B542-8589-CAEF32DB7371}"/>
+              </a:ext>
+            </a:extLst>
+          </p:cNvPr>
+          <p:cNvSpPr txBox="1"/>
+          <p:nvPr/>
+        </p:nvSpPr>
+        <p:spPr>
+          <a:xfrm>
+            <a:off x="5000629" y="5293204"/>
+            <a:ext cx="3337452" cy="369332"/>
+          </a:xfrm>
+          <a:prstGeom prst="rect">
+            <a:avLst/>
+          </a:prstGeom>
+          <a:noFill/>
+        </p:spPr>
+        <p:txBody>
+          <a:bodyPr wrap="none" rtlCol="0">
+            <a:spAutoFit/>
+          </a:bodyPr>
+          <a:lstStyle/>
+          <a:p>
             <a:r>
               <a:rPr lang="en-US" b="1" dirty="0">
                 <a:solidFill>
                   <a:srgbClr val="002060"/>
                 </a:solidFill>
               </a:rPr>
-              <a:t>How to create a variable </a:t>
-            </a:r>
-          </a:p>
-        </p:txBody>
-      </p:sp>
-      <p:sp>
-        <p:nvSpPr>
-          <p:cNvPr id="3" name="Content Placeholder 2">
-            <a:extLst>
-              <a:ext uri="{FF2B5EF4-FFF2-40B4-BE49-F238E27FC236}">
-                <a16:creationId xmlns:a16="http://schemas.microsoft.com/office/drawing/2014/main" id="{9F5C7A45-6D6A-A647-B129-A4EF21D5D474}"/>
-              </a:ext>
-            </a:extLst>
-          </p:cNvPr>
-          <p:cNvSpPr>
-            <a:spLocks noGrp="1"/>
-          </p:cNvSpPr>
-          <p:nvPr>
-            <p:ph idx="1"/>
-          </p:nvPr>
-        </p:nvSpPr>
-        <p:spPr>
-          <a:xfrm>
-            <a:off x="628650" y="2528887"/>
-            <a:ext cx="7886700" cy="3648075"/>
-          </a:xfrm>
-        </p:spPr>
-        <p:txBody>
-          <a:bodyPr>
-            <a:normAutofit/>
-          </a:bodyPr>
-          <a:lstStyle/>
-          <a:p>
-            <a:pPr marL="0" indent="0" algn="ctr">
-              <a:buNone/>
-            </a:pPr>
-            <a:r>
-              <a:rPr lang="en-US" sz="4000" b="0" dirty="0" err="1">
-                <a:solidFill>
-                  <a:schemeClr val="tx1"/>
-                </a:solidFill>
-                <a:effectLst/>
-                <a:latin typeface="Arial" panose="020B0604020202020204" pitchFamily="34" charset="0"/>
-                <a:cs typeface="Arial" panose="020B0604020202020204" pitchFamily="34" charset="0"/>
-              </a:rPr>
-              <a:t>nameofvarible</a:t>
-            </a:r>
-            <a:r>
-              <a:rPr lang="en-US" sz="4000" b="0" dirty="0">
-                <a:solidFill>
-                  <a:schemeClr val="tx1"/>
-                </a:solidFill>
-                <a:effectLst/>
-                <a:latin typeface="Arial" panose="020B0604020202020204" pitchFamily="34" charset="0"/>
-                <a:cs typeface="Arial" panose="020B0604020202020204" pitchFamily="34" charset="0"/>
-              </a:rPr>
-              <a:t>=</a:t>
-            </a:r>
-            <a:r>
-              <a:rPr lang="en-US" sz="4000" b="0" dirty="0" err="1">
-                <a:solidFill>
-                  <a:schemeClr val="tx1"/>
-                </a:solidFill>
-                <a:effectLst/>
-                <a:latin typeface="Arial" panose="020B0604020202020204" pitchFamily="34" charset="0"/>
-                <a:cs typeface="Arial" panose="020B0604020202020204" pitchFamily="34" charset="0"/>
-              </a:rPr>
-              <a:t>valueof</a:t>
-            </a:r>
-            <a:r>
-              <a:rPr lang="en-US" sz="4000" dirty="0" err="1">
-                <a:solidFill>
-                  <a:schemeClr val="tx1"/>
-                </a:solidFill>
-                <a:latin typeface="Arial" panose="020B0604020202020204" pitchFamily="34" charset="0"/>
-                <a:cs typeface="Arial" panose="020B0604020202020204" pitchFamily="34" charset="0"/>
-              </a:rPr>
-              <a:t>varible</a:t>
-            </a:r>
-            <a:endParaRPr lang="en-US" dirty="0"/>
+              <a:t>Or use your favorite text editor!</a:t>
+            </a:r>
           </a:p>
         </p:txBody>
       </p:sp>
     </p:spTree>
     <p:extLst>
       <p:ext uri="{BB962C8B-B14F-4D97-AF65-F5344CB8AC3E}">
-        <p14:creationId xmlns:p14="http://schemas.microsoft.com/office/powerpoint/2010/main" val="1696600508"/>
+        <p14:creationId xmlns:p14="http://schemas.microsoft.com/office/powerpoint/2010/main" val="3121960860"/>
       </p:ext>
     </p:extLst>
   </p:cSld>
@@ -6528,7 +6546,7 @@
                   <a:srgbClr val="002060"/>
                 </a:solidFill>
               </a:rPr>
-              <a:t>To recall the contents of the variable </a:t>
+              <a:t>How to create a variable </a:t>
             </a:r>
           </a:p>
         </p:txBody>
@@ -6551,8 +6569,8 @@
         </p:nvSpPr>
         <p:spPr>
           <a:xfrm>
-            <a:off x="628650" y="2357437"/>
-            <a:ext cx="7886700" cy="3819525"/>
+            <a:off x="628650" y="2528887"/>
+            <a:ext cx="7886700" cy="3648075"/>
           </a:xfrm>
         </p:spPr>
         <p:txBody>
@@ -6564,15 +6582,27 @@
             <a:pPr marL="0" indent="0" algn="ctr">
               <a:buNone/>
             </a:pPr>
+            <a:r>
+              <a:rPr lang="en-US" sz="4000" b="0" dirty="0" err="1">
+                <a:solidFill>
+                  <a:schemeClr val="tx1"/>
+                </a:solidFill>
+                <a:effectLst/>
+                <a:latin typeface="Arial" panose="020B0604020202020204" pitchFamily="34" charset="0"/>
+                <a:cs typeface="Arial" panose="020B0604020202020204" pitchFamily="34" charset="0"/>
+              </a:rPr>
+              <a:t>nameofvarible</a:t>
+            </a:r>
             <a:r>
               <a:rPr lang="en-US" sz="4000" b="0" dirty="0">
                 <a:solidFill>
                   <a:schemeClr val="tx1"/>
                 </a:solidFill>
                 <a:effectLst/>
-                <a:latin typeface="Menlo" panose="020B0609030804020204" pitchFamily="49" charset="0"/>
+                <a:latin typeface="Arial" panose="020B0604020202020204" pitchFamily="34" charset="0"/>
+                <a:cs typeface="Arial" panose="020B0604020202020204" pitchFamily="34" charset="0"/>
               </a:rPr>
-              <a:t>echo $</a:t>
+              <a:t>=</a:t>
             </a:r>
             <a:r>
               <a:rPr lang="en-US" sz="4000" b="0" dirty="0" err="1">
@@ -6580,30 +6610,29 @@
                   <a:schemeClr val="tx1"/>
                 </a:solidFill>
                 <a:effectLst/>
-                <a:latin typeface="Menlo" panose="020B0609030804020204" pitchFamily="49" charset="0"/>
+                <a:latin typeface="Arial" panose="020B0604020202020204" pitchFamily="34" charset="0"/>
+                <a:cs typeface="Arial" panose="020B0604020202020204" pitchFamily="34" charset="0"/>
               </a:rPr>
-              <a:t>nameofvariable</a:t>
-            </a:r>
-            <a:endParaRPr lang="en-US" sz="4000" b="0" dirty="0">
-              <a:solidFill>
-                <a:schemeClr val="tx1"/>
-              </a:solidFill>
-              <a:effectLst/>
-              <a:latin typeface="Menlo" panose="020B0609030804020204" pitchFamily="49" charset="0"/>
-            </a:endParaRPr>
-          </a:p>
-          <a:p>
-            <a:pPr marL="0" indent="0" algn="ctr">
-              <a:buNone/>
-            </a:pPr>
-            <a:endParaRPr lang="en-US" sz="2000" dirty="0"/>
+              <a:t>valueof</a:t>
+            </a:r>
+            <a:r>
+              <a:rPr lang="en-US" sz="4000" dirty="0" err="1">
+                <a:solidFill>
+                  <a:schemeClr val="tx1"/>
+                </a:solidFill>
+                <a:latin typeface="Arial" panose="020B0604020202020204" pitchFamily="34" charset="0"/>
+                <a:cs typeface="Arial" panose="020B0604020202020204" pitchFamily="34" charset="0"/>
+              </a:rPr>
+              <a:t>varible</a:t>
+            </a:r>
+            <a:endParaRPr lang="en-US" dirty="0"/>
           </a:p>
         </p:txBody>
       </p:sp>
     </p:spTree>
     <p:extLst>
       <p:ext uri="{BB962C8B-B14F-4D97-AF65-F5344CB8AC3E}">
-        <p14:creationId xmlns:p14="http://schemas.microsoft.com/office/powerpoint/2010/main" val="289523977"/>
+        <p14:creationId xmlns:p14="http://schemas.microsoft.com/office/powerpoint/2010/main" val="1696600508"/>
       </p:ext>
     </p:extLst>
   </p:cSld>
@@ -6635,7 +6664,7 @@
           <p:cNvPr id="2" name="Title 1">
             <a:extLst>
               <a:ext uri="{FF2B5EF4-FFF2-40B4-BE49-F238E27FC236}">
-                <a16:creationId xmlns:a16="http://schemas.microsoft.com/office/drawing/2014/main" id="{861BF8E9-2184-F943-B66B-9E8AC6AD97F9}"/>
+                <a16:creationId xmlns:a16="http://schemas.microsoft.com/office/drawing/2014/main" id="{652FC0F8-F798-9E44-B3C4-3373B308FD17}"/>
               </a:ext>
             </a:extLst>
           </p:cNvPr>
@@ -6655,22 +6684,22 @@
           <a:p>
             <a:pPr algn="ctr"/>
             <a:r>
-              <a:rPr lang="en-US" sz="4100" b="1" dirty="0">
+              <a:rPr lang="en-US" b="1" dirty="0">
                 <a:solidFill>
                   <a:srgbClr val="002060"/>
                 </a:solidFill>
               </a:rPr>
-              <a:t>Utility of variables</a:t>
-            </a:r>
-          </a:p>
-        </p:txBody>
-      </p:sp>
-      <p:sp>
-        <p:nvSpPr>
-          <p:cNvPr id="6" name="Content Placeholder 2">
+              <a:t>To recall the contents of the variable </a:t>
+            </a:r>
+          </a:p>
+        </p:txBody>
+      </p:sp>
+      <p:sp>
+        <p:nvSpPr>
+          <p:cNvPr id="3" name="Content Placeholder 2">
             <a:extLst>
               <a:ext uri="{FF2B5EF4-FFF2-40B4-BE49-F238E27FC236}">
-                <a16:creationId xmlns:a16="http://schemas.microsoft.com/office/drawing/2014/main" id="{255FE73A-14D2-9F45-A1AB-0199826EF2AB}"/>
+                <a16:creationId xmlns:a16="http://schemas.microsoft.com/office/drawing/2014/main" id="{9F5C7A45-6D6A-A647-B129-A4EF21D5D474}"/>
               </a:ext>
             </a:extLst>
           </p:cNvPr>
@@ -6681,50 +6710,61 @@
             <p:ph idx="1"/>
           </p:nvPr>
         </p:nvSpPr>
-        <p:spPr/>
+        <p:spPr>
+          <a:xfrm>
+            <a:off x="628650" y="2357437"/>
+            <a:ext cx="7886700" cy="3819525"/>
+          </a:xfrm>
+        </p:spPr>
         <p:txBody>
           <a:bodyPr>
             <a:normAutofit/>
           </a:bodyPr>
           <a:lstStyle/>
           <a:p>
-            <a:pPr marL="0" indent="0">
+            <a:pPr marL="0" indent="0" algn="ctr">
               <a:buNone/>
             </a:pPr>
             <a:r>
-              <a:rPr lang="en-US" sz="3600" dirty="0">
-                <a:solidFill>
-                  <a:schemeClr val="tx1"/>
-                </a:solidFill>
-                <a:latin typeface="Arial" panose="020B0604020202020204" pitchFamily="34" charset="0"/>
-                <a:cs typeface="Arial" panose="020B0604020202020204" pitchFamily="34" charset="0"/>
-              </a:rPr>
-              <a:t>V</a:t>
-            </a:r>
-            <a:r>
-              <a:rPr lang="en-US" sz="3600" b="0" dirty="0">
+              <a:rPr lang="en-US" sz="4000" b="0" dirty="0">
                 <a:solidFill>
                   <a:schemeClr val="tx1"/>
                 </a:solidFill>
                 <a:effectLst/>
-                <a:latin typeface="Arial" panose="020B0604020202020204" pitchFamily="34" charset="0"/>
-                <a:cs typeface="Arial" panose="020B0604020202020204" pitchFamily="34" charset="0"/>
+                <a:latin typeface="Menlo" panose="020B0609030804020204" pitchFamily="49" charset="0"/>
               </a:rPr>
-              <a:t>ariables can be used to store information that can be used later in the script (once or many times over)</a:t>
-            </a:r>
-          </a:p>
-          <a:p>
-            <a:pPr marL="0" indent="0">
+              <a:t>echo $</a:t>
+            </a:r>
+            <a:r>
+              <a:rPr lang="en-US" sz="4000" b="0" dirty="0" err="1">
+                <a:solidFill>
+                  <a:schemeClr val="tx1"/>
+                </a:solidFill>
+                <a:effectLst/>
+                <a:latin typeface="Menlo" panose="020B0609030804020204" pitchFamily="49" charset="0"/>
+              </a:rPr>
+              <a:t>nameofvariable</a:t>
+            </a:r>
+            <a:endParaRPr lang="en-US" sz="4000" b="0" dirty="0">
+              <a:solidFill>
+                <a:schemeClr val="tx1"/>
+              </a:solidFill>
+              <a:effectLst/>
+              <a:latin typeface="Menlo" panose="020B0609030804020204" pitchFamily="49" charset="0"/>
+            </a:endParaRPr>
+          </a:p>
+          <a:p>
+            <a:pPr marL="0" indent="0" algn="ctr">
               <a:buNone/>
             </a:pPr>
-            <a:endParaRPr lang="en-US" dirty="0"/>
+            <a:endParaRPr lang="en-US" sz="2000" dirty="0"/>
           </a:p>
         </p:txBody>
       </p:sp>
     </p:spTree>
     <p:extLst>
       <p:ext uri="{BB962C8B-B14F-4D97-AF65-F5344CB8AC3E}">
-        <p14:creationId xmlns:p14="http://schemas.microsoft.com/office/powerpoint/2010/main" val="3411040989"/>
+        <p14:creationId xmlns:p14="http://schemas.microsoft.com/office/powerpoint/2010/main" val="289523977"/>
       </p:ext>
     </p:extLst>
   </p:cSld>
@@ -6756,7 +6796,7 @@
           <p:cNvPr id="2" name="Title 1">
             <a:extLst>
               <a:ext uri="{FF2B5EF4-FFF2-40B4-BE49-F238E27FC236}">
-                <a16:creationId xmlns:a16="http://schemas.microsoft.com/office/drawing/2014/main" id="{18BC4378-A7C3-2B4B-B078-9BEF0379CE68}"/>
+                <a16:creationId xmlns:a16="http://schemas.microsoft.com/office/drawing/2014/main" id="{861BF8E9-2184-F943-B66B-9E8AC6AD97F9}"/>
               </a:ext>
             </a:extLst>
           </p:cNvPr>
@@ -6769,27 +6809,29 @@
         </p:nvSpPr>
         <p:spPr/>
         <p:txBody>
-          <a:bodyPr/>
+          <a:bodyPr>
+            <a:normAutofit/>
+          </a:bodyPr>
           <a:lstStyle/>
           <a:p>
             <a:pPr algn="ctr"/>
             <a:r>
-              <a:rPr lang="en-US" b="1" dirty="0">
+              <a:rPr lang="en-US" sz="4100" b="1" dirty="0">
                 <a:solidFill>
                   <a:srgbClr val="002060"/>
                 </a:solidFill>
               </a:rPr>
-              <a:t>Example of Variable usage</a:t>
-            </a:r>
-          </a:p>
-        </p:txBody>
-      </p:sp>
-      <p:sp>
-        <p:nvSpPr>
-          <p:cNvPr id="3" name="Content Placeholder 2">
+              <a:t>Utility of variables</a:t>
+            </a:r>
+          </a:p>
+        </p:txBody>
+      </p:sp>
+      <p:sp>
+        <p:nvSpPr>
+          <p:cNvPr id="6" name="Content Placeholder 2">
             <a:extLst>
               <a:ext uri="{FF2B5EF4-FFF2-40B4-BE49-F238E27FC236}">
-                <a16:creationId xmlns:a16="http://schemas.microsoft.com/office/drawing/2014/main" id="{14251E49-2C1B-1B44-A97F-99C3C5DBCB5C}"/>
+                <a16:creationId xmlns:a16="http://schemas.microsoft.com/office/drawing/2014/main" id="{255FE73A-14D2-9F45-A1AB-0199826EF2AB}"/>
               </a:ext>
             </a:extLst>
           </p:cNvPr>
@@ -6802,80 +6844,38 @@
         </p:nvSpPr>
         <p:spPr/>
         <p:txBody>
-          <a:bodyPr/>
-          <a:lstStyle/>
-          <a:p>
-            <a:pPr marL="0" indent="0">
+          <a:bodyPr>
+            <a:normAutofit/>
+          </a:bodyPr>
+          <a:lstStyle/>
+          <a:p>
+            <a:pPr marL="0" indent="0" algn="ctr">
               <a:buNone/>
             </a:pPr>
             <a:r>
-              <a:rPr lang="en-US" b="0" dirty="0">
+              <a:rPr lang="en-US" sz="3600" dirty="0">
                 <a:solidFill>
-                  <a:srgbClr val="292929"/>
+                  <a:schemeClr val="tx1"/>
+                </a:solidFill>
+                <a:latin typeface="Arial" panose="020B0604020202020204" pitchFamily="34" charset="0"/>
+                <a:cs typeface="Arial" panose="020B0604020202020204" pitchFamily="34" charset="0"/>
+              </a:rPr>
+              <a:t>V</a:t>
+            </a:r>
+            <a:r>
+              <a:rPr lang="en-US" sz="3600" b="0" dirty="0">
+                <a:solidFill>
+                  <a:schemeClr val="tx1"/>
                 </a:solidFill>
                 <a:effectLst/>
-                <a:latin typeface="Menlo" panose="020B0609030804020204" pitchFamily="49" charset="0"/>
+                <a:latin typeface="Arial" panose="020B0604020202020204" pitchFamily="34" charset="0"/>
+                <a:cs typeface="Arial" panose="020B0604020202020204" pitchFamily="34" charset="0"/>
               </a:rPr>
-              <a:t>DBDIR=/users/p/d/</a:t>
-            </a:r>
-            <a:r>
-              <a:rPr lang="en-US" b="0" dirty="0" err="1">
-                <a:solidFill>
-                  <a:srgbClr val="292929"/>
-                </a:solidFill>
-                <a:effectLst/>
-                <a:latin typeface="Menlo" panose="020B0609030804020204" pitchFamily="49" charset="0"/>
-              </a:rPr>
-              <a:t>pdrodrig</a:t>
-            </a:r>
-            <a:r>
-              <a:rPr lang="en-US" b="0" dirty="0">
-                <a:solidFill>
-                  <a:srgbClr val="292929"/>
-                </a:solidFill>
-                <a:effectLst/>
-                <a:latin typeface="Menlo" panose="020B0609030804020204" pitchFamily="49" charset="0"/>
-              </a:rPr>
-              <a:t>/</a:t>
-            </a:r>
-            <a:r>
-              <a:rPr lang="en-US" b="0" dirty="0" err="1">
-                <a:solidFill>
-                  <a:srgbClr val="292929"/>
-                </a:solidFill>
-                <a:effectLst/>
-                <a:latin typeface="Menlo" panose="020B0609030804020204" pitchFamily="49" charset="0"/>
-              </a:rPr>
-              <a:t>genome_index</a:t>
-            </a:r>
-            <a:endParaRPr lang="en-US" b="0" dirty="0">
-              <a:solidFill>
-                <a:srgbClr val="292929"/>
-              </a:solidFill>
-              <a:effectLst/>
-              <a:latin typeface="Menlo" panose="020B0609030804020204" pitchFamily="49" charset="0"/>
-            </a:endParaRPr>
-          </a:p>
-          <a:p>
-            <a:endParaRPr lang="en-US" dirty="0"/>
-          </a:p>
-          <a:p>
-            <a:pPr marL="0" indent="0">
-              <a:buNone/>
-            </a:pPr>
-            <a:r>
-              <a:rPr lang="en-US" b="0" dirty="0">
-                <a:solidFill>
-                  <a:srgbClr val="292929"/>
-                </a:solidFill>
-                <a:effectLst/>
-                <a:latin typeface="Menlo" panose="020B0609030804020204" pitchFamily="49" charset="0"/>
-              </a:rPr>
-              <a:t>In this case, this is showing a location to a specific directory </a:t>
-            </a:r>
-          </a:p>
-          <a:p>
-            <a:pPr marL="0" indent="0">
+              <a:t>ariables can be used to store information that can be used later in the script (once or many times over)</a:t>
+            </a:r>
+          </a:p>
+          <a:p>
+            <a:pPr marL="0" indent="0" algn="ctr">
               <a:buNone/>
             </a:pPr>
             <a:endParaRPr lang="en-US" dirty="0"/>
@@ -6885,7 +6885,7 @@
     </p:spTree>
     <p:extLst>
       <p:ext uri="{BB962C8B-B14F-4D97-AF65-F5344CB8AC3E}">
-        <p14:creationId xmlns:p14="http://schemas.microsoft.com/office/powerpoint/2010/main" val="814947880"/>
+        <p14:creationId xmlns:p14="http://schemas.microsoft.com/office/powerpoint/2010/main" val="3411040989"/>
       </p:ext>
     </p:extLst>
   </p:cSld>
@@ -6917,7 +6917,7 @@
           <p:cNvPr id="2" name="Title 1">
             <a:extLst>
               <a:ext uri="{FF2B5EF4-FFF2-40B4-BE49-F238E27FC236}">
-                <a16:creationId xmlns:a16="http://schemas.microsoft.com/office/drawing/2014/main" id="{D2719EF9-1EEF-054B-9F5B-659F08268366}"/>
+                <a16:creationId xmlns:a16="http://schemas.microsoft.com/office/drawing/2014/main" id="{18BC4378-A7C3-2B4B-B078-9BEF0379CE68}"/>
               </a:ext>
             </a:extLst>
           </p:cNvPr>
@@ -6940,7 +6940,7 @@
                   <a:srgbClr val="002060"/>
                 </a:solidFill>
               </a:rPr>
-              <a:t>Curly braces {}</a:t>
+              <a:t>Example of Variable usage</a:t>
             </a:r>
           </a:p>
         </p:txBody>
@@ -6950,7 +6950,7 @@
           <p:cNvPr id="3" name="Content Placeholder 2">
             <a:extLst>
               <a:ext uri="{FF2B5EF4-FFF2-40B4-BE49-F238E27FC236}">
-                <a16:creationId xmlns:a16="http://schemas.microsoft.com/office/drawing/2014/main" id="{C7E6BDAF-1CEA-7D4D-AC77-A2116EA52C3A}"/>
+                <a16:creationId xmlns:a16="http://schemas.microsoft.com/office/drawing/2014/main" id="{14251E49-2C1B-1B44-A97F-99C3C5DBCB5C}"/>
               </a:ext>
             </a:extLst>
           </p:cNvPr>
@@ -6963,37 +6963,90 @@
         </p:nvSpPr>
         <p:spPr/>
         <p:txBody>
-          <a:bodyPr>
-            <a:normAutofit/>
-          </a:bodyPr>
-          <a:lstStyle/>
-          <a:p>
-            <a:r>
-              <a:rPr lang="en-US" sz="3600" dirty="0">
-                <a:hlinkClick r:id="rId2"/>
-              </a:rPr>
-              <a:t>https://devhints.io/bash</a:t>
-            </a:r>
-            <a:endParaRPr lang="en-US" sz="3600" dirty="0"/>
-          </a:p>
+          <a:bodyPr/>
+          <a:lstStyle/>
           <a:p>
             <a:pPr marL="0" indent="0">
               <a:buNone/>
             </a:pPr>
-            <a:endParaRPr lang="en-US" sz="3600" dirty="0"/>
-          </a:p>
-          <a:p>
-            <a:r>
-              <a:rPr lang="en-US" sz="3600" dirty="0"/>
-              <a:t>Substitutions, manipulations, etc.. So much more!</a:t>
-            </a:r>
+            <a:r>
+              <a:rPr lang="en-US" b="0" dirty="0">
+                <a:solidFill>
+                  <a:srgbClr val="292929"/>
+                </a:solidFill>
+                <a:effectLst/>
+                <a:latin typeface="Menlo" panose="020B0609030804020204" pitchFamily="49" charset="0"/>
+              </a:rPr>
+              <a:t>DBDIR=/users/p/d/</a:t>
+            </a:r>
+            <a:r>
+              <a:rPr lang="en-US" b="0" dirty="0" err="1">
+                <a:solidFill>
+                  <a:srgbClr val="292929"/>
+                </a:solidFill>
+                <a:effectLst/>
+                <a:latin typeface="Menlo" panose="020B0609030804020204" pitchFamily="49" charset="0"/>
+              </a:rPr>
+              <a:t>pdrodrig</a:t>
+            </a:r>
+            <a:r>
+              <a:rPr lang="en-US" b="0" dirty="0">
+                <a:solidFill>
+                  <a:srgbClr val="292929"/>
+                </a:solidFill>
+                <a:effectLst/>
+                <a:latin typeface="Menlo" panose="020B0609030804020204" pitchFamily="49" charset="0"/>
+              </a:rPr>
+              <a:t>/</a:t>
+            </a:r>
+            <a:r>
+              <a:rPr lang="en-US" b="0" dirty="0" err="1">
+                <a:solidFill>
+                  <a:srgbClr val="292929"/>
+                </a:solidFill>
+                <a:effectLst/>
+                <a:latin typeface="Menlo" panose="020B0609030804020204" pitchFamily="49" charset="0"/>
+              </a:rPr>
+              <a:t>genome_index</a:t>
+            </a:r>
+            <a:endParaRPr lang="en-US" b="0" dirty="0">
+              <a:solidFill>
+                <a:srgbClr val="292929"/>
+              </a:solidFill>
+              <a:effectLst/>
+              <a:latin typeface="Menlo" panose="020B0609030804020204" pitchFamily="49" charset="0"/>
+            </a:endParaRPr>
+          </a:p>
+          <a:p>
+            <a:endParaRPr lang="en-US" dirty="0"/>
+          </a:p>
+          <a:p>
+            <a:pPr marL="0" indent="0">
+              <a:buNone/>
+            </a:pPr>
+            <a:r>
+              <a:rPr lang="en-US" b="0" dirty="0">
+                <a:solidFill>
+                  <a:srgbClr val="292929"/>
+                </a:solidFill>
+                <a:effectLst/>
+                <a:latin typeface="Menlo" panose="020B0609030804020204" pitchFamily="49" charset="0"/>
+              </a:rPr>
+              <a:t>In this case, this is showing a location to a specific directory </a:t>
+            </a:r>
+          </a:p>
+          <a:p>
+            <a:pPr marL="0" indent="0">
+              <a:buNone/>
+            </a:pPr>
+            <a:endParaRPr lang="en-US" dirty="0"/>
           </a:p>
         </p:txBody>
       </p:sp>
     </p:spTree>
     <p:extLst>
       <p:ext uri="{BB962C8B-B14F-4D97-AF65-F5344CB8AC3E}">
-        <p14:creationId xmlns:p14="http://schemas.microsoft.com/office/powerpoint/2010/main" val="2306848323"/>
+        <p14:creationId xmlns:p14="http://schemas.microsoft.com/office/powerpoint/2010/main" val="814947880"/>
       </p:ext>
     </p:extLst>
   </p:cSld>
@@ -7025,6 +7078,329 @@
           <p:cNvPr id="2" name="Title 1">
             <a:extLst>
               <a:ext uri="{FF2B5EF4-FFF2-40B4-BE49-F238E27FC236}">
+                <a16:creationId xmlns:a16="http://schemas.microsoft.com/office/drawing/2014/main" id="{D2719EF9-1EEF-054B-9F5B-659F08268366}"/>
+              </a:ext>
+            </a:extLst>
+          </p:cNvPr>
+          <p:cNvSpPr>
+            <a:spLocks noGrp="1"/>
+          </p:cNvSpPr>
+          <p:nvPr>
+            <p:ph type="title"/>
+          </p:nvPr>
+        </p:nvSpPr>
+        <p:spPr/>
+        <p:txBody>
+          <a:bodyPr/>
+          <a:lstStyle/>
+          <a:p>
+            <a:pPr algn="ctr"/>
+            <a:r>
+              <a:rPr lang="en-US" b="1" dirty="0">
+                <a:solidFill>
+                  <a:srgbClr val="002060"/>
+                </a:solidFill>
+              </a:rPr>
+              <a:t>Curly braces {}</a:t>
+            </a:r>
+          </a:p>
+        </p:txBody>
+      </p:sp>
+      <p:sp>
+        <p:nvSpPr>
+          <p:cNvPr id="3" name="Content Placeholder 2">
+            <a:extLst>
+              <a:ext uri="{FF2B5EF4-FFF2-40B4-BE49-F238E27FC236}">
+                <a16:creationId xmlns:a16="http://schemas.microsoft.com/office/drawing/2014/main" id="{C7E6BDAF-1CEA-7D4D-AC77-A2116EA52C3A}"/>
+              </a:ext>
+            </a:extLst>
+          </p:cNvPr>
+          <p:cNvSpPr>
+            <a:spLocks noGrp="1"/>
+          </p:cNvSpPr>
+          <p:nvPr>
+            <p:ph idx="1"/>
+          </p:nvPr>
+        </p:nvSpPr>
+        <p:spPr/>
+        <p:txBody>
+          <a:bodyPr>
+            <a:normAutofit/>
+          </a:bodyPr>
+          <a:lstStyle/>
+          <a:p>
+            <a:r>
+              <a:rPr lang="en-US" sz="3600" dirty="0">
+                <a:hlinkClick r:id="rId2"/>
+              </a:rPr>
+              <a:t>https://devhints.io/bash</a:t>
+            </a:r>
+            <a:endParaRPr lang="en-US" sz="3600" dirty="0"/>
+          </a:p>
+          <a:p>
+            <a:pPr marL="0" indent="0">
+              <a:buNone/>
+            </a:pPr>
+            <a:endParaRPr lang="en-US" sz="3600" dirty="0"/>
+          </a:p>
+          <a:p>
+            <a:r>
+              <a:rPr lang="en-US" sz="3600" dirty="0"/>
+              <a:t>Substitutions, manipulations, etc.. So much more!</a:t>
+            </a:r>
+          </a:p>
+        </p:txBody>
+      </p:sp>
+    </p:spTree>
+    <p:extLst>
+      <p:ext uri="{BB962C8B-B14F-4D97-AF65-F5344CB8AC3E}">
+        <p14:creationId xmlns:p14="http://schemas.microsoft.com/office/powerpoint/2010/main" val="2306848323"/>
+      </p:ext>
+    </p:extLst>
+  </p:cSld>
+  <p:clrMapOvr>
+    <a:masterClrMapping/>
+  </p:clrMapOvr>
+</p:sld>
+</file>
+
+<file path=ppt/slides/slide27.xml><?xml version="1.0" encoding="utf-8"?>
+<p:sld xmlns:a="http://schemas.openxmlformats.org/drawingml/2006/main" xmlns:r="http://schemas.openxmlformats.org/officeDocument/2006/relationships" xmlns:p="http://schemas.openxmlformats.org/presentationml/2006/main">
+  <p:cSld>
+    <p:spTree>
+      <p:nvGrpSpPr>
+        <p:cNvPr id="1" name=""/>
+        <p:cNvGrpSpPr/>
+        <p:nvPr/>
+      </p:nvGrpSpPr>
+      <p:grpSpPr>
+        <a:xfrm>
+          <a:off x="0" y="0"/>
+          <a:ext cx="0" cy="0"/>
+          <a:chOff x="0" y="0"/>
+          <a:chExt cx="0" cy="0"/>
+        </a:xfrm>
+      </p:grpSpPr>
+      <p:sp>
+        <p:nvSpPr>
+          <p:cNvPr id="2" name="Title 1">
+            <a:extLst>
+              <a:ext uri="{FF2B5EF4-FFF2-40B4-BE49-F238E27FC236}">
+                <a16:creationId xmlns:a16="http://schemas.microsoft.com/office/drawing/2014/main" id="{D3D5EA0A-F1C6-9949-A8D4-AEF1C3E705E5}"/>
+              </a:ext>
+            </a:extLst>
+          </p:cNvPr>
+          <p:cNvSpPr>
+            <a:spLocks noGrp="1"/>
+          </p:cNvSpPr>
+          <p:nvPr>
+            <p:ph type="title"/>
+          </p:nvPr>
+        </p:nvSpPr>
+        <p:spPr/>
+        <p:txBody>
+          <a:bodyPr/>
+          <a:lstStyle/>
+          <a:p>
+            <a:pPr algn="ctr"/>
+            <a:r>
+              <a:rPr lang="en-US" b="1" dirty="0">
+                <a:solidFill>
+                  <a:srgbClr val="002060"/>
+                </a:solidFill>
+              </a:rPr>
+              <a:t>backslash \</a:t>
+            </a:r>
+          </a:p>
+        </p:txBody>
+      </p:sp>
+      <p:sp>
+        <p:nvSpPr>
+          <p:cNvPr id="3" name="Content Placeholder 2">
+            <a:extLst>
+              <a:ext uri="{FF2B5EF4-FFF2-40B4-BE49-F238E27FC236}">
+                <a16:creationId xmlns:a16="http://schemas.microsoft.com/office/drawing/2014/main" id="{11EE31DD-7175-8B46-A93D-7017FC767DEC}"/>
+              </a:ext>
+            </a:extLst>
+          </p:cNvPr>
+          <p:cNvSpPr>
+            <a:spLocks noGrp="1"/>
+          </p:cNvSpPr>
+          <p:nvPr>
+            <p:ph idx="1"/>
+          </p:nvPr>
+        </p:nvSpPr>
+        <p:spPr/>
+        <p:txBody>
+          <a:bodyPr>
+            <a:normAutofit/>
+          </a:bodyPr>
+          <a:lstStyle/>
+          <a:p>
+            <a:pPr marL="0" indent="0">
+              <a:buNone/>
+            </a:pPr>
+            <a:r>
+              <a:rPr lang="en-US" sz="3200" dirty="0"/>
+              <a:t>is used by </a:t>
+            </a:r>
+            <a:r>
+              <a:rPr lang="en-US" sz="3200" i="1" dirty="0"/>
+              <a:t>bash</a:t>
+            </a:r>
+            <a:r>
+              <a:rPr lang="en-US" sz="3200" dirty="0"/>
+              <a:t> to indicate a line continuation and is commonly used in </a:t>
+            </a:r>
+            <a:r>
+              <a:rPr lang="en-US" sz="3200" i="1" dirty="0"/>
+              <a:t>bash</a:t>
+            </a:r>
+            <a:r>
+              <a:rPr lang="en-US" sz="3200" dirty="0"/>
+              <a:t> scripts</a:t>
+            </a:r>
+          </a:p>
+        </p:txBody>
+      </p:sp>
+    </p:spTree>
+    <p:extLst>
+      <p:ext uri="{BB962C8B-B14F-4D97-AF65-F5344CB8AC3E}">
+        <p14:creationId xmlns:p14="http://schemas.microsoft.com/office/powerpoint/2010/main" val="1191704798"/>
+      </p:ext>
+    </p:extLst>
+  </p:cSld>
+  <p:clrMapOvr>
+    <a:masterClrMapping/>
+  </p:clrMapOvr>
+</p:sld>
+</file>
+
+<file path=ppt/slides/slide28.xml><?xml version="1.0" encoding="utf-8"?>
+<p:sld xmlns:a="http://schemas.openxmlformats.org/drawingml/2006/main" xmlns:r="http://schemas.openxmlformats.org/officeDocument/2006/relationships" xmlns:p="http://schemas.openxmlformats.org/presentationml/2006/main">
+  <p:cSld>
+    <p:spTree>
+      <p:nvGrpSpPr>
+        <p:cNvPr id="1" name=""/>
+        <p:cNvGrpSpPr/>
+        <p:nvPr/>
+      </p:nvGrpSpPr>
+      <p:grpSpPr>
+        <a:xfrm>
+          <a:off x="0" y="0"/>
+          <a:ext cx="0" cy="0"/>
+          <a:chOff x="0" y="0"/>
+          <a:chExt cx="0" cy="0"/>
+        </a:xfrm>
+      </p:grpSpPr>
+      <p:sp>
+        <p:nvSpPr>
+          <p:cNvPr id="2" name="Title 1">
+            <a:extLst>
+              <a:ext uri="{FF2B5EF4-FFF2-40B4-BE49-F238E27FC236}">
+                <a16:creationId xmlns:a16="http://schemas.microsoft.com/office/drawing/2014/main" id="{87DDDF33-4E3D-6B42-BC48-9ACB7AAFF21A}"/>
+              </a:ext>
+            </a:extLst>
+          </p:cNvPr>
+          <p:cNvSpPr>
+            <a:spLocks noGrp="1"/>
+          </p:cNvSpPr>
+          <p:nvPr>
+            <p:ph type="title"/>
+          </p:nvPr>
+        </p:nvSpPr>
+        <p:spPr/>
+        <p:txBody>
+          <a:bodyPr/>
+          <a:lstStyle/>
+          <a:p>
+            <a:pPr algn="ctr"/>
+            <a:r>
+              <a:rPr lang="en-US" b="1" dirty="0">
+                <a:solidFill>
+                  <a:srgbClr val="002060"/>
+                </a:solidFill>
+              </a:rPr>
+              <a:t>Indenting and blank lines </a:t>
+            </a:r>
+          </a:p>
+        </p:txBody>
+      </p:sp>
+      <p:sp>
+        <p:nvSpPr>
+          <p:cNvPr id="3" name="Content Placeholder 2">
+            <a:extLst>
+              <a:ext uri="{FF2B5EF4-FFF2-40B4-BE49-F238E27FC236}">
+                <a16:creationId xmlns:a16="http://schemas.microsoft.com/office/drawing/2014/main" id="{0D705643-381F-8B4E-935C-0A26C7E026CB}"/>
+              </a:ext>
+            </a:extLst>
+          </p:cNvPr>
+          <p:cNvSpPr>
+            <a:spLocks noGrp="1"/>
+          </p:cNvSpPr>
+          <p:nvPr>
+            <p:ph idx="1"/>
+          </p:nvPr>
+        </p:nvSpPr>
+        <p:spPr/>
+        <p:txBody>
+          <a:bodyPr/>
+          <a:lstStyle/>
+          <a:p>
+            <a:r>
+              <a:rPr lang="en-US" dirty="0"/>
+              <a:t>Indenting is done to clarify your code. Indentations are usually used for loops, if statements, function definitions to make it easy to see what statements are part of that loop or part of the if statement. </a:t>
+            </a:r>
+          </a:p>
+          <a:p>
+            <a:pPr marL="0" indent="0">
+              <a:buNone/>
+            </a:pPr>
+            <a:endParaRPr lang="en-US" dirty="0"/>
+          </a:p>
+          <a:p>
+            <a:r>
+              <a:rPr lang="en-US" dirty="0"/>
+              <a:t>Another trick to make your code more readable is adding blank lines to separate out blocks of related code.</a:t>
+            </a:r>
+          </a:p>
+        </p:txBody>
+      </p:sp>
+    </p:spTree>
+    <p:extLst>
+      <p:ext uri="{BB962C8B-B14F-4D97-AF65-F5344CB8AC3E}">
+        <p14:creationId xmlns:p14="http://schemas.microsoft.com/office/powerpoint/2010/main" val="2925088423"/>
+      </p:ext>
+    </p:extLst>
+  </p:cSld>
+  <p:clrMapOvr>
+    <a:masterClrMapping/>
+  </p:clrMapOvr>
+</p:sld>
+</file>
+
+<file path=ppt/slides/slide29.xml><?xml version="1.0" encoding="utf-8"?>
+<p:sld xmlns:a="http://schemas.openxmlformats.org/drawingml/2006/main" xmlns:r="http://schemas.openxmlformats.org/officeDocument/2006/relationships" xmlns:p="http://schemas.openxmlformats.org/presentationml/2006/main">
+  <p:cSld>
+    <p:spTree>
+      <p:nvGrpSpPr>
+        <p:cNvPr id="1" name=""/>
+        <p:cNvGrpSpPr/>
+        <p:nvPr/>
+      </p:nvGrpSpPr>
+      <p:grpSpPr>
+        <a:xfrm>
+          <a:off x="0" y="0"/>
+          <a:ext cx="0" cy="0"/>
+          <a:chOff x="0" y="0"/>
+          <a:chExt cx="0" cy="0"/>
+        </a:xfrm>
+      </p:grpSpPr>
+      <p:sp>
+        <p:nvSpPr>
+          <p:cNvPr id="2" name="Title 1">
+            <a:extLst>
+              <a:ext uri="{FF2B5EF4-FFF2-40B4-BE49-F238E27FC236}">
                 <a16:creationId xmlns:a16="http://schemas.microsoft.com/office/drawing/2014/main" id="{5D1A6C42-89EC-0E40-942E-B26C682B78E9}"/>
               </a:ext>
             </a:extLst>
@@ -7101,7 +7477,140 @@
 </p:sld>
 </file>
 
-<file path=ppt/slides/slide27.xml><?xml version="1.0" encoding="utf-8"?>
+<file path=ppt/slides/slide3.xml><?xml version="1.0" encoding="utf-8"?>
+<p:sld xmlns:a="http://schemas.openxmlformats.org/drawingml/2006/main" xmlns:r="http://schemas.openxmlformats.org/officeDocument/2006/relationships" xmlns:p="http://schemas.openxmlformats.org/presentationml/2006/main">
+  <p:cSld>
+    <p:spTree>
+      <p:nvGrpSpPr>
+        <p:cNvPr id="1" name=""/>
+        <p:cNvGrpSpPr/>
+        <p:nvPr/>
+      </p:nvGrpSpPr>
+      <p:grpSpPr>
+        <a:xfrm>
+          <a:off x="0" y="0"/>
+          <a:ext cx="0" cy="0"/>
+          <a:chOff x="0" y="0"/>
+          <a:chExt cx="0" cy="0"/>
+        </a:xfrm>
+      </p:grpSpPr>
+      <p:sp>
+        <p:nvSpPr>
+          <p:cNvPr id="2" name="Title 1">
+            <a:extLst>
+              <a:ext uri="{FF2B5EF4-FFF2-40B4-BE49-F238E27FC236}">
+                <a16:creationId xmlns:a16="http://schemas.microsoft.com/office/drawing/2014/main" id="{DFA7684D-08E0-7B40-9FD6-319CAA319CFB}"/>
+              </a:ext>
+            </a:extLst>
+          </p:cNvPr>
+          <p:cNvSpPr>
+            <a:spLocks noGrp="1"/>
+          </p:cNvSpPr>
+          <p:nvPr>
+            <p:ph type="title"/>
+          </p:nvPr>
+        </p:nvSpPr>
+        <p:spPr/>
+        <p:txBody>
+          <a:bodyPr>
+            <a:normAutofit/>
+          </a:bodyPr>
+          <a:lstStyle/>
+          <a:p>
+            <a:pPr algn="ctr"/>
+            <a:r>
+              <a:rPr lang="en-US" sz="4000" b="1" dirty="0">
+                <a:solidFill>
+                  <a:srgbClr val="002060"/>
+                </a:solidFill>
+              </a:rPr>
+              <a:t>Inside HISAT2_example folder </a:t>
+            </a:r>
+          </a:p>
+        </p:txBody>
+      </p:sp>
+      <p:sp>
+        <p:nvSpPr>
+          <p:cNvPr id="3" name="Content Placeholder 2">
+            <a:extLst>
+              <a:ext uri="{FF2B5EF4-FFF2-40B4-BE49-F238E27FC236}">
+                <a16:creationId xmlns:a16="http://schemas.microsoft.com/office/drawing/2014/main" id="{27B6E8F5-A677-464F-8EB0-6D7F44835A61}"/>
+              </a:ext>
+            </a:extLst>
+          </p:cNvPr>
+          <p:cNvSpPr>
+            <a:spLocks noGrp="1"/>
+          </p:cNvSpPr>
+          <p:nvPr>
+            <p:ph idx="1"/>
+          </p:nvPr>
+        </p:nvSpPr>
+        <p:spPr/>
+        <p:txBody>
+          <a:bodyPr/>
+          <a:lstStyle/>
+          <a:p>
+            <a:pPr marL="0" indent="0">
+              <a:buNone/>
+            </a:pPr>
+            <a:r>
+              <a:rPr lang="en-US" dirty="0"/>
+              <a:t>(2) FASTQ files </a:t>
+            </a:r>
+          </a:p>
+          <a:p>
+            <a:pPr marL="514350" indent="-514350">
+              <a:buAutoNum type="arabicParenBoth"/>
+            </a:pPr>
+            <a:r>
+              <a:rPr lang="en-US" dirty="0"/>
+              <a:t>Script called hisat2_align.sh</a:t>
+            </a:r>
+          </a:p>
+          <a:p>
+            <a:pPr marL="514350" indent="-514350">
+              <a:buAutoNum type="arabicParenBoth"/>
+            </a:pPr>
+            <a:endParaRPr lang="en-US" dirty="0"/>
+          </a:p>
+          <a:p>
+            <a:pPr marL="0" indent="0">
+              <a:buNone/>
+            </a:pPr>
+            <a:r>
+              <a:rPr lang="en-US" dirty="0"/>
+              <a:t>Run script: </a:t>
+            </a:r>
+          </a:p>
+          <a:p>
+            <a:pPr marL="0" indent="0">
+              <a:buNone/>
+            </a:pPr>
+            <a:r>
+              <a:rPr lang="en-US" dirty="0" err="1"/>
+              <a:t>sbatch</a:t>
+            </a:r>
+            <a:r>
+              <a:rPr lang="en-US" dirty="0"/>
+              <a:t> hisat2_align.sh </a:t>
+            </a:r>
+          </a:p>
+        </p:txBody>
+      </p:sp>
+    </p:spTree>
+    <p:extLst>
+      <p:ext uri="{BB962C8B-B14F-4D97-AF65-F5344CB8AC3E}">
+        <p14:creationId xmlns:p14="http://schemas.microsoft.com/office/powerpoint/2010/main" val="3394134718"/>
+      </p:ext>
+    </p:extLst>
+  </p:cSld>
+  <p:clrMapOvr>
+    <a:masterClrMapping/>
+  </p:clrMapOvr>
+</p:sld>
+</file>
+
+<file path=ppt/slides/slide30.xml><?xml version="1.0" encoding="utf-8"?>
 <p:sld xmlns:a="http://schemas.openxmlformats.org/drawingml/2006/main" xmlns:r="http://schemas.openxmlformats.org/officeDocument/2006/relationships" xmlns:p="http://schemas.openxmlformats.org/presentationml/2006/main">
   <p:cSld>
     <p:spTree>
@@ -7197,7 +7706,7 @@
 </p:sld>
 </file>
 
-<file path=ppt/slides/slide28.xml><?xml version="1.0" encoding="utf-8"?>
+<file path=ppt/slides/slide31.xml><?xml version="1.0" encoding="utf-8"?>
 <p:sld xmlns:a="http://schemas.openxmlformats.org/drawingml/2006/main" xmlns:r="http://schemas.openxmlformats.org/officeDocument/2006/relationships" xmlns:p="http://schemas.openxmlformats.org/presentationml/2006/main">
   <p:cSld>
     <p:spTree>
@@ -7268,7 +7777,30 @@
           <a:bodyPr/>
           <a:lstStyle/>
           <a:p>
-            <a:endParaRPr lang="en-US"/>
+            <a:r>
+              <a:rPr lang="en-US" dirty="0">
+                <a:hlinkClick r:id="rId2"/>
+              </a:rPr>
+              <a:t>http://daehwankimlab.github.io/hisat2/</a:t>
+            </a:r>
+            <a:endParaRPr lang="en-US" dirty="0"/>
+          </a:p>
+          <a:p>
+            <a:endParaRPr lang="en-US" dirty="0"/>
+          </a:p>
+          <a:p>
+            <a:r>
+              <a:rPr lang="en-US" dirty="0"/>
+              <a:t>hisat2 [options]* -x &lt;hisat2-idx&gt; {-1 &lt;m1&gt; -2 &lt;m2&gt; | -U &lt;r&gt; | --</a:t>
+            </a:r>
+            <a:r>
+              <a:rPr lang="en-US" dirty="0" err="1"/>
+              <a:t>sra</a:t>
+            </a:r>
+            <a:r>
+              <a:rPr lang="en-US" dirty="0"/>
+              <a:t>-acc &lt;SRA accession number&gt;} [-S &lt;hit&gt;] </a:t>
+            </a:r>
           </a:p>
         </p:txBody>
       </p:sp>
@@ -7285,7 +7817,7 @@
 </p:sld>
 </file>
 
-<file path=ppt/slides/slide29.xml><?xml version="1.0" encoding="utf-8"?>
+<file path=ppt/slides/slide32.xml><?xml version="1.0" encoding="utf-8"?>
 <p:sld xmlns:a="http://schemas.openxmlformats.org/drawingml/2006/main" xmlns:r="http://schemas.openxmlformats.org/officeDocument/2006/relationships" xmlns:p="http://schemas.openxmlformats.org/presentationml/2006/main">
   <p:cSld>
     <p:spTree>
@@ -7307,7 +7839,7 @@
           <p:cNvPr id="2" name="Title 1">
             <a:extLst>
               <a:ext uri="{FF2B5EF4-FFF2-40B4-BE49-F238E27FC236}">
-                <a16:creationId xmlns:a16="http://schemas.microsoft.com/office/drawing/2014/main" id="{17517C9B-F800-3943-9EF8-AA2F7756D85C}"/>
+                <a16:creationId xmlns:a16="http://schemas.microsoft.com/office/drawing/2014/main" id="{5FB8A856-9C62-234C-A119-407815508D45}"/>
               </a:ext>
             </a:extLst>
           </p:cNvPr>
@@ -7318,27 +7850,24 @@
             <p:ph type="title"/>
           </p:nvPr>
         </p:nvSpPr>
-        <p:spPr/>
+        <p:spPr>
+          <a:xfrm>
+            <a:off x="628650" y="365127"/>
+            <a:ext cx="7886700" cy="1063624"/>
+          </a:xfrm>
+        </p:spPr>
         <p:txBody>
           <a:bodyPr/>
           <a:lstStyle/>
           <a:p>
             <a:pPr algn="ctr"/>
-            <a:r>
-              <a:rPr lang="en-US" b="1" dirty="0" err="1">
-                <a:solidFill>
-                  <a:srgbClr val="002060"/>
-                </a:solidFill>
-              </a:rPr>
-              <a:t>SAMtools</a:t>
-            </a:r>
             <a:r>
               <a:rPr lang="en-US" b="1" dirty="0">
                 <a:solidFill>
                   <a:srgbClr val="002060"/>
                 </a:solidFill>
               </a:rPr>
-              <a:t> usage </a:t>
+              <a:t>HISAT2 usage </a:t>
             </a:r>
           </a:p>
         </p:txBody>
@@ -7348,7 +7877,7 @@
           <p:cNvPr id="3" name="Content Placeholder 2">
             <a:extLst>
               <a:ext uri="{FF2B5EF4-FFF2-40B4-BE49-F238E27FC236}">
-                <a16:creationId xmlns:a16="http://schemas.microsoft.com/office/drawing/2014/main" id="{5F22F6E7-AAD6-9D49-9DFB-FBA3AECC6809}"/>
+                <a16:creationId xmlns:a16="http://schemas.microsoft.com/office/drawing/2014/main" id="{8E774E7E-ABA5-1B4C-B1CA-ED7CDE6FAF8D}"/>
               </a:ext>
             </a:extLst>
           </p:cNvPr>
@@ -7359,19 +7888,149 @@
             <p:ph idx="1"/>
           </p:nvPr>
         </p:nvSpPr>
-        <p:spPr/>
-        <p:txBody>
-          <a:bodyPr/>
-          <a:lstStyle/>
-          <a:p>
-            <a:endParaRPr lang="en-US"/>
+        <p:spPr>
+          <a:xfrm>
+            <a:off x="628650" y="1690689"/>
+            <a:ext cx="7886700" cy="5167311"/>
+          </a:xfrm>
+        </p:spPr>
+        <p:txBody>
+          <a:bodyPr>
+            <a:normAutofit fontScale="77500" lnSpcReduction="20000"/>
+          </a:bodyPr>
+          <a:lstStyle/>
+          <a:p>
+            <a:pPr>
+              <a:buFont typeface="Arial" panose="020B0604020202020204" pitchFamily="34" charset="0"/>
+              <a:buChar char="•"/>
+            </a:pPr>
+            <a:r>
+              <a:rPr lang="en-US" dirty="0"/>
+              <a:t>-x &lt;hisat2-idx&gt;</a:t>
+            </a:r>
+            <a:br>
+              <a:rPr lang="en-US" dirty="0"/>
+            </a:br>
+            <a:r>
+              <a:rPr lang="en-US" dirty="0"/>
+              <a:t>The </a:t>
+            </a:r>
+            <a:r>
+              <a:rPr lang="en-US" dirty="0" err="1"/>
+              <a:t>basename</a:t>
+            </a:r>
+            <a:r>
+              <a:rPr lang="en-US" dirty="0"/>
+              <a:t> of the index for the reference genome. The </a:t>
+            </a:r>
+            <a:r>
+              <a:rPr lang="en-US" dirty="0" err="1"/>
+              <a:t>basename</a:t>
+            </a:r>
+            <a:r>
+              <a:rPr lang="en-US" dirty="0"/>
+              <a:t> is the name of any of the index files up to but not including the final .1.ht2 / etc. hisat2 looks for the specified index first in the current directory, then in the directory specified in the HISAT2_INDEXES environment variable.</a:t>
+            </a:r>
+          </a:p>
+          <a:p>
+            <a:pPr>
+              <a:buFont typeface="Arial" panose="020B0604020202020204" pitchFamily="34" charset="0"/>
+              <a:buChar char="•"/>
+            </a:pPr>
+            <a:r>
+              <a:rPr lang="en-US" dirty="0">
+                <a:solidFill>
+                  <a:srgbClr val="0070C0"/>
+                </a:solidFill>
+              </a:rPr>
+              <a:t>-1 &lt;m1&gt;</a:t>
+            </a:r>
+            <a:br>
+              <a:rPr lang="en-US" dirty="0">
+                <a:solidFill>
+                  <a:srgbClr val="0070C0"/>
+                </a:solidFill>
+              </a:rPr>
+            </a:br>
+            <a:r>
+              <a:rPr lang="en-US" dirty="0">
+                <a:solidFill>
+                  <a:srgbClr val="0070C0"/>
+                </a:solidFill>
+              </a:rPr>
+              <a:t>Comma-separated list of files containing mate 1s (filename usually includes _1), e.g. -1 flyA_1.fq,flyB_1.fq. Sequences specified with this option must correspond file-for-file and read-for-read with those specified in &lt;m2&gt;. Reads may be a mix of different lengths. If - is specified, hisat2 will read the mate 1s from the “standard in” or “stdin” </a:t>
+            </a:r>
+            <a:r>
+              <a:rPr lang="en-US" dirty="0" err="1">
+                <a:solidFill>
+                  <a:srgbClr val="0070C0"/>
+                </a:solidFill>
+              </a:rPr>
+              <a:t>filehandle</a:t>
+            </a:r>
+            <a:r>
+              <a:rPr lang="en-US" dirty="0">
+                <a:solidFill>
+                  <a:srgbClr val="0070C0"/>
+                </a:solidFill>
+              </a:rPr>
+              <a:t>.</a:t>
+            </a:r>
+          </a:p>
+          <a:p>
+            <a:pPr>
+              <a:buFont typeface="Arial" panose="020B0604020202020204" pitchFamily="34" charset="0"/>
+              <a:buChar char="•"/>
+            </a:pPr>
+            <a:r>
+              <a:rPr lang="en-US" dirty="0">
+                <a:solidFill>
+                  <a:srgbClr val="0070C0"/>
+                </a:solidFill>
+              </a:rPr>
+              <a:t>-2 &lt;m2&gt;</a:t>
+            </a:r>
+            <a:br>
+              <a:rPr lang="en-US" dirty="0">
+                <a:solidFill>
+                  <a:srgbClr val="0070C0"/>
+                </a:solidFill>
+              </a:rPr>
+            </a:br>
+            <a:r>
+              <a:rPr lang="en-US" dirty="0">
+                <a:solidFill>
+                  <a:srgbClr val="0070C0"/>
+                </a:solidFill>
+              </a:rPr>
+              <a:t>Comma-separated list of files containing mate 2s (filename usually includes _2), e.g. -2 flyA_2.fq,flyB_2.fq. Sequences specified with this option must correspond file-for-file and read-for-read with those specified in &lt;m1&gt;. Reads may be a mix of different lengths. If - is specified, hisat2 will read the mate 2s from the “standard in” or “stdin” </a:t>
+            </a:r>
+            <a:r>
+              <a:rPr lang="en-US" dirty="0" err="1">
+                <a:solidFill>
+                  <a:srgbClr val="0070C0"/>
+                </a:solidFill>
+              </a:rPr>
+              <a:t>filehandle</a:t>
+            </a:r>
+            <a:r>
+              <a:rPr lang="en-US" dirty="0">
+                <a:solidFill>
+                  <a:srgbClr val="0070C0"/>
+                </a:solidFill>
+              </a:rPr>
+              <a:t>.</a:t>
+            </a:r>
+          </a:p>
+          <a:p>
+            <a:endParaRPr lang="en-US" dirty="0"/>
           </a:p>
         </p:txBody>
       </p:sp>
     </p:spTree>
     <p:extLst>
       <p:ext uri="{BB962C8B-B14F-4D97-AF65-F5344CB8AC3E}">
-        <p14:creationId xmlns:p14="http://schemas.microsoft.com/office/powerpoint/2010/main" val="3849047622"/>
+        <p14:creationId xmlns:p14="http://schemas.microsoft.com/office/powerpoint/2010/main" val="326098348"/>
       </p:ext>
     </p:extLst>
   </p:cSld>
@@ -7381,7 +8040,7 @@
 </p:sld>
 </file>
 
-<file path=ppt/slides/slide3.xml><?xml version="1.0" encoding="utf-8"?>
+<file path=ppt/slides/slide33.xml><?xml version="1.0" encoding="utf-8"?>
 <p:sld xmlns:a="http://schemas.openxmlformats.org/drawingml/2006/main" xmlns:r="http://schemas.openxmlformats.org/officeDocument/2006/relationships" xmlns:p="http://schemas.openxmlformats.org/presentationml/2006/main">
   <p:cSld>
     <p:spTree>
@@ -7403,7 +8062,7 @@
           <p:cNvPr id="2" name="Title 1">
             <a:extLst>
               <a:ext uri="{FF2B5EF4-FFF2-40B4-BE49-F238E27FC236}">
-                <a16:creationId xmlns:a16="http://schemas.microsoft.com/office/drawing/2014/main" id="{DFA7684D-08E0-7B40-9FD6-319CAA319CFB}"/>
+                <a16:creationId xmlns:a16="http://schemas.microsoft.com/office/drawing/2014/main" id="{5FB8A856-9C62-234C-A119-407815508D45}"/>
               </a:ext>
             </a:extLst>
           </p:cNvPr>
@@ -7416,19 +8075,17 @@
         </p:nvSpPr>
         <p:spPr/>
         <p:txBody>
-          <a:bodyPr>
-            <a:normAutofit/>
-          </a:bodyPr>
+          <a:bodyPr/>
           <a:lstStyle/>
           <a:p>
             <a:pPr algn="ctr"/>
             <a:r>
-              <a:rPr lang="en-US" sz="4000" b="1" dirty="0">
+              <a:rPr lang="en-US" b="1" dirty="0">
                 <a:solidFill>
                   <a:srgbClr val="002060"/>
                 </a:solidFill>
               </a:rPr>
-              <a:t>Inside HISAT2_example folder </a:t>
+              <a:t>HISAT2 usage </a:t>
             </a:r>
           </a:p>
         </p:txBody>
@@ -7438,7 +8095,7 @@
           <p:cNvPr id="3" name="Content Placeholder 2">
             <a:extLst>
               <a:ext uri="{FF2B5EF4-FFF2-40B4-BE49-F238E27FC236}">
-                <a16:creationId xmlns:a16="http://schemas.microsoft.com/office/drawing/2014/main" id="{27B6E8F5-A677-464F-8EB0-6D7F44835A61}"/>
+                <a16:creationId xmlns:a16="http://schemas.microsoft.com/office/drawing/2014/main" id="{8E774E7E-ABA5-1B4C-B1CA-ED7CDE6FAF8D}"/>
               </a:ext>
             </a:extLst>
           </p:cNvPr>
@@ -7449,54 +8106,713 @@
             <p:ph idx="1"/>
           </p:nvPr>
         </p:nvSpPr>
+        <p:spPr>
+          <a:xfrm>
+            <a:off x="628650" y="1825624"/>
+            <a:ext cx="7886700" cy="5032376"/>
+          </a:xfrm>
+        </p:spPr>
+        <p:txBody>
+          <a:bodyPr>
+            <a:normAutofit/>
+          </a:bodyPr>
+          <a:lstStyle/>
+          <a:p>
+            <a:pPr>
+              <a:buFont typeface="Arial" panose="020B0604020202020204" pitchFamily="34" charset="0"/>
+              <a:buChar char="•"/>
+            </a:pPr>
+            <a:r>
+              <a:rPr lang="en-US" dirty="0">
+                <a:solidFill>
+                  <a:srgbClr val="0070C0"/>
+                </a:solidFill>
+              </a:rPr>
+              <a:t>-U &lt;r&gt;</a:t>
+            </a:r>
+            <a:br>
+              <a:rPr lang="en-US" dirty="0">
+                <a:solidFill>
+                  <a:srgbClr val="0070C0"/>
+                </a:solidFill>
+              </a:rPr>
+            </a:br>
+            <a:r>
+              <a:rPr lang="en-US" dirty="0">
+                <a:solidFill>
+                  <a:srgbClr val="0070C0"/>
+                </a:solidFill>
+              </a:rPr>
+              <a:t>Comma-separated list of files containing unpaired reads to be aligned, e.g. lane1.fq,lane2.fq,lane3.fq,lane4.fq. Reads may be a mix of different lengths. If - is specified, hisat2 gets the reads from the “standard in” or “stdin” </a:t>
+            </a:r>
+            <a:r>
+              <a:rPr lang="en-US" dirty="0" err="1">
+                <a:solidFill>
+                  <a:srgbClr val="0070C0"/>
+                </a:solidFill>
+              </a:rPr>
+              <a:t>filehandle</a:t>
+            </a:r>
+            <a:r>
+              <a:rPr lang="en-US" dirty="0">
+                <a:solidFill>
+                  <a:srgbClr val="0070C0"/>
+                </a:solidFill>
+              </a:rPr>
+              <a:t>.</a:t>
+            </a:r>
+          </a:p>
+          <a:p>
+            <a:pPr>
+              <a:buFont typeface="Arial" panose="020B0604020202020204" pitchFamily="34" charset="0"/>
+              <a:buChar char="•"/>
+            </a:pPr>
+            <a:r>
+              <a:rPr lang="en-US" dirty="0"/>
+              <a:t>-S &lt;hit&gt;</a:t>
+            </a:r>
+            <a:br>
+              <a:rPr lang="en-US" dirty="0"/>
+            </a:br>
+            <a:r>
+              <a:rPr lang="en-US" dirty="0"/>
+              <a:t>File to write SAM alignments to. By default, alignments are written to the “standard out” or “</a:t>
+            </a:r>
+            <a:r>
+              <a:rPr lang="en-US" dirty="0" err="1"/>
+              <a:t>stdout</a:t>
+            </a:r>
+            <a:r>
+              <a:rPr lang="en-US" dirty="0"/>
+              <a:t>” </a:t>
+            </a:r>
+            <a:r>
+              <a:rPr lang="en-US" dirty="0" err="1"/>
+              <a:t>filehandle</a:t>
+            </a:r>
+            <a:r>
+              <a:rPr lang="en-US" dirty="0"/>
+              <a:t> (i.e. the console).</a:t>
+            </a:r>
+          </a:p>
+          <a:p>
+            <a:endParaRPr lang="en-US" dirty="0"/>
+          </a:p>
+        </p:txBody>
+      </p:sp>
+    </p:spTree>
+    <p:extLst>
+      <p:ext uri="{BB962C8B-B14F-4D97-AF65-F5344CB8AC3E}">
+        <p14:creationId xmlns:p14="http://schemas.microsoft.com/office/powerpoint/2010/main" val="3765810103"/>
+      </p:ext>
+    </p:extLst>
+  </p:cSld>
+  <p:clrMapOvr>
+    <a:masterClrMapping/>
+  </p:clrMapOvr>
+</p:sld>
+</file>
+
+<file path=ppt/slides/slide34.xml><?xml version="1.0" encoding="utf-8"?>
+<p:sld xmlns:a="http://schemas.openxmlformats.org/drawingml/2006/main" xmlns:r="http://schemas.openxmlformats.org/officeDocument/2006/relationships" xmlns:p="http://schemas.openxmlformats.org/presentationml/2006/main">
+  <p:cSld>
+    <p:spTree>
+      <p:nvGrpSpPr>
+        <p:cNvPr id="1" name=""/>
+        <p:cNvGrpSpPr/>
+        <p:nvPr/>
+      </p:nvGrpSpPr>
+      <p:grpSpPr>
+        <a:xfrm>
+          <a:off x="0" y="0"/>
+          <a:ext cx="0" cy="0"/>
+          <a:chOff x="0" y="0"/>
+          <a:chExt cx="0" cy="0"/>
+        </a:xfrm>
+      </p:grpSpPr>
+      <p:sp>
+        <p:nvSpPr>
+          <p:cNvPr id="2" name="Title 1">
+            <a:extLst>
+              <a:ext uri="{FF2B5EF4-FFF2-40B4-BE49-F238E27FC236}">
+                <a16:creationId xmlns:a16="http://schemas.microsoft.com/office/drawing/2014/main" id="{9ECCF092-9210-F24D-B616-E38B90F40CDD}"/>
+              </a:ext>
+            </a:extLst>
+          </p:cNvPr>
+          <p:cNvSpPr>
+            <a:spLocks noGrp="1"/>
+          </p:cNvSpPr>
+          <p:nvPr>
+            <p:ph type="title"/>
+          </p:nvPr>
+        </p:nvSpPr>
         <p:spPr/>
         <p:txBody>
           <a:bodyPr/>
           <a:lstStyle/>
+          <a:p>
+            <a:endParaRPr lang="en-US"/>
+          </a:p>
+        </p:txBody>
+      </p:sp>
+      <p:sp>
+        <p:nvSpPr>
+          <p:cNvPr id="3" name="Content Placeholder 2">
+            <a:extLst>
+              <a:ext uri="{FF2B5EF4-FFF2-40B4-BE49-F238E27FC236}">
+                <a16:creationId xmlns:a16="http://schemas.microsoft.com/office/drawing/2014/main" id="{39BE1482-5A8F-154E-A05D-014F9D183D4C}"/>
+              </a:ext>
+            </a:extLst>
+          </p:cNvPr>
+          <p:cNvSpPr>
+            <a:spLocks noGrp="1"/>
+          </p:cNvSpPr>
+          <p:nvPr>
+            <p:ph idx="1"/>
+          </p:nvPr>
+        </p:nvSpPr>
+        <p:spPr/>
+        <p:txBody>
+          <a:bodyPr/>
+          <a:lstStyle/>
+          <a:p>
+            <a:endParaRPr lang="en-US"/>
+          </a:p>
+        </p:txBody>
+      </p:sp>
+      <p:pic>
+        <p:nvPicPr>
+          <p:cNvPr id="4" name="Picture 3">
+            <a:extLst>
+              <a:ext uri="{FF2B5EF4-FFF2-40B4-BE49-F238E27FC236}">
+                <a16:creationId xmlns:a16="http://schemas.microsoft.com/office/drawing/2014/main" id="{F6132B6C-4336-C842-84D1-2B95C030585F}"/>
+              </a:ext>
+            </a:extLst>
+          </p:cNvPr>
+          <p:cNvPicPr>
+            <a:picLocks noChangeAspect="1"/>
+          </p:cNvPicPr>
+          <p:nvPr/>
+        </p:nvPicPr>
+        <p:blipFill>
+          <a:blip r:embed="rId2"/>
+          <a:stretch>
+            <a:fillRect/>
+          </a:stretch>
+        </p:blipFill>
+        <p:spPr>
+          <a:xfrm>
+            <a:off x="0" y="38100"/>
+            <a:ext cx="9144000" cy="6781800"/>
+          </a:xfrm>
+          <a:prstGeom prst="rect">
+            <a:avLst/>
+          </a:prstGeom>
+        </p:spPr>
+      </p:pic>
+    </p:spTree>
+    <p:extLst>
+      <p:ext uri="{BB962C8B-B14F-4D97-AF65-F5344CB8AC3E}">
+        <p14:creationId xmlns:p14="http://schemas.microsoft.com/office/powerpoint/2010/main" val="1410982063"/>
+      </p:ext>
+    </p:extLst>
+  </p:cSld>
+  <p:clrMapOvr>
+    <a:masterClrMapping/>
+  </p:clrMapOvr>
+</p:sld>
+</file>
+
+<file path=ppt/slides/slide35.xml><?xml version="1.0" encoding="utf-8"?>
+<p:sld xmlns:a="http://schemas.openxmlformats.org/drawingml/2006/main" xmlns:r="http://schemas.openxmlformats.org/officeDocument/2006/relationships" xmlns:p="http://schemas.openxmlformats.org/presentationml/2006/main">
+  <p:cSld>
+    <p:spTree>
+      <p:nvGrpSpPr>
+        <p:cNvPr id="1" name=""/>
+        <p:cNvGrpSpPr/>
+        <p:nvPr/>
+      </p:nvGrpSpPr>
+      <p:grpSpPr>
+        <a:xfrm>
+          <a:off x="0" y="0"/>
+          <a:ext cx="0" cy="0"/>
+          <a:chOff x="0" y="0"/>
+          <a:chExt cx="0" cy="0"/>
+        </a:xfrm>
+      </p:grpSpPr>
+      <p:sp>
+        <p:nvSpPr>
+          <p:cNvPr id="2" name="Title 1">
+            <a:extLst>
+              <a:ext uri="{FF2B5EF4-FFF2-40B4-BE49-F238E27FC236}">
+                <a16:creationId xmlns:a16="http://schemas.microsoft.com/office/drawing/2014/main" id="{17517C9B-F800-3943-9EF8-AA2F7756D85C}"/>
+              </a:ext>
+            </a:extLst>
+          </p:cNvPr>
+          <p:cNvSpPr>
+            <a:spLocks noGrp="1"/>
+          </p:cNvSpPr>
+          <p:nvPr>
+            <p:ph type="title"/>
+          </p:nvPr>
+        </p:nvSpPr>
+        <p:spPr/>
+        <p:txBody>
+          <a:bodyPr/>
+          <a:lstStyle/>
+          <a:p>
+            <a:pPr algn="ctr"/>
+            <a:r>
+              <a:rPr lang="en-US" b="1" dirty="0" err="1">
+                <a:solidFill>
+                  <a:srgbClr val="002060"/>
+                </a:solidFill>
+              </a:rPr>
+              <a:t>SAMtools</a:t>
+            </a:r>
+            <a:r>
+              <a:rPr lang="en-US" b="1" dirty="0">
+                <a:solidFill>
+                  <a:srgbClr val="002060"/>
+                </a:solidFill>
+              </a:rPr>
+              <a:t> usage </a:t>
+            </a:r>
+          </a:p>
+        </p:txBody>
+      </p:sp>
+      <p:sp>
+        <p:nvSpPr>
+          <p:cNvPr id="3" name="Content Placeholder 2">
+            <a:extLst>
+              <a:ext uri="{FF2B5EF4-FFF2-40B4-BE49-F238E27FC236}">
+                <a16:creationId xmlns:a16="http://schemas.microsoft.com/office/drawing/2014/main" id="{5F22F6E7-AAD6-9D49-9DFB-FBA3AECC6809}"/>
+              </a:ext>
+            </a:extLst>
+          </p:cNvPr>
+          <p:cNvSpPr>
+            <a:spLocks noGrp="1"/>
+          </p:cNvSpPr>
+          <p:nvPr>
+            <p:ph idx="1"/>
+          </p:nvPr>
+        </p:nvSpPr>
+        <p:spPr>
+          <a:xfrm>
+            <a:off x="628650" y="1825625"/>
+            <a:ext cx="7886700" cy="4903788"/>
+          </a:xfrm>
+        </p:spPr>
+        <p:txBody>
+          <a:bodyPr>
+            <a:normAutofit lnSpcReduction="10000"/>
+          </a:bodyPr>
+          <a:lstStyle/>
+          <a:p>
+            <a:r>
+              <a:rPr lang="en-US" dirty="0">
+                <a:hlinkClick r:id="rId2"/>
+              </a:rPr>
+              <a:t>http://www.htslib.org/doc/samtools.html</a:t>
+            </a:r>
+            <a:endParaRPr lang="en-US" dirty="0"/>
+          </a:p>
+          <a:p>
+            <a:endParaRPr lang="en-US" dirty="0"/>
+          </a:p>
           <a:p>
             <a:pPr marL="0" indent="0">
               <a:buNone/>
             </a:pPr>
             <a:r>
-              <a:rPr lang="en-US" dirty="0"/>
-              <a:t>(2) FASTQ files </a:t>
-            </a:r>
-          </a:p>
-          <a:p>
-            <a:pPr marL="514350" indent="-514350">
-              <a:buAutoNum type="arabicParenBoth"/>
-            </a:pPr>
-            <a:r>
-              <a:rPr lang="en-US" dirty="0"/>
-              <a:t>Script called hisat2_align.sh</a:t>
-            </a:r>
-          </a:p>
-          <a:p>
-            <a:pPr marL="514350" indent="-514350">
-              <a:buAutoNum type="arabicParenBoth"/>
-            </a:pPr>
-            <a:endParaRPr lang="en-US" dirty="0"/>
+              <a:rPr lang="en-US" sz="2400" b="1" dirty="0" err="1"/>
+              <a:t>samtools</a:t>
+            </a:r>
+            <a:r>
+              <a:rPr lang="en-US" sz="2400" b="1" dirty="0"/>
+              <a:t> view</a:t>
+            </a:r>
+            <a:r>
+              <a:rPr lang="en-US" sz="2400" dirty="0"/>
+              <a:t> [</a:t>
+            </a:r>
+            <a:r>
+              <a:rPr lang="en-US" sz="2400" i="1" dirty="0"/>
+              <a:t>options</a:t>
+            </a:r>
+            <a:r>
+              <a:rPr lang="en-US" sz="2400" dirty="0"/>
+              <a:t>] </a:t>
+            </a:r>
+            <a:r>
+              <a:rPr lang="en-US" sz="2400" i="1" dirty="0" err="1"/>
+              <a:t>in.sam</a:t>
+            </a:r>
+            <a:r>
+              <a:rPr lang="en-US" sz="2400" dirty="0" err="1"/>
+              <a:t>|</a:t>
+            </a:r>
+            <a:r>
+              <a:rPr lang="en-US" sz="2400" i="1" dirty="0" err="1"/>
+              <a:t>in.bam</a:t>
+            </a:r>
+            <a:r>
+              <a:rPr lang="en-US" sz="2400" dirty="0" err="1"/>
+              <a:t>|</a:t>
+            </a:r>
+            <a:r>
+              <a:rPr lang="en-US" sz="2400" i="1" dirty="0" err="1"/>
+              <a:t>in.cram</a:t>
+            </a:r>
+            <a:r>
+              <a:rPr lang="en-US" sz="2400" dirty="0"/>
+              <a:t> [</a:t>
+            </a:r>
+            <a:r>
+              <a:rPr lang="en-US" sz="2400" i="1" dirty="0"/>
+              <a:t>region</a:t>
+            </a:r>
+            <a:r>
+              <a:rPr lang="en-US" sz="2400" dirty="0"/>
+              <a:t>...]</a:t>
+            </a:r>
           </a:p>
           <a:p>
             <a:pPr marL="0" indent="0">
               <a:buNone/>
             </a:pPr>
-            <a:r>
-              <a:rPr lang="en-US" dirty="0"/>
-              <a:t>Run script: </a:t>
-            </a:r>
+            <a:endParaRPr lang="en-US" sz="2400" dirty="0"/>
           </a:p>
           <a:p>
             <a:pPr marL="0" indent="0">
               <a:buNone/>
             </a:pPr>
             <a:r>
-              <a:rPr lang="en-US" dirty="0" err="1"/>
-              <a:t>sbatch</a:t>
-            </a:r>
-            <a:r>
-              <a:rPr lang="en-US" dirty="0"/>
-              <a:t> hisat2_align.sh </a:t>
+              <a:rPr lang="en-US" sz="2400" b="1" dirty="0" err="1"/>
+              <a:t>samtools</a:t>
+            </a:r>
+            <a:r>
+              <a:rPr lang="en-US" sz="2400" dirty="0"/>
+              <a:t> </a:t>
+            </a:r>
+            <a:r>
+              <a:rPr lang="en-US" sz="2400" dirty="0">
+                <a:hlinkClick r:id="rId3"/>
+              </a:rPr>
+              <a:t>flagstat</a:t>
+            </a:r>
+            <a:r>
+              <a:rPr lang="en-US" sz="2400" dirty="0"/>
+              <a:t> </a:t>
+            </a:r>
+            <a:r>
+              <a:rPr lang="en-US" sz="2400" i="1" dirty="0" err="1"/>
+              <a:t>in.sam</a:t>
+            </a:r>
+            <a:r>
+              <a:rPr lang="en-US" sz="2400" dirty="0" err="1"/>
+              <a:t>|</a:t>
+            </a:r>
+            <a:r>
+              <a:rPr lang="en-US" sz="2400" i="1" dirty="0" err="1"/>
+              <a:t>in.bam</a:t>
+            </a:r>
+            <a:r>
+              <a:rPr lang="en-US" sz="2400" dirty="0" err="1"/>
+              <a:t>|</a:t>
+            </a:r>
+            <a:r>
+              <a:rPr lang="en-US" sz="2400" i="1" dirty="0" err="1"/>
+              <a:t>in.cram</a:t>
+            </a:r>
+            <a:endParaRPr lang="en-US" sz="2400" i="1" dirty="0"/>
+          </a:p>
+          <a:p>
+            <a:pPr marL="0" indent="0">
+              <a:buNone/>
+            </a:pPr>
+            <a:endParaRPr lang="en-US" sz="2400" i="1" dirty="0"/>
+          </a:p>
+          <a:p>
+            <a:pPr marL="0" indent="0">
+              <a:buNone/>
+            </a:pPr>
+            <a:r>
+              <a:rPr lang="en-US" sz="2400" dirty="0" err="1"/>
+              <a:t>samtools</a:t>
+            </a:r>
+            <a:r>
+              <a:rPr lang="en-US" sz="2400" dirty="0"/>
+              <a:t> </a:t>
+            </a:r>
+            <a:r>
+              <a:rPr lang="en-US" sz="2400" dirty="0">
+                <a:hlinkClick r:id="rId4"/>
+              </a:rPr>
+              <a:t>sort</a:t>
+            </a:r>
+            <a:r>
+              <a:rPr lang="en-US" sz="2400" dirty="0"/>
+              <a:t> [</a:t>
+            </a:r>
+            <a:r>
+              <a:rPr lang="en-US" sz="2400" b="1" dirty="0"/>
+              <a:t>-l</a:t>
+            </a:r>
+            <a:r>
+              <a:rPr lang="en-US" sz="2400" dirty="0"/>
+              <a:t> </a:t>
+            </a:r>
+            <a:r>
+              <a:rPr lang="en-US" sz="2400" i="1" dirty="0"/>
+              <a:t>level</a:t>
+            </a:r>
+            <a:r>
+              <a:rPr lang="en-US" sz="2400" dirty="0"/>
+              <a:t>] [</a:t>
+            </a:r>
+            <a:r>
+              <a:rPr lang="en-US" sz="2400" b="1" dirty="0"/>
+              <a:t>-u</a:t>
+            </a:r>
+            <a:r>
+              <a:rPr lang="en-US" sz="2400" dirty="0"/>
+              <a:t>] [</a:t>
+            </a:r>
+            <a:r>
+              <a:rPr lang="en-US" sz="2400" b="1" dirty="0"/>
+              <a:t>-m</a:t>
+            </a:r>
+            <a:r>
+              <a:rPr lang="en-US" sz="2400" dirty="0"/>
+              <a:t> </a:t>
+            </a:r>
+            <a:r>
+              <a:rPr lang="en-US" sz="2400" i="1" dirty="0" err="1"/>
+              <a:t>maxMem</a:t>
+            </a:r>
+            <a:r>
+              <a:rPr lang="en-US" sz="2400" dirty="0"/>
+              <a:t>] [</a:t>
+            </a:r>
+            <a:r>
+              <a:rPr lang="en-US" sz="2400" b="1" dirty="0"/>
+              <a:t>-o</a:t>
+            </a:r>
+            <a:r>
+              <a:rPr lang="en-US" sz="2400" dirty="0"/>
+              <a:t> </a:t>
+            </a:r>
+            <a:r>
+              <a:rPr lang="en-US" sz="2400" i="1" dirty="0" err="1"/>
+              <a:t>out.bam</a:t>
+            </a:r>
+            <a:r>
+              <a:rPr lang="en-US" sz="2400" dirty="0"/>
+              <a:t>] [</a:t>
+            </a:r>
+            <a:r>
+              <a:rPr lang="en-US" sz="2400" b="1" dirty="0"/>
+              <a:t>-O</a:t>
+            </a:r>
+            <a:r>
+              <a:rPr lang="en-US" sz="2400" dirty="0"/>
+              <a:t> </a:t>
+            </a:r>
+            <a:r>
+              <a:rPr lang="en-US" sz="2400" i="1" dirty="0"/>
+              <a:t>format</a:t>
+            </a:r>
+            <a:r>
+              <a:rPr lang="en-US" sz="2400" dirty="0"/>
+              <a:t>] [</a:t>
+            </a:r>
+            <a:r>
+              <a:rPr lang="en-US" sz="2400" b="1" dirty="0"/>
+              <a:t>-M</a:t>
+            </a:r>
+            <a:r>
+              <a:rPr lang="en-US" sz="2400" dirty="0"/>
+              <a:t>] [</a:t>
+            </a:r>
+            <a:r>
+              <a:rPr lang="en-US" sz="2400" b="1" dirty="0"/>
+              <a:t>-K</a:t>
+            </a:r>
+            <a:r>
+              <a:rPr lang="en-US" sz="2400" dirty="0"/>
+              <a:t> </a:t>
+            </a:r>
+            <a:r>
+              <a:rPr lang="en-US" sz="2400" i="1" dirty="0" err="1"/>
+              <a:t>kmerLen</a:t>
+            </a:r>
+            <a:r>
+              <a:rPr lang="en-US" sz="2400" dirty="0"/>
+              <a:t>] [</a:t>
+            </a:r>
+            <a:r>
+              <a:rPr lang="en-US" sz="2400" b="1" dirty="0"/>
+              <a:t>-n</a:t>
+            </a:r>
+            <a:r>
+              <a:rPr lang="en-US" sz="2400" dirty="0"/>
+              <a:t>] [</a:t>
+            </a:r>
+            <a:r>
+              <a:rPr lang="en-US" sz="2400" b="1" dirty="0"/>
+              <a:t>-t</a:t>
+            </a:r>
+            <a:r>
+              <a:rPr lang="en-US" sz="2400" dirty="0"/>
+              <a:t> </a:t>
+            </a:r>
+            <a:r>
+              <a:rPr lang="en-US" sz="2400" i="1" dirty="0"/>
+              <a:t>tag</a:t>
+            </a:r>
+            <a:r>
+              <a:rPr lang="en-US" sz="2400" dirty="0"/>
+              <a:t>] [</a:t>
+            </a:r>
+            <a:r>
+              <a:rPr lang="en-US" sz="2400" b="1" dirty="0"/>
+              <a:t>-T</a:t>
+            </a:r>
+            <a:r>
+              <a:rPr lang="en-US" sz="2400" dirty="0"/>
+              <a:t> </a:t>
+            </a:r>
+            <a:r>
+              <a:rPr lang="en-US" sz="2400" i="1" dirty="0" err="1"/>
+              <a:t>tmpprefix</a:t>
+            </a:r>
+            <a:r>
+              <a:rPr lang="en-US" sz="2400" dirty="0"/>
+              <a:t>] [</a:t>
+            </a:r>
+            <a:r>
+              <a:rPr lang="en-US" sz="2400" b="1" dirty="0"/>
+              <a:t>-@</a:t>
+            </a:r>
+            <a:r>
+              <a:rPr lang="en-US" sz="2400" dirty="0"/>
+              <a:t> </a:t>
+            </a:r>
+            <a:r>
+              <a:rPr lang="en-US" sz="2400" i="1" dirty="0"/>
+              <a:t>threads</a:t>
+            </a:r>
+            <a:r>
+              <a:rPr lang="en-US" sz="2400" dirty="0"/>
+              <a:t>] [</a:t>
+            </a:r>
+            <a:r>
+              <a:rPr lang="en-US" sz="2400" i="1" dirty="0" err="1"/>
+              <a:t>in.sam</a:t>
+            </a:r>
+            <a:r>
+              <a:rPr lang="en-US" sz="2400" dirty="0" err="1"/>
+              <a:t>|</a:t>
+            </a:r>
+            <a:r>
+              <a:rPr lang="en-US" sz="2400" i="1" dirty="0" err="1"/>
+              <a:t>in.bam</a:t>
+            </a:r>
+            <a:r>
+              <a:rPr lang="en-US" sz="2400" dirty="0" err="1"/>
+              <a:t>|</a:t>
+            </a:r>
+            <a:r>
+              <a:rPr lang="en-US" sz="2400" i="1" dirty="0" err="1"/>
+              <a:t>in.cram</a:t>
+            </a:r>
+            <a:r>
+              <a:rPr lang="en-US" sz="2400" dirty="0"/>
+              <a:t>]</a:t>
+            </a:r>
+          </a:p>
+          <a:p>
+            <a:pPr marL="0" indent="0">
+              <a:buNone/>
+            </a:pPr>
+            <a:endParaRPr lang="en-US" dirty="0"/>
+          </a:p>
+          <a:p>
+            <a:pPr marL="0" indent="0">
+              <a:buNone/>
+            </a:pPr>
+            <a:r>
+              <a:rPr lang="en-US" sz="2400" b="1" dirty="0" err="1"/>
+              <a:t>samtools</a:t>
+            </a:r>
+            <a:r>
+              <a:rPr lang="en-US" sz="2400" b="1" dirty="0"/>
+              <a:t> index</a:t>
+            </a:r>
+            <a:r>
+              <a:rPr lang="en-US" sz="2400" dirty="0"/>
+              <a:t> [</a:t>
+            </a:r>
+            <a:r>
+              <a:rPr lang="en-US" sz="2400" b="1" dirty="0"/>
+              <a:t>-</a:t>
+            </a:r>
+            <a:r>
+              <a:rPr lang="en-US" sz="2400" b="1" dirty="0" err="1"/>
+              <a:t>bc</a:t>
+            </a:r>
+            <a:r>
+              <a:rPr lang="en-US" sz="2400" dirty="0"/>
+              <a:t>] [</a:t>
+            </a:r>
+            <a:r>
+              <a:rPr lang="en-US" sz="2400" b="1" dirty="0"/>
+              <a:t>-m</a:t>
+            </a:r>
+            <a:r>
+              <a:rPr lang="en-US" sz="2400" dirty="0"/>
+              <a:t> </a:t>
+            </a:r>
+            <a:r>
+              <a:rPr lang="en-US" sz="2400" i="1" dirty="0"/>
+              <a:t>INT</a:t>
+            </a:r>
+            <a:r>
+              <a:rPr lang="en-US" sz="2400" dirty="0"/>
+              <a:t>] </a:t>
+            </a:r>
+            <a:r>
+              <a:rPr lang="en-US" sz="2400" i="1" dirty="0" err="1"/>
+              <a:t>aln.sam</a:t>
+            </a:r>
+            <a:r>
+              <a:rPr lang="en-US" sz="2400" dirty="0" err="1"/>
+              <a:t>|</a:t>
+            </a:r>
+            <a:r>
+              <a:rPr lang="en-US" sz="2400" i="1" dirty="0" err="1"/>
+              <a:t>aln.bam</a:t>
+            </a:r>
+            <a:r>
+              <a:rPr lang="en-US" sz="2400" dirty="0" err="1"/>
+              <a:t>|</a:t>
+            </a:r>
+            <a:r>
+              <a:rPr lang="en-US" sz="2400" i="1" dirty="0" err="1"/>
+              <a:t>aln.cram</a:t>
+            </a:r>
+            <a:r>
+              <a:rPr lang="en-US" sz="2400" dirty="0"/>
+              <a:t> [</a:t>
+            </a:r>
+            <a:r>
+              <a:rPr lang="en-US" sz="2400" i="1" dirty="0" err="1"/>
+              <a:t>out.index</a:t>
+            </a:r>
+            <a:r>
+              <a:rPr lang="en-US" sz="2400" dirty="0"/>
+              <a:t>] </a:t>
             </a:r>
           </a:p>
         </p:txBody>
@@ -7504,7 +8820,7 @@
     </p:spTree>
     <p:extLst>
       <p:ext uri="{BB962C8B-B14F-4D97-AF65-F5344CB8AC3E}">
-        <p14:creationId xmlns:p14="http://schemas.microsoft.com/office/powerpoint/2010/main" val="3394134718"/>
+        <p14:creationId xmlns:p14="http://schemas.microsoft.com/office/powerpoint/2010/main" val="3849047622"/>
       </p:ext>
     </p:extLst>
   </p:cSld>
@@ -7580,7 +8896,7 @@
             <p:ph idx="1"/>
             <p:extLst>
               <p:ext uri="{D42A27DB-BD31-4B8C-83A1-F6EECF244321}">
-                <p14:modId xmlns:p14="http://schemas.microsoft.com/office/powerpoint/2010/main" val="2187804442"/>
+                <p14:modId xmlns:p14="http://schemas.microsoft.com/office/powerpoint/2010/main" val="1601089009"/>
               </p:ext>
             </p:extLst>
           </p:nvPr>
@@ -7619,8 +8935,12 @@
                     <a:p>
                       <a:pPr algn="ctr"/>
                       <a:r>
+                        <a:rPr lang="en-US" sz="2800"/>
+                        <a:t>~10 </a:t>
+                      </a:r>
+                      <a:r>
                         <a:rPr lang="en-US" sz="2800" dirty="0"/>
-                        <a:t>~15 mins </a:t>
+                        <a:t>mins </a:t>
                       </a:r>
                     </a:p>
                   </a:txBody>
@@ -7855,17 +9175,6 @@
             <a:pPr marL="0" indent="0">
               <a:buNone/>
             </a:pPr>
-            <a:endParaRPr lang="en-US" sz="1800" dirty="0">
-              <a:solidFill>
-                <a:srgbClr val="292929"/>
-              </a:solidFill>
-              <a:latin typeface="Menlo" panose="020B0609030804020204" pitchFamily="49" charset="0"/>
-            </a:endParaRPr>
-          </a:p>
-          <a:p>
-            <a:pPr marL="0" indent="0">
-              <a:buNone/>
-            </a:pPr>
             <a:endParaRPr lang="en-US" sz="1800" b="0" dirty="0">
               <a:solidFill>
                 <a:srgbClr val="292929"/>
@@ -7928,6 +9237,82 @@
               </a:rPr>
               <a:t>/ .</a:t>
             </a:r>
+          </a:p>
+        </p:txBody>
+      </p:sp>
+      <p:pic>
+        <p:nvPicPr>
+          <p:cNvPr id="5" name="Picture 4" descr="Graphical user interface, application&#10;&#10;Description automatically generated">
+            <a:extLst>
+              <a:ext uri="{FF2B5EF4-FFF2-40B4-BE49-F238E27FC236}">
+                <a16:creationId xmlns:a16="http://schemas.microsoft.com/office/drawing/2014/main" id="{8D1F82A6-F8C1-8844-A8FE-66B8CB822034}"/>
+              </a:ext>
+            </a:extLst>
+          </p:cNvPr>
+          <p:cNvPicPr>
+            <a:picLocks noChangeAspect="1"/>
+          </p:cNvPicPr>
+          <p:nvPr/>
+        </p:nvPicPr>
+        <p:blipFill>
+          <a:blip r:embed="rId2"/>
+          <a:stretch>
+            <a:fillRect/>
+          </a:stretch>
+        </p:blipFill>
+        <p:spPr>
+          <a:xfrm>
+            <a:off x="880269" y="3543672"/>
+            <a:ext cx="7383462" cy="2949202"/>
+          </a:xfrm>
+          <a:prstGeom prst="rect">
+            <a:avLst/>
+          </a:prstGeom>
+        </p:spPr>
+      </p:pic>
+      <p:sp>
+        <p:nvSpPr>
+          <p:cNvPr id="6" name="Right Arrow 5">
+            <a:extLst>
+              <a:ext uri="{FF2B5EF4-FFF2-40B4-BE49-F238E27FC236}">
+                <a16:creationId xmlns:a16="http://schemas.microsoft.com/office/drawing/2014/main" id="{A93544DB-DDF9-E241-87FC-F43104E0EB0A}"/>
+              </a:ext>
+            </a:extLst>
+          </p:cNvPr>
+          <p:cNvSpPr/>
+          <p:nvPr/>
+        </p:nvSpPr>
+        <p:spPr>
+          <a:xfrm>
+            <a:off x="307181" y="4802187"/>
+            <a:ext cx="642938" cy="357188"/>
+          </a:xfrm>
+          <a:prstGeom prst="rightArrow">
+            <a:avLst/>
+          </a:prstGeom>
+        </p:spPr>
+        <p:style>
+          <a:lnRef idx="2">
+            <a:schemeClr val="accent1">
+              <a:shade val="50000"/>
+            </a:schemeClr>
+          </a:lnRef>
+          <a:fillRef idx="1">
+            <a:schemeClr val="accent1"/>
+          </a:fillRef>
+          <a:effectRef idx="0">
+            <a:schemeClr val="accent1"/>
+          </a:effectRef>
+          <a:fontRef idx="minor">
+            <a:schemeClr val="lt1"/>
+          </a:fontRef>
+        </p:style>
+        <p:txBody>
+          <a:bodyPr rtlCol="0" anchor="ctr"/>
+          <a:lstStyle/>
+          <a:p>
+            <a:pPr algn="ctr"/>
+            <a:endParaRPr lang="en-US"/>
           </a:p>
         </p:txBody>
       </p:sp>
@@ -8076,138 +9461,6 @@
           <p:cNvPr id="2" name="Title 1">
             <a:extLst>
               <a:ext uri="{FF2B5EF4-FFF2-40B4-BE49-F238E27FC236}">
-                <a16:creationId xmlns:a16="http://schemas.microsoft.com/office/drawing/2014/main" id="{78AAE3DE-722A-7E43-A1D6-C5017B113B07}"/>
-              </a:ext>
-            </a:extLst>
-          </p:cNvPr>
-          <p:cNvSpPr>
-            <a:spLocks noGrp="1"/>
-          </p:cNvSpPr>
-          <p:nvPr>
-            <p:ph type="title"/>
-          </p:nvPr>
-        </p:nvSpPr>
-        <p:spPr>
-          <a:xfrm>
-            <a:off x="1919217" y="1480930"/>
-            <a:ext cx="3731775" cy="3672027"/>
-          </a:xfrm>
-        </p:spPr>
-        <p:txBody>
-          <a:bodyPr vert="horz" lIns="91440" tIns="45720" rIns="91440" bIns="45720" rtlCol="0" anchor="ctr">
-            <a:normAutofit/>
-          </a:bodyPr>
-          <a:lstStyle/>
-          <a:p>
-            <a:pPr algn="r" defTabSz="914400"/>
-            <a:endParaRPr lang="en-US" sz="4200" cap="all"/>
-          </a:p>
-        </p:txBody>
-      </p:sp>
-      <p:pic>
-        <p:nvPicPr>
-          <p:cNvPr id="5" name="Picture 4">
-            <a:extLst>
-              <a:ext uri="{FF2B5EF4-FFF2-40B4-BE49-F238E27FC236}">
-                <a16:creationId xmlns:a16="http://schemas.microsoft.com/office/drawing/2014/main" id="{A9D24C1C-C1EB-824B-B70D-8D12FBF76413}"/>
-              </a:ext>
-            </a:extLst>
-          </p:cNvPr>
-          <p:cNvPicPr>
-            <a:picLocks noChangeAspect="1"/>
-          </p:cNvPicPr>
-          <p:nvPr/>
-        </p:nvPicPr>
-        <p:blipFill>
-          <a:blip r:embed="rId3"/>
-          <a:stretch>
-            <a:fillRect/>
-          </a:stretch>
-        </p:blipFill>
-        <p:spPr>
-          <a:xfrm>
-            <a:off x="148694" y="92439"/>
-            <a:ext cx="6095638" cy="6449008"/>
-          </a:xfrm>
-          <a:prstGeom prst="rect">
-            <a:avLst/>
-          </a:prstGeom>
-        </p:spPr>
-      </p:pic>
-      <p:sp>
-        <p:nvSpPr>
-          <p:cNvPr id="3" name="TextBox 2">
-            <a:extLst>
-              <a:ext uri="{FF2B5EF4-FFF2-40B4-BE49-F238E27FC236}">
-                <a16:creationId xmlns:a16="http://schemas.microsoft.com/office/drawing/2014/main" id="{0B5A29B3-57BA-B542-8589-CAEF32DB7371}"/>
-              </a:ext>
-            </a:extLst>
-          </p:cNvPr>
-          <p:cNvSpPr txBox="1"/>
-          <p:nvPr/>
-        </p:nvSpPr>
-        <p:spPr>
-          <a:xfrm>
-            <a:off x="5000629" y="5293204"/>
-            <a:ext cx="3337452" cy="369332"/>
-          </a:xfrm>
-          <a:prstGeom prst="rect">
-            <a:avLst/>
-          </a:prstGeom>
-          <a:noFill/>
-        </p:spPr>
-        <p:txBody>
-          <a:bodyPr wrap="none" rtlCol="0">
-            <a:spAutoFit/>
-          </a:bodyPr>
-          <a:lstStyle/>
-          <a:p>
-            <a:r>
-              <a:rPr lang="en-US" b="1" dirty="0">
-                <a:solidFill>
-                  <a:srgbClr val="002060"/>
-                </a:solidFill>
-              </a:rPr>
-              <a:t>Or use your favorite text editor!</a:t>
-            </a:r>
-          </a:p>
-        </p:txBody>
-      </p:sp>
-    </p:spTree>
-    <p:extLst>
-      <p:ext uri="{BB962C8B-B14F-4D97-AF65-F5344CB8AC3E}">
-        <p14:creationId xmlns:p14="http://schemas.microsoft.com/office/powerpoint/2010/main" val="3121960860"/>
-      </p:ext>
-    </p:extLst>
-  </p:cSld>
-  <p:clrMapOvr>
-    <a:masterClrMapping/>
-  </p:clrMapOvr>
-</p:sld>
-</file>
-
-<file path=ppt/slides/slide8.xml><?xml version="1.0" encoding="utf-8"?>
-<p:sld xmlns:a="http://schemas.openxmlformats.org/drawingml/2006/main" xmlns:r="http://schemas.openxmlformats.org/officeDocument/2006/relationships" xmlns:p="http://schemas.openxmlformats.org/presentationml/2006/main">
-  <p:cSld>
-    <p:spTree>
-      <p:nvGrpSpPr>
-        <p:cNvPr id="1" name=""/>
-        <p:cNvGrpSpPr/>
-        <p:nvPr/>
-      </p:nvGrpSpPr>
-      <p:grpSpPr>
-        <a:xfrm>
-          <a:off x="0" y="0"/>
-          <a:ext cx="0" cy="0"/>
-          <a:chOff x="0" y="0"/>
-          <a:chExt cx="0" cy="0"/>
-        </a:xfrm>
-      </p:grpSpPr>
-      <p:sp>
-        <p:nvSpPr>
-          <p:cNvPr id="2" name="Title 1">
-            <a:extLst>
-              <a:ext uri="{FF2B5EF4-FFF2-40B4-BE49-F238E27FC236}">
                 <a16:creationId xmlns:a16="http://schemas.microsoft.com/office/drawing/2014/main" id="{0845F4AD-6C9F-6245-A4B9-4D2426912B4C}"/>
               </a:ext>
             </a:extLst>
@@ -8341,7 +9594,7 @@
 </p:sld>
 </file>
 
-<file path=ppt/slides/slide9.xml><?xml version="1.0" encoding="utf-8"?>
+<file path=ppt/slides/slide8.xml><?xml version="1.0" encoding="utf-8"?>
 <p:sld xmlns:a="http://schemas.openxmlformats.org/drawingml/2006/main" xmlns:r="http://schemas.openxmlformats.org/officeDocument/2006/relationships" xmlns:p="http://schemas.openxmlformats.org/presentationml/2006/main">
   <p:cSld>
     <p:spTree>
@@ -9018,6 +10271,192 @@
 </p:sld>
 </file>
 
+<file path=ppt/slides/slide9.xml><?xml version="1.0" encoding="utf-8"?>
+<p:sld xmlns:a="http://schemas.openxmlformats.org/drawingml/2006/main" xmlns:r="http://schemas.openxmlformats.org/officeDocument/2006/relationships" xmlns:p="http://schemas.openxmlformats.org/presentationml/2006/main">
+  <p:cSld>
+    <p:bg>
+      <p:bgPr>
+        <a:solidFill>
+          <a:schemeClr val="bg1"/>
+        </a:solidFill>
+        <a:effectLst/>
+      </p:bgPr>
+    </p:bg>
+    <p:spTree>
+      <p:nvGrpSpPr>
+        <p:cNvPr id="1" name=""/>
+        <p:cNvGrpSpPr/>
+        <p:nvPr/>
+      </p:nvGrpSpPr>
+      <p:grpSpPr>
+        <a:xfrm>
+          <a:off x="0" y="0"/>
+          <a:ext cx="0" cy="0"/>
+          <a:chOff x="0" y="0"/>
+          <a:chExt cx="0" cy="0"/>
+        </a:xfrm>
+      </p:grpSpPr>
+      <p:sp>
+        <p:nvSpPr>
+          <p:cNvPr id="2" name="Title 1">
+            <a:extLst>
+              <a:ext uri="{FF2B5EF4-FFF2-40B4-BE49-F238E27FC236}">
+                <a16:creationId xmlns:a16="http://schemas.microsoft.com/office/drawing/2014/main" id="{32593A74-A51D-2E4E-A1A6-50619F920852}"/>
+              </a:ext>
+            </a:extLst>
+          </p:cNvPr>
+          <p:cNvSpPr>
+            <a:spLocks noGrp="1"/>
+          </p:cNvSpPr>
+          <p:nvPr>
+            <p:ph type="title"/>
+          </p:nvPr>
+        </p:nvSpPr>
+        <p:spPr>
+          <a:xfrm>
+            <a:off x="360759" y="3752849"/>
+            <a:ext cx="2468166" cy="2452687"/>
+          </a:xfrm>
+        </p:spPr>
+        <p:txBody>
+          <a:bodyPr anchor="ctr">
+            <a:normAutofit/>
+          </a:bodyPr>
+          <a:lstStyle/>
+          <a:p>
+            <a:r>
+              <a:rPr lang="en-US" sz="3100"/>
+              <a:t>Indexing benefits</a:t>
+            </a:r>
+          </a:p>
+        </p:txBody>
+      </p:sp>
+      <p:pic>
+        <p:nvPicPr>
+          <p:cNvPr id="5" name="Picture 4" descr="Open book">
+            <a:extLst>
+              <a:ext uri="{FF2B5EF4-FFF2-40B4-BE49-F238E27FC236}">
+                <a16:creationId xmlns:a16="http://schemas.microsoft.com/office/drawing/2014/main" id="{168B174C-A119-B02D-D12B-516E3B6D8E57}"/>
+              </a:ext>
+            </a:extLst>
+          </p:cNvPr>
+          <p:cNvPicPr>
+            <a:picLocks noChangeAspect="1"/>
+          </p:cNvPicPr>
+          <p:nvPr/>
+        </p:nvPicPr>
+        <p:blipFill rotWithShape="1">
+          <a:blip r:embed="rId3"/>
+          <a:srcRect t="36849" b="2357"/>
+          <a:stretch/>
+        </p:blipFill>
+        <p:spPr>
+          <a:xfrm>
+            <a:off x="20" y="10"/>
+            <a:ext cx="9143980" cy="3710603"/>
+          </a:xfrm>
+          <a:custGeom>
+            <a:avLst/>
+            <a:gdLst/>
+            <a:ahLst/>
+            <a:cxnLst/>
+            <a:rect l="l" t="t" r="r" b="b"/>
+            <a:pathLst>
+              <a:path w="12192000" h="3692092">
+                <a:moveTo>
+                  <a:pt x="0" y="0"/>
+                </a:moveTo>
+                <a:lnTo>
+                  <a:pt x="12192000" y="0"/>
+                </a:lnTo>
+                <a:lnTo>
+                  <a:pt x="12192000" y="3504824"/>
+                </a:lnTo>
+                <a:lnTo>
+                  <a:pt x="12024691" y="3517794"/>
+                </a:lnTo>
+                <a:cubicBezTo>
+                  <a:pt x="8077523" y="3783195"/>
+                  <a:pt x="4094678" y="3026959"/>
+                  <a:pt x="160485" y="3663863"/>
+                </a:cubicBezTo>
+                <a:lnTo>
+                  <a:pt x="0" y="3692092"/>
+                </a:lnTo>
+                <a:close/>
+              </a:path>
+            </a:pathLst>
+          </a:custGeom>
+        </p:spPr>
+      </p:pic>
+      <p:sp>
+        <p:nvSpPr>
+          <p:cNvPr id="3" name="Content Placeholder 2">
+            <a:extLst>
+              <a:ext uri="{FF2B5EF4-FFF2-40B4-BE49-F238E27FC236}">
+                <a16:creationId xmlns:a16="http://schemas.microsoft.com/office/drawing/2014/main" id="{BCD78E21-4707-7046-B83D-FD609DEAC107}"/>
+              </a:ext>
+            </a:extLst>
+          </p:cNvPr>
+          <p:cNvSpPr>
+            <a:spLocks noGrp="1"/>
+          </p:cNvSpPr>
+          <p:nvPr>
+            <p:ph idx="1"/>
+          </p:nvPr>
+        </p:nvSpPr>
+        <p:spPr>
+          <a:xfrm>
+            <a:off x="3167986" y="3752850"/>
+            <a:ext cx="5614060" cy="2452687"/>
+          </a:xfrm>
+        </p:spPr>
+        <p:txBody>
+          <a:bodyPr anchor="ctr">
+            <a:normAutofit/>
+          </a:bodyPr>
+          <a:lstStyle/>
+          <a:p>
+            <a:pPr marL="0" indent="0">
+              <a:buNone/>
+            </a:pPr>
+            <a:r>
+              <a:rPr lang="en-US" sz="1800" dirty="0"/>
+              <a:t>Indexing a genome can be explained </a:t>
+            </a:r>
+            <a:r>
+              <a:rPr lang="en-US" sz="1800" b="1" dirty="0"/>
+              <a:t>similar to indexing a book</a:t>
+            </a:r>
+            <a:r>
+              <a:rPr lang="en-US" sz="1800" dirty="0"/>
+              <a:t>. </a:t>
+            </a:r>
+          </a:p>
+          <a:p>
+            <a:pPr marL="0" indent="0">
+              <a:buNone/>
+            </a:pPr>
+            <a:r>
+              <a:rPr lang="en-US" sz="1800" dirty="0"/>
+              <a:t>If you want to know on which page a chapter begins, it is much more efficient to look up the page number in a pre-built index (table of contents) than going through every page of the book until you found it. </a:t>
+            </a:r>
+          </a:p>
+        </p:txBody>
+      </p:sp>
+    </p:spTree>
+    <p:extLst>
+      <p:ext uri="{BB962C8B-B14F-4D97-AF65-F5344CB8AC3E}">
+        <p14:creationId xmlns:p14="http://schemas.microsoft.com/office/powerpoint/2010/main" val="1934227634"/>
+      </p:ext>
+    </p:extLst>
+  </p:cSld>
+  <p:clrMapOvr>
+    <a:masterClrMapping/>
+  </p:clrMapOvr>
+</p:sld>
+</file>
+
 <file path=ppt/theme/theme1.xml><?xml version="1.0" encoding="utf-8"?>
 <a:theme xmlns:a="http://schemas.openxmlformats.org/drawingml/2006/main" name="Office Theme">
   <a:themeElements>

--- a/lectures/Lecture9-MMG232.pptx
+++ b/lectures/Lecture9-MMG232.pptx
@@ -5,7 +5,7 @@
     <p:sldMasterId id="2147483660" r:id="rId1"/>
   </p:sldMasterIdLst>
   <p:notesMasterIdLst>
-    <p:notesMasterId r:id="rId37"/>
+    <p:notesMasterId r:id="rId39"/>
   </p:notesMasterIdLst>
   <p:sldIdLst>
     <p:sldId id="256" r:id="rId2"/>
@@ -39,10 +39,12 @@
     <p:sldId id="661" r:id="rId30"/>
     <p:sldId id="677" r:id="rId31"/>
     <p:sldId id="675" r:id="rId32"/>
-    <p:sldId id="679" r:id="rId33"/>
-    <p:sldId id="680" r:id="rId34"/>
-    <p:sldId id="682" r:id="rId35"/>
-    <p:sldId id="674" r:id="rId36"/>
+    <p:sldId id="685" r:id="rId33"/>
+    <p:sldId id="686" r:id="rId34"/>
+    <p:sldId id="679" r:id="rId35"/>
+    <p:sldId id="680" r:id="rId36"/>
+    <p:sldId id="682" r:id="rId37"/>
+    <p:sldId id="674" r:id="rId38"/>
   </p:sldIdLst>
   <p:sldSz cx="9144000" cy="6858000" type="screen4x3"/>
   <p:notesSz cx="6858000" cy="9144000"/>
@@ -231,7 +233,7 @@
           <a:p>
             <a:fld id="{B6C9E59E-6698-7049-B68D-DE284E642F4D}" type="datetimeFigureOut">
               <a:rPr lang="en-US" smtClean="0"/>
-              <a:t>2/23/23</a:t>
+              <a:t>2/26/23</a:t>
             </a:fld>
             <a:endParaRPr lang="en-US"/>
           </a:p>
@@ -631,7 +633,7 @@
           <a:p>
             <a:r>
               <a:rPr lang="en-US" dirty="0"/>
-              <a:t>Everyone will be downloading a minimum of (6) FASTQ files from the GEO repository. To repeat the alignment and downstream processing steps for each sample precisely, its best to run the same line of code to each sample at the same time. For this we can turn to loops, a function of programming languages that allow us to write out a series of commands and perform them on all the files we want at one time. In addition to being a major time saver, this makes your code a lot easier to read and much more concise overall. A bash for loop is a bash programming language statement which allows code to be repeatedly executed. A for loop is classified as an iteration statement</a:t>
+              <a:t>Everyone will be downloading a minimum of (6) FASTQ files from the GEO repository. To repeat the alignment and downstream processing steps for each sample precisely, its best to run the same line of code to each sample at the same time. For this we can turn to loops, a function of programming languages that allow us to write out a series of commands and perform them on all the files we want at one time. In addition to being a major time saver, this makes your code a lot easier to read and much more concise overall. </a:t>
             </a:r>
           </a:p>
         </p:txBody>
@@ -718,7 +720,15 @@
           <a:p>
             <a:r>
               <a:rPr lang="en-US" dirty="0"/>
-              <a:t>A bash for loop is a bash programming language statement which allows code to be repeatedly executed. A for loop is classified as an iteration statement i.e. it is the repetition of a process within a bash script. For example, you can run UNIX command or task 5 times or read and process list of files using a for loop. A for loop can be used at a shell prompt or within a shell script itself.</a:t>
+              <a:t>The VARIABLE could be any letter or word that is meaningful, but is commonly represented by a single letter like “</a:t>
+            </a:r>
+            <a:r>
+              <a:rPr lang="en-US" dirty="0" err="1"/>
+              <a:t>i</a:t>
+            </a:r>
+            <a:r>
+              <a:rPr lang="en-US" dirty="0"/>
+              <a:t>” for ease. Often the in portion will be a directory instead of single files (A, B, C) - i.e. a directory that contains the FASTQ files you want to work with.</a:t>
             </a:r>
           </a:p>
         </p:txBody>
@@ -750,6 +760,90 @@
     <p:extLst>
       <p:ext uri="{BB962C8B-B14F-4D97-AF65-F5344CB8AC3E}">
         <p14:creationId xmlns:p14="http://schemas.microsoft.com/office/powerpoint/2010/main" val="2863408784"/>
+      </p:ext>
+    </p:extLst>
+  </p:cSld>
+  <p:clrMapOvr>
+    <a:masterClrMapping/>
+  </p:clrMapOvr>
+</p:notes>
+</file>
+
+<file path=ppt/notesSlides/notesSlide12.xml><?xml version="1.0" encoding="utf-8"?>
+<p:notes xmlns:a="http://schemas.openxmlformats.org/drawingml/2006/main" xmlns:r="http://schemas.openxmlformats.org/officeDocument/2006/relationships" xmlns:p="http://schemas.openxmlformats.org/presentationml/2006/main">
+  <p:cSld>
+    <p:spTree>
+      <p:nvGrpSpPr>
+        <p:cNvPr id="1" name=""/>
+        <p:cNvGrpSpPr/>
+        <p:nvPr/>
+      </p:nvGrpSpPr>
+      <p:grpSpPr>
+        <a:xfrm>
+          <a:off x="0" y="0"/>
+          <a:ext cx="0" cy="0"/>
+          <a:chOff x="0" y="0"/>
+          <a:chExt cx="0" cy="0"/>
+        </a:xfrm>
+      </p:grpSpPr>
+      <p:sp>
+        <p:nvSpPr>
+          <p:cNvPr id="2" name="Slide Image Placeholder 1"/>
+          <p:cNvSpPr>
+            <a:spLocks noGrp="1" noRot="1" noChangeAspect="1"/>
+          </p:cNvSpPr>
+          <p:nvPr>
+            <p:ph type="sldImg"/>
+          </p:nvPr>
+        </p:nvSpPr>
+        <p:spPr/>
+      </p:sp>
+      <p:sp>
+        <p:nvSpPr>
+          <p:cNvPr id="3" name="Notes Placeholder 2"/>
+          <p:cNvSpPr>
+            <a:spLocks noGrp="1"/>
+          </p:cNvSpPr>
+          <p:nvPr>
+            <p:ph type="body" idx="1"/>
+          </p:nvPr>
+        </p:nvSpPr>
+        <p:spPr/>
+        <p:txBody>
+          <a:bodyPr/>
+          <a:lstStyle/>
+          <a:p>
+            <a:endParaRPr lang="en-US" dirty="0"/>
+          </a:p>
+        </p:txBody>
+      </p:sp>
+      <p:sp>
+        <p:nvSpPr>
+          <p:cNvPr id="4" name="Slide Number Placeholder 3"/>
+          <p:cNvSpPr>
+            <a:spLocks noGrp="1"/>
+          </p:cNvSpPr>
+          <p:nvPr>
+            <p:ph type="sldNum" sz="quarter" idx="5"/>
+          </p:nvPr>
+        </p:nvSpPr>
+        <p:spPr/>
+        <p:txBody>
+          <a:bodyPr/>
+          <a:lstStyle/>
+          <a:p>
+            <a:fld id="{24BC4AB2-4D54-A145-B623-9892E09C5138}" type="slidenum">
+              <a:rPr lang="en-US" smtClean="0"/>
+              <a:t>32</a:t>
+            </a:fld>
+            <a:endParaRPr lang="en-US"/>
+          </a:p>
+        </p:txBody>
+      </p:sp>
+    </p:spTree>
+    <p:extLst>
+      <p:ext uri="{BB962C8B-B14F-4D97-AF65-F5344CB8AC3E}">
+        <p14:creationId xmlns:p14="http://schemas.microsoft.com/office/powerpoint/2010/main" val="1618891994"/>
       </p:ext>
     </p:extLst>
   </p:cSld>
@@ -805,7 +899,7 @@
           <a:p>
             <a:r>
               <a:rPr lang="en-US" dirty="0"/>
-              <a:t>We won’t go deeply into the guts of this alignment algorithm, but I will briefly state that nearly all alignment methods rely on pre-processing the reference genome into a data-structure (like a suffix tree) that provides an </a:t>
+              <a:t>We won’t go deeply into the guts of this alignment algorithm, but I will briefly state that nearly all alignment methods rely on pre-processing the reference genome into a data-structure. This data structure will provides an </a:t>
             </a:r>
             <a:r>
               <a:rPr lang="en-US" i="1" dirty="0"/>
@@ -813,7 +907,7 @@
             </a:r>
             <a:r>
               <a:rPr lang="en-US" dirty="0"/>
-              <a:t> which makes it fast to find the place in a genome where a query sequence matches. Such indexes can take up a large amount of computer memory. The Burrows-Wheeler Transform (BWT) provides a way of decreasing the size of such indexes. </a:t>
+              <a:t> which makes it fast for the aligner to find the place in a genome where a raw read sequences match the reference genome. These indexes can take up a large amount of computer memory. The Burrows-Wheeler Transform (BWT) to decrease the size of the index </a:t>
             </a:r>
           </a:p>
         </p:txBody>
@@ -1015,7 +1109,7 @@
           <a:p>
             <a:r>
               <a:rPr lang="en-US" dirty="0"/>
-              <a:t>To align sequenced reads, an aligner must first fragment the reference genome into smaller components. Each fragment’s location and sequence content are then stored in a data structure. Indexing the reference genome allows for an aligner to work more efficiently by finding all exact matches to a sequenced read using the given data structure and not scanning the entire reference genome from start to finish for each read</a:t>
+              <a:t>To align sequenced reads, an aligner must first fragment the reference genome into smaller components. Each fragment’s location and sequence content are then stored in a data structure. Indexing the reference genome allows for an aligner to work more efficiently by finding all exact matches and not scanning the entire reference genome from start to finish for each read</a:t>
             </a:r>
           </a:p>
         </p:txBody>
@@ -1671,7 +1765,7 @@
           <a:p>
             <a:fld id="{04AB933A-20AE-F847-8C57-F7BCDA3B418B}" type="datetimeFigureOut">
               <a:rPr lang="en-US" smtClean="0"/>
-              <a:t>2/23/23</a:t>
+              <a:t>2/26/23</a:t>
             </a:fld>
             <a:endParaRPr lang="en-US"/>
           </a:p>
@@ -1841,7 +1935,7 @@
           <a:p>
             <a:fld id="{04AB933A-20AE-F847-8C57-F7BCDA3B418B}" type="datetimeFigureOut">
               <a:rPr lang="en-US" smtClean="0"/>
-              <a:t>2/23/23</a:t>
+              <a:t>2/26/23</a:t>
             </a:fld>
             <a:endParaRPr lang="en-US"/>
           </a:p>
@@ -2021,7 +2115,7 @@
           <a:p>
             <a:fld id="{04AB933A-20AE-F847-8C57-F7BCDA3B418B}" type="datetimeFigureOut">
               <a:rPr lang="en-US" smtClean="0"/>
-              <a:t>2/23/23</a:t>
+              <a:t>2/26/23</a:t>
             </a:fld>
             <a:endParaRPr lang="en-US"/>
           </a:p>
@@ -2191,7 +2285,7 @@
           <a:p>
             <a:fld id="{04AB933A-20AE-F847-8C57-F7BCDA3B418B}" type="datetimeFigureOut">
               <a:rPr lang="en-US" smtClean="0"/>
-              <a:t>2/23/23</a:t>
+              <a:t>2/26/23</a:t>
             </a:fld>
             <a:endParaRPr lang="en-US"/>
           </a:p>
@@ -2435,7 +2529,7 @@
           <a:p>
             <a:fld id="{04AB933A-20AE-F847-8C57-F7BCDA3B418B}" type="datetimeFigureOut">
               <a:rPr lang="en-US" smtClean="0"/>
-              <a:t>2/23/23</a:t>
+              <a:t>2/26/23</a:t>
             </a:fld>
             <a:endParaRPr lang="en-US"/>
           </a:p>
@@ -2667,7 +2761,7 @@
           <a:p>
             <a:fld id="{04AB933A-20AE-F847-8C57-F7BCDA3B418B}" type="datetimeFigureOut">
               <a:rPr lang="en-US" smtClean="0"/>
-              <a:t>2/23/23</a:t>
+              <a:t>2/26/23</a:t>
             </a:fld>
             <a:endParaRPr lang="en-US"/>
           </a:p>
@@ -3034,7 +3128,7 @@
           <a:p>
             <a:fld id="{04AB933A-20AE-F847-8C57-F7BCDA3B418B}" type="datetimeFigureOut">
               <a:rPr lang="en-US" smtClean="0"/>
-              <a:t>2/23/23</a:t>
+              <a:t>2/26/23</a:t>
             </a:fld>
             <a:endParaRPr lang="en-US"/>
           </a:p>
@@ -3152,7 +3246,7 @@
           <a:p>
             <a:fld id="{04AB933A-20AE-F847-8C57-F7BCDA3B418B}" type="datetimeFigureOut">
               <a:rPr lang="en-US" smtClean="0"/>
-              <a:t>2/23/23</a:t>
+              <a:t>2/26/23</a:t>
             </a:fld>
             <a:endParaRPr lang="en-US"/>
           </a:p>
@@ -3247,7 +3341,7 @@
           <a:p>
             <a:fld id="{04AB933A-20AE-F847-8C57-F7BCDA3B418B}" type="datetimeFigureOut">
               <a:rPr lang="en-US" smtClean="0"/>
-              <a:t>2/23/23</a:t>
+              <a:t>2/26/23</a:t>
             </a:fld>
             <a:endParaRPr lang="en-US"/>
           </a:p>
@@ -3524,7 +3618,7 @@
           <a:p>
             <a:fld id="{04AB933A-20AE-F847-8C57-F7BCDA3B418B}" type="datetimeFigureOut">
               <a:rPr lang="en-US" smtClean="0"/>
-              <a:t>2/23/23</a:t>
+              <a:t>2/26/23</a:t>
             </a:fld>
             <a:endParaRPr lang="en-US"/>
           </a:p>
@@ -3781,7 +3875,7 @@
           <a:p>
             <a:fld id="{04AB933A-20AE-F847-8C57-F7BCDA3B418B}" type="datetimeFigureOut">
               <a:rPr lang="en-US" smtClean="0"/>
-              <a:t>2/23/23</a:t>
+              <a:t>2/26/23</a:t>
             </a:fld>
             <a:endParaRPr lang="en-US"/>
           </a:p>
@@ -3994,7 +4088,7 @@
           <a:p>
             <a:fld id="{04AB933A-20AE-F847-8C57-F7BCDA3B418B}" type="datetimeFigureOut">
               <a:rPr lang="en-US" smtClean="0"/>
-              <a:t>2/23/23</a:t>
+              <a:t>2/26/23</a:t>
             </a:fld>
             <a:endParaRPr lang="en-US"/>
           </a:p>
@@ -5354,59 +5448,60 @@
           <a:lstStyle/>
           <a:p>
             <a:r>
-              <a:rPr lang="en-US" sz="3600" dirty="0"/>
+              <a:rPr lang="en-US" sz="3200" dirty="0"/>
               <a:t>Stands for </a:t>
             </a:r>
             <a:r>
-              <a:rPr lang="en-US" sz="3600" b="1" dirty="0"/>
+              <a:rPr lang="en-US" sz="3200" b="1" dirty="0"/>
               <a:t>h</a:t>
             </a:r>
             <a:r>
-              <a:rPr lang="en-US" sz="3600" dirty="0"/>
+              <a:rPr lang="en-US" sz="3200" dirty="0"/>
               <a:t>ierarchical </a:t>
             </a:r>
             <a:r>
-              <a:rPr lang="en-US" sz="3600" b="1" dirty="0"/>
+              <a:rPr lang="en-US" sz="3200" b="1" dirty="0"/>
               <a:t>i</a:t>
             </a:r>
             <a:r>
-              <a:rPr lang="en-US" sz="3600" dirty="0"/>
+              <a:rPr lang="en-US" sz="3200" dirty="0"/>
               <a:t>ndexing for </a:t>
             </a:r>
             <a:r>
-              <a:rPr lang="en-US" sz="3600" b="1" dirty="0"/>
+              <a:rPr lang="en-US" sz="3200" b="1" dirty="0"/>
               <a:t>s</a:t>
             </a:r>
             <a:r>
-              <a:rPr lang="en-US" sz="3600" dirty="0"/>
+              <a:rPr lang="en-US" sz="3200" dirty="0"/>
               <a:t>pliced </a:t>
             </a:r>
             <a:r>
-              <a:rPr lang="en-US" sz="3600" b="1" dirty="0"/>
+              <a:rPr lang="en-US" sz="3200" b="1" dirty="0"/>
               <a:t>a</a:t>
             </a:r>
             <a:r>
-              <a:rPr lang="en-US" sz="3600" dirty="0"/>
+              <a:rPr lang="en-US" sz="3200" dirty="0"/>
               <a:t>lignment of </a:t>
             </a:r>
             <a:r>
-              <a:rPr lang="en-US" sz="3600" b="1" dirty="0"/>
+              <a:rPr lang="en-US" sz="3200" b="1" dirty="0"/>
               <a:t>t</a:t>
             </a:r>
             <a:r>
-              <a:rPr lang="en-US" sz="3600" dirty="0"/>
+              <a:rPr lang="en-US" sz="3200" dirty="0"/>
               <a:t>ranscripts 2 </a:t>
             </a:r>
           </a:p>
           <a:p>
             <a:r>
-              <a:rPr lang="en-US" sz="3600" dirty="0"/>
+              <a:rPr lang="en-US" sz="3200" dirty="0"/>
               <a:t>HISAT2 is an aligner that is used for mapping next-generation sequencing reads </a:t>
             </a:r>
           </a:p>
           <a:p>
-            <a:r>
-              <a:rPr lang="en-US" sz="3600" dirty="0"/>
+            <a:pPr lvl="1"/>
+            <a:r>
+              <a:rPr lang="en-US" sz="2800" dirty="0"/>
               <a:t>Used for whole genome, whole-exome, and transcriptome datasets </a:t>
             </a:r>
           </a:p>
@@ -7896,7 +7991,7 @@
         </p:spPr>
         <p:txBody>
           <a:bodyPr>
-            <a:normAutofit fontScale="77500" lnSpcReduction="20000"/>
+            <a:normAutofit/>
           </a:bodyPr>
           <a:lstStyle/>
           <a:p>
@@ -7933,104 +8028,60 @@
             </a:r>
           </a:p>
           <a:p>
-            <a:pPr>
-              <a:buFont typeface="Arial" panose="020B0604020202020204" pitchFamily="34" charset="0"/>
-              <a:buChar char="•"/>
+            <a:pPr marL="0" indent="0">
+              <a:buNone/>
             </a:pPr>
-            <a:r>
-              <a:rPr lang="en-US" dirty="0">
-                <a:solidFill>
-                  <a:srgbClr val="0070C0"/>
-                </a:solidFill>
-              </a:rPr>
-              <a:t>-1 &lt;m1&gt;</a:t>
-            </a:r>
-            <a:br>
-              <a:rPr lang="en-US" dirty="0">
-                <a:solidFill>
-                  <a:srgbClr val="0070C0"/>
-                </a:solidFill>
-              </a:rPr>
-            </a:br>
-            <a:r>
-              <a:rPr lang="en-US" dirty="0">
-                <a:solidFill>
-                  <a:srgbClr val="0070C0"/>
-                </a:solidFill>
-              </a:rPr>
-              <a:t>Comma-separated list of files containing mate 1s (filename usually includes _1), e.g. -1 flyA_1.fq,flyB_1.fq. Sequences specified with this option must correspond file-for-file and read-for-read with those specified in &lt;m2&gt;. Reads may be a mix of different lengths. If - is specified, hisat2 will read the mate 1s from the “standard in” or “stdin” </a:t>
-            </a:r>
-            <a:r>
-              <a:rPr lang="en-US" dirty="0" err="1">
-                <a:solidFill>
-                  <a:srgbClr val="0070C0"/>
-                </a:solidFill>
-              </a:rPr>
-              <a:t>filehandle</a:t>
-            </a:r>
-            <a:r>
-              <a:rPr lang="en-US" dirty="0">
-                <a:solidFill>
-                  <a:srgbClr val="0070C0"/>
-                </a:solidFill>
-              </a:rPr>
-              <a:t>.</a:t>
-            </a:r>
-          </a:p>
-          <a:p>
-            <a:pPr>
-              <a:buFont typeface="Arial" panose="020B0604020202020204" pitchFamily="34" charset="0"/>
-              <a:buChar char="•"/>
-            </a:pPr>
-            <a:r>
-              <a:rPr lang="en-US" dirty="0">
-                <a:solidFill>
-                  <a:srgbClr val="0070C0"/>
-                </a:solidFill>
-              </a:rPr>
-              <a:t>-2 &lt;m2&gt;</a:t>
-            </a:r>
-            <a:br>
-              <a:rPr lang="en-US" dirty="0">
-                <a:solidFill>
-                  <a:srgbClr val="0070C0"/>
-                </a:solidFill>
-              </a:rPr>
-            </a:br>
-            <a:r>
-              <a:rPr lang="en-US" dirty="0">
-                <a:solidFill>
-                  <a:srgbClr val="0070C0"/>
-                </a:solidFill>
-              </a:rPr>
-              <a:t>Comma-separated list of files containing mate 2s (filename usually includes _2), e.g. -2 flyA_2.fq,flyB_2.fq. Sequences specified with this option must correspond file-for-file and read-for-read with those specified in &lt;m1&gt;. Reads may be a mix of different lengths. If - is specified, hisat2 will read the mate 2s from the “standard in” or “stdin” </a:t>
-            </a:r>
-            <a:r>
-              <a:rPr lang="en-US" dirty="0" err="1">
-                <a:solidFill>
-                  <a:srgbClr val="0070C0"/>
-                </a:solidFill>
-              </a:rPr>
-              <a:t>filehandle</a:t>
-            </a:r>
-            <a:r>
-              <a:rPr lang="en-US" dirty="0">
-                <a:solidFill>
-                  <a:srgbClr val="0070C0"/>
-                </a:solidFill>
-              </a:rPr>
-              <a:t>.</a:t>
-            </a:r>
-          </a:p>
-          <a:p>
             <a:endParaRPr lang="en-US" dirty="0"/>
+          </a:p>
+        </p:txBody>
+      </p:sp>
+      <p:sp>
+        <p:nvSpPr>
+          <p:cNvPr id="4" name="TextBox 3">
+            <a:extLst>
+              <a:ext uri="{FF2B5EF4-FFF2-40B4-BE49-F238E27FC236}">
+                <a16:creationId xmlns:a16="http://schemas.microsoft.com/office/drawing/2014/main" id="{33F20EE5-8145-7C4D-BA71-459D41F6FFCA}"/>
+              </a:ext>
+            </a:extLst>
+          </p:cNvPr>
+          <p:cNvSpPr txBox="1"/>
+          <p:nvPr/>
+        </p:nvSpPr>
+        <p:spPr>
+          <a:xfrm>
+            <a:off x="1143001" y="5400676"/>
+            <a:ext cx="6558206" cy="461665"/>
+          </a:xfrm>
+          <a:prstGeom prst="rect">
+            <a:avLst/>
+          </a:prstGeom>
+          <a:noFill/>
+        </p:spPr>
+        <p:txBody>
+          <a:bodyPr wrap="none" rtlCol="0">
+            <a:spAutoFit/>
+          </a:bodyPr>
+          <a:lstStyle/>
+          <a:p>
+            <a:r>
+              <a:rPr lang="en-US" sz="2400" b="1" dirty="0"/>
+              <a:t>/gpfs1/cl/mmg232/</a:t>
+            </a:r>
+            <a:r>
+              <a:rPr lang="en-US" sz="2400" b="1" dirty="0" err="1"/>
+              <a:t>course_materials</a:t>
+            </a:r>
+            <a:r>
+              <a:rPr lang="en-US" sz="2400" b="1" dirty="0"/>
+              <a:t>/hisat2_index</a:t>
+            </a:r>
           </a:p>
         </p:txBody>
       </p:sp>
     </p:spTree>
     <p:extLst>
       <p:ext uri="{BB962C8B-B14F-4D97-AF65-F5344CB8AC3E}">
-        <p14:creationId xmlns:p14="http://schemas.microsoft.com/office/powerpoint/2010/main" val="326098348"/>
+        <p14:creationId xmlns:p14="http://schemas.microsoft.com/office/powerpoint/2010/main" val="512284239"/>
       </p:ext>
     </p:extLst>
   </p:cSld>
@@ -8062,6 +8113,280 @@
           <p:cNvPr id="2" name="Title 1">
             <a:extLst>
               <a:ext uri="{FF2B5EF4-FFF2-40B4-BE49-F238E27FC236}">
+                <a16:creationId xmlns:a16="http://schemas.microsoft.com/office/drawing/2014/main" id="{12F55603-6644-6B4A-94A7-434E41095400}"/>
+              </a:ext>
+            </a:extLst>
+          </p:cNvPr>
+          <p:cNvSpPr>
+            <a:spLocks noGrp="1"/>
+          </p:cNvSpPr>
+          <p:nvPr>
+            <p:ph type="title"/>
+          </p:nvPr>
+        </p:nvSpPr>
+        <p:spPr/>
+        <p:txBody>
+          <a:bodyPr/>
+          <a:lstStyle/>
+          <a:p>
+            <a:endParaRPr lang="en-US"/>
+          </a:p>
+        </p:txBody>
+      </p:sp>
+      <p:pic>
+        <p:nvPicPr>
+          <p:cNvPr id="5" name="Content Placeholder 4" descr="Text&#10;&#10;Description automatically generated">
+            <a:extLst>
+              <a:ext uri="{FF2B5EF4-FFF2-40B4-BE49-F238E27FC236}">
+                <a16:creationId xmlns:a16="http://schemas.microsoft.com/office/drawing/2014/main" id="{C29788B3-F56C-5E49-BF4B-553476634678}"/>
+              </a:ext>
+            </a:extLst>
+          </p:cNvPr>
+          <p:cNvPicPr>
+            <a:picLocks noGrp="1" noChangeAspect="1"/>
+          </p:cNvPicPr>
+          <p:nvPr>
+            <p:ph idx="1"/>
+          </p:nvPr>
+        </p:nvPicPr>
+        <p:blipFill>
+          <a:blip r:embed="rId2"/>
+          <a:stretch>
+            <a:fillRect/>
+          </a:stretch>
+        </p:blipFill>
+        <p:spPr>
+          <a:xfrm>
+            <a:off x="266884" y="2157414"/>
+            <a:ext cx="8877116" cy="1526382"/>
+          </a:xfrm>
+        </p:spPr>
+      </p:pic>
+    </p:spTree>
+    <p:extLst>
+      <p:ext uri="{BB962C8B-B14F-4D97-AF65-F5344CB8AC3E}">
+        <p14:creationId xmlns:p14="http://schemas.microsoft.com/office/powerpoint/2010/main" val="1369808729"/>
+      </p:ext>
+    </p:extLst>
+  </p:cSld>
+  <p:clrMapOvr>
+    <a:masterClrMapping/>
+  </p:clrMapOvr>
+</p:sld>
+</file>
+
+<file path=ppt/slides/slide34.xml><?xml version="1.0" encoding="utf-8"?>
+<p:sld xmlns:a="http://schemas.openxmlformats.org/drawingml/2006/main" xmlns:r="http://schemas.openxmlformats.org/officeDocument/2006/relationships" xmlns:p="http://schemas.openxmlformats.org/presentationml/2006/main">
+  <p:cSld>
+    <p:spTree>
+      <p:nvGrpSpPr>
+        <p:cNvPr id="1" name=""/>
+        <p:cNvGrpSpPr/>
+        <p:nvPr/>
+      </p:nvGrpSpPr>
+      <p:grpSpPr>
+        <a:xfrm>
+          <a:off x="0" y="0"/>
+          <a:ext cx="0" cy="0"/>
+          <a:chOff x="0" y="0"/>
+          <a:chExt cx="0" cy="0"/>
+        </a:xfrm>
+      </p:grpSpPr>
+      <p:sp>
+        <p:nvSpPr>
+          <p:cNvPr id="2" name="Title 1">
+            <a:extLst>
+              <a:ext uri="{FF2B5EF4-FFF2-40B4-BE49-F238E27FC236}">
+                <a16:creationId xmlns:a16="http://schemas.microsoft.com/office/drawing/2014/main" id="{5FB8A856-9C62-234C-A119-407815508D45}"/>
+              </a:ext>
+            </a:extLst>
+          </p:cNvPr>
+          <p:cNvSpPr>
+            <a:spLocks noGrp="1"/>
+          </p:cNvSpPr>
+          <p:nvPr>
+            <p:ph type="title"/>
+          </p:nvPr>
+        </p:nvSpPr>
+        <p:spPr>
+          <a:xfrm>
+            <a:off x="628650" y="365127"/>
+            <a:ext cx="7886700" cy="1063624"/>
+          </a:xfrm>
+        </p:spPr>
+        <p:txBody>
+          <a:bodyPr/>
+          <a:lstStyle/>
+          <a:p>
+            <a:pPr algn="ctr"/>
+            <a:r>
+              <a:rPr lang="en-US" b="1" dirty="0">
+                <a:solidFill>
+                  <a:srgbClr val="002060"/>
+                </a:solidFill>
+              </a:rPr>
+              <a:t>HISAT2 usage </a:t>
+            </a:r>
+          </a:p>
+        </p:txBody>
+      </p:sp>
+      <p:sp>
+        <p:nvSpPr>
+          <p:cNvPr id="3" name="Content Placeholder 2">
+            <a:extLst>
+              <a:ext uri="{FF2B5EF4-FFF2-40B4-BE49-F238E27FC236}">
+                <a16:creationId xmlns:a16="http://schemas.microsoft.com/office/drawing/2014/main" id="{8E774E7E-ABA5-1B4C-B1CA-ED7CDE6FAF8D}"/>
+              </a:ext>
+            </a:extLst>
+          </p:cNvPr>
+          <p:cNvSpPr>
+            <a:spLocks noGrp="1"/>
+          </p:cNvSpPr>
+          <p:nvPr>
+            <p:ph idx="1"/>
+          </p:nvPr>
+        </p:nvSpPr>
+        <p:spPr>
+          <a:xfrm>
+            <a:off x="628650" y="1690689"/>
+            <a:ext cx="7886700" cy="5167311"/>
+          </a:xfrm>
+        </p:spPr>
+        <p:txBody>
+          <a:bodyPr>
+            <a:normAutofit fontScale="92500" lnSpcReduction="20000"/>
+          </a:bodyPr>
+          <a:lstStyle/>
+          <a:p>
+            <a:pPr>
+              <a:buFont typeface="Arial" panose="020B0604020202020204" pitchFamily="34" charset="0"/>
+              <a:buChar char="•"/>
+            </a:pPr>
+            <a:r>
+              <a:rPr lang="en-US" dirty="0">
+                <a:solidFill>
+                  <a:srgbClr val="0070C0"/>
+                </a:solidFill>
+              </a:rPr>
+              <a:t>-1 &lt;m1&gt;</a:t>
+            </a:r>
+            <a:br>
+              <a:rPr lang="en-US" dirty="0">
+                <a:solidFill>
+                  <a:srgbClr val="0070C0"/>
+                </a:solidFill>
+              </a:rPr>
+            </a:br>
+            <a:r>
+              <a:rPr lang="en-US" dirty="0">
+                <a:solidFill>
+                  <a:srgbClr val="0070C0"/>
+                </a:solidFill>
+              </a:rPr>
+              <a:t>Comma-separated list of files containing mate 1s (filename usually includes _1), e.g. -1 flyA_1.fq,flyB_1.fq. Sequences specified with this option must correspond file-for-file and read-for-read with those specified in &lt;m2&gt;. Reads may be a mix of different lengths. If - is specified, hisat2 will read the mate 1s from the “standard in” or “stdin” </a:t>
+            </a:r>
+            <a:r>
+              <a:rPr lang="en-US" dirty="0" err="1">
+                <a:solidFill>
+                  <a:srgbClr val="0070C0"/>
+                </a:solidFill>
+              </a:rPr>
+              <a:t>filehandle</a:t>
+            </a:r>
+            <a:r>
+              <a:rPr lang="en-US" dirty="0">
+                <a:solidFill>
+                  <a:srgbClr val="0070C0"/>
+                </a:solidFill>
+              </a:rPr>
+              <a:t>.</a:t>
+            </a:r>
+          </a:p>
+          <a:p>
+            <a:pPr>
+              <a:buFont typeface="Arial" panose="020B0604020202020204" pitchFamily="34" charset="0"/>
+              <a:buChar char="•"/>
+            </a:pPr>
+            <a:r>
+              <a:rPr lang="en-US" dirty="0">
+                <a:solidFill>
+                  <a:srgbClr val="0070C0"/>
+                </a:solidFill>
+              </a:rPr>
+              <a:t>-2 &lt;m2&gt;</a:t>
+            </a:r>
+            <a:br>
+              <a:rPr lang="en-US" dirty="0">
+                <a:solidFill>
+                  <a:srgbClr val="0070C0"/>
+                </a:solidFill>
+              </a:rPr>
+            </a:br>
+            <a:r>
+              <a:rPr lang="en-US" dirty="0">
+                <a:solidFill>
+                  <a:srgbClr val="0070C0"/>
+                </a:solidFill>
+              </a:rPr>
+              <a:t>Comma-separated list of files containing mate 2s (filename usually includes _2), e.g. -2 flyA_2.fq,flyB_2.fq. Sequences specified with this option must correspond file-for-file and read-for-read with those specified in &lt;m1&gt;. Reads may be a mix of different lengths. If - is specified, hisat2 will read the mate 2s from the “standard in” or “stdin” </a:t>
+            </a:r>
+            <a:r>
+              <a:rPr lang="en-US" dirty="0" err="1">
+                <a:solidFill>
+                  <a:srgbClr val="0070C0"/>
+                </a:solidFill>
+              </a:rPr>
+              <a:t>filehandle</a:t>
+            </a:r>
+            <a:r>
+              <a:rPr lang="en-US" dirty="0">
+                <a:solidFill>
+                  <a:srgbClr val="0070C0"/>
+                </a:solidFill>
+              </a:rPr>
+              <a:t>.</a:t>
+            </a:r>
+          </a:p>
+          <a:p>
+            <a:endParaRPr lang="en-US" dirty="0"/>
+          </a:p>
+        </p:txBody>
+      </p:sp>
+    </p:spTree>
+    <p:extLst>
+      <p:ext uri="{BB962C8B-B14F-4D97-AF65-F5344CB8AC3E}">
+        <p14:creationId xmlns:p14="http://schemas.microsoft.com/office/powerpoint/2010/main" val="326098348"/>
+      </p:ext>
+    </p:extLst>
+  </p:cSld>
+  <p:clrMapOvr>
+    <a:masterClrMapping/>
+  </p:clrMapOvr>
+</p:sld>
+</file>
+
+<file path=ppt/slides/slide35.xml><?xml version="1.0" encoding="utf-8"?>
+<p:sld xmlns:a="http://schemas.openxmlformats.org/drawingml/2006/main" xmlns:r="http://schemas.openxmlformats.org/officeDocument/2006/relationships" xmlns:p="http://schemas.openxmlformats.org/presentationml/2006/main">
+  <p:cSld>
+    <p:spTree>
+      <p:nvGrpSpPr>
+        <p:cNvPr id="1" name=""/>
+        <p:cNvGrpSpPr/>
+        <p:nvPr/>
+      </p:nvGrpSpPr>
+      <p:grpSpPr>
+        <a:xfrm>
+          <a:off x="0" y="0"/>
+          <a:ext cx="0" cy="0"/>
+          <a:chOff x="0" y="0"/>
+          <a:chExt cx="0" cy="0"/>
+        </a:xfrm>
+      </p:grpSpPr>
+      <p:sp>
+        <p:nvSpPr>
+          <p:cNvPr id="2" name="Title 1">
+            <a:extLst>
+              <a:ext uri="{FF2B5EF4-FFF2-40B4-BE49-F238E27FC236}">
                 <a16:creationId xmlns:a16="http://schemas.microsoft.com/office/drawing/2014/main" id="{5FB8A856-9C62-234C-A119-407815508D45}"/>
               </a:ext>
             </a:extLst>
@@ -8213,7 +8538,7 @@
 </p:sld>
 </file>
 
-<file path=ppt/slides/slide34.xml><?xml version="1.0" encoding="utf-8"?>
+<file path=ppt/slides/slide36.xml><?xml version="1.0" encoding="utf-8"?>
 <p:sld xmlns:a="http://schemas.openxmlformats.org/drawingml/2006/main" xmlns:r="http://schemas.openxmlformats.org/officeDocument/2006/relationships" xmlns:p="http://schemas.openxmlformats.org/presentationml/2006/main">
   <p:cSld>
     <p:spTree>
@@ -8323,7 +8648,7 @@
 </p:sld>
 </file>
 
-<file path=ppt/slides/slide35.xml><?xml version="1.0" encoding="utf-8"?>
+<file path=ppt/slides/slide37.xml><?xml version="1.0" encoding="utf-8"?>
 <p:sld xmlns:a="http://schemas.openxmlformats.org/drawingml/2006/main" xmlns:r="http://schemas.openxmlformats.org/officeDocument/2006/relationships" xmlns:p="http://schemas.openxmlformats.org/presentationml/2006/main">
   <p:cSld>
     <p:spTree>
@@ -8935,12 +9260,8 @@
                     <a:p>
                       <a:pPr algn="ctr"/>
                       <a:r>
-                        <a:rPr lang="en-US" sz="2800"/>
-                        <a:t>~10 </a:t>
-                      </a:r>
-                      <a:r>
                         <a:rPr lang="en-US" sz="2800" dirty="0"/>
-                        <a:t>mins </a:t>
+                        <a:t>~10 mins </a:t>
                       </a:r>
                     </a:p>
                   </a:txBody>
@@ -9534,7 +9855,28 @@
                 <a:latin typeface="Times New Roman" panose="02020603050405020304" pitchFamily="18" charset="0"/>
                 <a:cs typeface="Times New Roman" panose="02020603050405020304" pitchFamily="18" charset="0"/>
               </a:rPr>
-              <a:t>Generate the bash script required to align and generate the desired outputs using HISAT2 and </a:t>
+              <a:t>Create a bash script used to align and generate the desired outputs </a:t>
+            </a:r>
+            <a:r>
+              <a:rPr lang="en-US" sz="3200" dirty="0">
+                <a:solidFill>
+                  <a:srgbClr val="292929"/>
+                </a:solidFill>
+                <a:latin typeface="Times New Roman" panose="02020603050405020304" pitchFamily="18" charset="0"/>
+                <a:cs typeface="Times New Roman" panose="02020603050405020304" pitchFamily="18" charset="0"/>
+              </a:rPr>
+              <a:t>using</a:t>
+            </a:r>
+            <a:r>
+              <a:rPr lang="en-US" sz="3200" b="0" dirty="0">
+                <a:solidFill>
+                  <a:srgbClr val="292929"/>
+                </a:solidFill>
+                <a:effectLst/>
+                <a:latin typeface="Times New Roman" panose="02020603050405020304" pitchFamily="18" charset="0"/>
+                <a:cs typeface="Times New Roman" panose="02020603050405020304" pitchFamily="18" charset="0"/>
+              </a:rPr>
+              <a:t> HISAT2 and </a:t>
             </a:r>
             <a:r>
               <a:rPr lang="en-US" sz="3200" b="0" dirty="0" err="1">
@@ -9548,15 +9890,14 @@
               <a:t>SAMtools</a:t>
             </a:r>
             <a:r>
-              <a:rPr lang="en-US" sz="3200" b="0" dirty="0">
+              <a:rPr lang="en-US" sz="3200" dirty="0">
                 <a:solidFill>
                   <a:srgbClr val="292929"/>
                 </a:solidFill>
-                <a:effectLst/>
                 <a:latin typeface="Times New Roman" panose="02020603050405020304" pitchFamily="18" charset="0"/>
                 <a:cs typeface="Times New Roman" panose="02020603050405020304" pitchFamily="18" charset="0"/>
               </a:rPr>
-              <a:t>, respectively </a:t>
+              <a:t> programs</a:t>
             </a:r>
           </a:p>
           <a:p>
@@ -10439,7 +10780,7 @@
             </a:pPr>
             <a:r>
               <a:rPr lang="en-US" sz="1800" dirty="0"/>
-              <a:t>If you want to know on which page a chapter begins, it is much more efficient to look up the page number in a pre-built index (table of contents) than going through every page of the book until you found it. </a:t>
+              <a:t>If you want to know on which page a chapter begins, it is much more efficient to look up the page number in a pre-built index (table of contents) than going through every page of the book until you found the chapter you are looking for. </a:t>
             </a:r>
           </a:p>
         </p:txBody>
